--- a/sunum/bugra sunum.pptx
+++ b/sunum/bugra sunum.pptx
@@ -5,16 +5,22 @@
     <p:sldMasterId id="2147483671" r:id="rId4"/>
   </p:sldMasterIdLst>
   <p:notesMasterIdLst>
-    <p:notesMasterId r:id="rId9"/>
+    <p:notesMasterId r:id="rId15"/>
   </p:notesMasterIdLst>
   <p:handoutMasterIdLst>
-    <p:handoutMasterId r:id="rId10"/>
+    <p:handoutMasterId r:id="rId16"/>
   </p:handoutMasterIdLst>
   <p:sldIdLst>
     <p:sldId id="581" r:id="rId5"/>
     <p:sldId id="583" r:id="rId6"/>
     <p:sldId id="584" r:id="rId7"/>
     <p:sldId id="585" r:id="rId8"/>
+    <p:sldId id="586" r:id="rId9"/>
+    <p:sldId id="593" r:id="rId10"/>
+    <p:sldId id="587" r:id="rId11"/>
+    <p:sldId id="589" r:id="rId12"/>
+    <p:sldId id="590" r:id="rId13"/>
+    <p:sldId id="594" r:id="rId14"/>
   </p:sldIdLst>
   <p:sldSz cx="9144000" cy="6858000" type="screen4x3"/>
   <p:notesSz cx="6797675" cy="9928225"/>
@@ -224,7 +230,10 @@
             <a:pPr>
               <a:defRPr/>
             </a:pPr>
-            <a:endParaRPr lang="tr-TR" altLang="tr-TR"/>
+            <a:r>
+              <a:rPr lang="tr-TR" altLang="tr-TR"/>
+              <a:t>Buğrahan Dutucu</a:t>
+            </a:r>
           </a:p>
         </p:txBody>
       </p:sp>
@@ -267,7 +276,7 @@
               <a:pPr>
                 <a:defRPr/>
               </a:pPr>
-              <a:t>11.08.2025</a:t>
+              <a:t>13.08.2025</a:t>
             </a:fld>
             <a:endParaRPr lang="tr-TR" altLang="tr-TR"/>
           </a:p>
@@ -364,6 +373,7 @@
     </p:extLst>
   </p:cSld>
   <p:clrMap bg1="lt1" tx1="dk1" bg2="lt2" tx2="dk2" accent1="accent1" accent2="accent2" accent3="accent3" accent4="accent4" accent5="accent5" accent6="accent6" hlink="hlink" folHlink="folHlink"/>
+  <p:hf sldNum="0" hdr="0" ftr="0" dt="0"/>
 </p:handoutMaster>
 </file>
 
@@ -433,7 +443,10 @@
             <a:pPr>
               <a:defRPr/>
             </a:pPr>
-            <a:endParaRPr lang="tr-TR" altLang="tr-TR"/>
+            <a:r>
+              <a:rPr lang="tr-TR" altLang="tr-TR"/>
+              <a:t>Buğrahan Dutucu</a:t>
+            </a:r>
           </a:p>
         </p:txBody>
       </p:sp>
@@ -695,6 +708,7 @@
     </p:extLst>
   </p:cSld>
   <p:clrMap bg1="lt1" tx1="dk1" bg2="lt2" tx2="dk2" accent1="accent1" accent2="accent2" accent3="accent3" accent4="accent4" accent5="accent5" accent6="accent6" hlink="hlink" folHlink="folHlink"/>
+  <p:hf sldNum="0" hdr="0" ftr="0" dt="0"/>
   <p:notesStyle>
     <a:lvl1pPr algn="l" rtl="0" eaLnBrk="0" fontAlgn="base" hangingPunct="0">
       <a:spcBef>
@@ -963,14 +977,74 @@
           </a:p>
         </p:txBody>
       </p:sp>
+    </p:spTree>
+    <p:extLst>
+      <p:ext uri="{BB962C8B-B14F-4D97-AF65-F5344CB8AC3E}">
+        <p14:creationId xmlns:p14="http://schemas.microsoft.com/office/powerpoint/2010/main" val="2940501124"/>
+      </p:ext>
+    </p:extLst>
+  </p:cSld>
+  <p:clrMapOvr>
+    <a:masterClrMapping/>
+  </p:clrMapOvr>
+</p:notes>
+</file>
+
+<file path=ppt/notesSlides/notesSlide3.xml><?xml version="1.0" encoding="utf-8"?>
+<p:notes xmlns:a="http://schemas.openxmlformats.org/drawingml/2006/main" xmlns:r="http://schemas.openxmlformats.org/officeDocument/2006/relationships" xmlns:p="http://schemas.openxmlformats.org/presentationml/2006/main">
+  <p:cSld>
+    <p:spTree>
+      <p:nvGrpSpPr>
+        <p:cNvPr id="1" name="">
+          <a:extLst>
+            <a:ext uri="{FF2B5EF4-FFF2-40B4-BE49-F238E27FC236}">
+              <a16:creationId xmlns:a16="http://schemas.microsoft.com/office/drawing/2014/main" id="{1DD3A7C6-4A1B-738D-B022-051A6D5E3839}"/>
+            </a:ext>
+          </a:extLst>
+        </p:cNvPr>
+        <p:cNvGrpSpPr/>
+        <p:nvPr/>
+      </p:nvGrpSpPr>
+      <p:grpSpPr>
+        <a:xfrm>
+          <a:off x="0" y="0"/>
+          <a:ext cx="0" cy="0"/>
+          <a:chOff x="0" y="0"/>
+          <a:chExt cx="0" cy="0"/>
+        </a:xfrm>
+      </p:grpSpPr>
       <p:sp>
         <p:nvSpPr>
-          <p:cNvPr id="4" name="Slide Number Placeholder 3"/>
+          <p:cNvPr id="2" name="Slide Image Placeholder 1">
+            <a:extLst>
+              <a:ext uri="{FF2B5EF4-FFF2-40B4-BE49-F238E27FC236}">
+                <a16:creationId xmlns:a16="http://schemas.microsoft.com/office/drawing/2014/main" id="{79866CE0-1E8A-AE1F-F5E4-D6A537AA5218}"/>
+              </a:ext>
+            </a:extLst>
+          </p:cNvPr>
+          <p:cNvSpPr>
+            <a:spLocks noGrp="1" noRot="1" noChangeAspect="1"/>
+          </p:cNvSpPr>
+          <p:nvPr>
+            <p:ph type="sldImg"/>
+          </p:nvPr>
+        </p:nvSpPr>
+        <p:spPr/>
+      </p:sp>
+      <p:sp>
+        <p:nvSpPr>
+          <p:cNvPr id="3" name="Notes Placeholder 2">
+            <a:extLst>
+              <a:ext uri="{FF2B5EF4-FFF2-40B4-BE49-F238E27FC236}">
+                <a16:creationId xmlns:a16="http://schemas.microsoft.com/office/drawing/2014/main" id="{F9DDB2FA-2349-19BE-71B9-11A76A553285}"/>
+              </a:ext>
+            </a:extLst>
+          </p:cNvPr>
           <p:cNvSpPr>
             <a:spLocks noGrp="1"/>
           </p:cNvSpPr>
           <p:nvPr>
-            <p:ph type="sldNum" sz="quarter" idx="10"/>
+            <p:ph type="body" idx="1"/>
           </p:nvPr>
         </p:nvSpPr>
         <p:spPr/>
@@ -978,24 +1052,2344 @@
           <a:bodyPr/>
           <a:lstStyle/>
           <a:p>
-            <a:pPr>
+            <a:pPr marL="0" marR="0" lvl="0" indent="0" algn="l" defTabSz="914400" rtl="0" eaLnBrk="0" fontAlgn="base" latinLnBrk="0" hangingPunct="0">
+              <a:lnSpc>
+                <a:spcPct val="100000"/>
+              </a:lnSpc>
+              <a:spcBef>
+                <a:spcPct val="30000"/>
+              </a:spcBef>
+              <a:spcAft>
+                <a:spcPct val="0"/>
+              </a:spcAft>
+              <a:buClrTx/>
+              <a:buSzTx/>
+              <a:buFontTx/>
+              <a:buNone/>
+              <a:tabLst/>
               <a:defRPr/>
             </a:pPr>
-            <a:fld id="{E7FFCD16-4E3C-48BC-9616-C2284B8EC459}" type="slidenum">
-              <a:rPr lang="tr-TR" altLang="tr-TR"/>
-              <a:pPr>
-                <a:defRPr/>
-              </a:pPr>
-              <a:t>2</a:t>
-            </a:fld>
-            <a:endParaRPr lang="tr-TR" altLang="tr-TR"/>
+            <a:r>
+              <a:rPr lang="en-US" dirty="0" err="1"/>
+              <a:t>Giriş</a:t>
+            </a:r>
+            <a:r>
+              <a:rPr lang="en-US" dirty="0"/>
+              <a:t>: </a:t>
+            </a:r>
+            <a:r>
+              <a:rPr lang="en-US" dirty="0" err="1"/>
+              <a:t>Proje</a:t>
+            </a:r>
+            <a:r>
+              <a:rPr lang="en-US" dirty="0"/>
+              <a:t> </a:t>
+            </a:r>
+            <a:r>
+              <a:rPr lang="en-US" dirty="0" err="1"/>
+              <a:t>fikrinin</a:t>
+            </a:r>
+            <a:r>
+              <a:rPr lang="en-US" dirty="0"/>
+              <a:t> </a:t>
+            </a:r>
+            <a:r>
+              <a:rPr lang="en-US" dirty="0" err="1"/>
+              <a:t>çıkış</a:t>
+            </a:r>
+            <a:r>
+              <a:rPr lang="en-US" dirty="0"/>
+              <a:t> </a:t>
+            </a:r>
+            <a:r>
+              <a:rPr lang="en-US" dirty="0" err="1"/>
+              <a:t>noktası</a:t>
+            </a:r>
+            <a:r>
+              <a:rPr lang="en-US" dirty="0"/>
+              <a:t> </a:t>
+            </a:r>
+            <a:r>
+              <a:rPr lang="en-US" dirty="0" err="1"/>
+              <a:t>Günümüzde</a:t>
+            </a:r>
+            <a:r>
+              <a:rPr lang="en-US" dirty="0"/>
+              <a:t> </a:t>
+            </a:r>
+            <a:r>
+              <a:rPr lang="en-US" dirty="0" err="1"/>
+              <a:t>mikroservis</a:t>
+            </a:r>
+            <a:r>
+              <a:rPr lang="en-US" dirty="0"/>
+              <a:t> </a:t>
+            </a:r>
+            <a:r>
+              <a:rPr lang="en-US" dirty="0" err="1"/>
+              <a:t>mimarilerinde</a:t>
+            </a:r>
+            <a:r>
+              <a:rPr lang="en-US" dirty="0"/>
+              <a:t> </a:t>
+            </a:r>
+            <a:r>
+              <a:rPr lang="en-US" dirty="0" err="1"/>
+              <a:t>servislerin</a:t>
+            </a:r>
+            <a:r>
+              <a:rPr lang="en-US" dirty="0"/>
+              <a:t> </a:t>
+            </a:r>
+            <a:r>
+              <a:rPr lang="en-US" dirty="0" err="1"/>
+              <a:t>birbirleriyle</a:t>
+            </a:r>
+            <a:r>
+              <a:rPr lang="en-US" dirty="0"/>
+              <a:t> </a:t>
+            </a:r>
+            <a:r>
+              <a:rPr lang="en-US" dirty="0" err="1"/>
+              <a:t>haberleşmesi</a:t>
+            </a:r>
+            <a:r>
+              <a:rPr lang="en-US" dirty="0"/>
+              <a:t> </a:t>
+            </a:r>
+            <a:r>
+              <a:rPr lang="en-US" dirty="0" err="1"/>
+              <a:t>büyük</a:t>
+            </a:r>
+            <a:r>
+              <a:rPr lang="en-US" dirty="0"/>
+              <a:t> </a:t>
+            </a:r>
+            <a:r>
+              <a:rPr lang="en-US" dirty="0" err="1"/>
+              <a:t>ölçüde</a:t>
+            </a:r>
+            <a:r>
+              <a:rPr lang="en-US" dirty="0"/>
+              <a:t> </a:t>
+            </a:r>
+            <a:r>
+              <a:rPr lang="tr-TR" dirty="0"/>
+              <a:t>event</a:t>
+            </a:r>
+            <a:r>
+              <a:rPr lang="en-US" dirty="0"/>
+              <a:t> </a:t>
+            </a:r>
+            <a:r>
+              <a:rPr lang="en-US" dirty="0" err="1"/>
+              <a:t>temelli</a:t>
+            </a:r>
+            <a:r>
+              <a:rPr lang="en-US" dirty="0"/>
+              <a:t> (event-driven) </a:t>
+            </a:r>
+            <a:r>
+              <a:rPr lang="en-US" dirty="0" err="1"/>
+              <a:t>ilerliyor</a:t>
+            </a:r>
+            <a:r>
+              <a:rPr lang="en-US" dirty="0"/>
+              <a:t>. B</a:t>
+            </a:r>
+            <a:r>
+              <a:rPr lang="tr-TR" dirty="0"/>
+              <a:t>u aslında bize</a:t>
+            </a:r>
+            <a:r>
+              <a:rPr lang="en-US" dirty="0"/>
+              <a:t> </a:t>
+            </a:r>
+            <a:r>
+              <a:rPr lang="en-US" dirty="0" err="1"/>
+              <a:t>esneklik</a:t>
+            </a:r>
+            <a:r>
+              <a:rPr lang="en-US" dirty="0"/>
+              <a:t> </a:t>
+            </a:r>
+            <a:r>
+              <a:rPr lang="en-US" dirty="0" err="1"/>
+              <a:t>ve</a:t>
+            </a:r>
+            <a:r>
+              <a:rPr lang="en-US" dirty="0"/>
+              <a:t> </a:t>
+            </a:r>
+            <a:r>
+              <a:rPr lang="en-US" dirty="0" err="1"/>
+              <a:t>ölçeklenebilirlik</a:t>
+            </a:r>
+            <a:r>
+              <a:rPr lang="en-US" dirty="0"/>
+              <a:t> </a:t>
+            </a:r>
+            <a:r>
+              <a:rPr lang="en-US" dirty="0" err="1"/>
+              <a:t>sağlarken</a:t>
+            </a:r>
+            <a:r>
+              <a:rPr lang="en-US" dirty="0"/>
+              <a:t> </a:t>
+            </a:r>
+            <a:r>
+              <a:rPr lang="tr-TR" dirty="0"/>
+              <a:t>ölçek büyüdüğünde anlaşılırlığı</a:t>
+            </a:r>
+            <a:r>
+              <a:rPr lang="en-US" dirty="0"/>
+              <a:t> </a:t>
+            </a:r>
+            <a:r>
+              <a:rPr lang="en-US" dirty="0" err="1"/>
+              <a:t>zorlaştırıyor</a:t>
+            </a:r>
+            <a:r>
+              <a:rPr lang="en-US" dirty="0"/>
+              <a:t>: Hangi </a:t>
+            </a:r>
+            <a:r>
+              <a:rPr lang="en-US" dirty="0" err="1"/>
+              <a:t>servis</a:t>
+            </a:r>
+            <a:r>
+              <a:rPr lang="en-US" dirty="0"/>
+              <a:t> hangi </a:t>
+            </a:r>
+            <a:r>
+              <a:rPr lang="en-US" dirty="0" err="1"/>
+              <a:t>topiğe</a:t>
+            </a:r>
+            <a:r>
+              <a:rPr lang="en-US" dirty="0"/>
+              <a:t> event </a:t>
+            </a:r>
+            <a:r>
+              <a:rPr lang="en-US" dirty="0" err="1"/>
+              <a:t>basıyor</a:t>
+            </a:r>
+            <a:r>
+              <a:rPr lang="en-US" dirty="0"/>
+              <a:t>? Kim </a:t>
+            </a:r>
+            <a:r>
+              <a:rPr lang="en-US" dirty="0" err="1"/>
+              <a:t>bu</a:t>
+            </a:r>
+            <a:r>
+              <a:rPr lang="en-US" dirty="0"/>
+              <a:t> </a:t>
+            </a:r>
+            <a:r>
+              <a:rPr lang="en-US" dirty="0" err="1"/>
+              <a:t>topiği</a:t>
+            </a:r>
+            <a:r>
+              <a:rPr lang="en-US" dirty="0"/>
+              <a:t> </a:t>
+            </a:r>
+            <a:r>
+              <a:rPr lang="en-US" dirty="0" err="1"/>
+              <a:t>tüketiyor</a:t>
+            </a:r>
+            <a:r>
+              <a:rPr lang="en-US" dirty="0"/>
+              <a:t>? </a:t>
+            </a:r>
+            <a:r>
+              <a:rPr lang="tr-TR" dirty="0"/>
+              <a:t>Peki b</a:t>
+            </a:r>
+            <a:r>
+              <a:rPr lang="en-US" dirty="0"/>
+              <a:t>u </a:t>
+            </a:r>
+            <a:r>
+              <a:rPr lang="en-US" dirty="0" err="1"/>
+              <a:t>ilişkiler</a:t>
+            </a:r>
+            <a:r>
+              <a:rPr lang="en-US" dirty="0"/>
+              <a:t> </a:t>
+            </a:r>
+            <a:r>
+              <a:rPr lang="en-US" dirty="0" err="1"/>
+              <a:t>dokümantasyonda</a:t>
+            </a:r>
+            <a:r>
+              <a:rPr lang="en-US" dirty="0"/>
+              <a:t> ne </a:t>
+            </a:r>
+            <a:r>
+              <a:rPr lang="en-US" dirty="0" err="1"/>
+              <a:t>kadar</a:t>
+            </a:r>
+            <a:r>
+              <a:rPr lang="en-US" dirty="0"/>
+              <a:t> </a:t>
+            </a:r>
+            <a:r>
+              <a:rPr lang="en-US" dirty="0" err="1"/>
+              <a:t>doğru</a:t>
+            </a:r>
+            <a:r>
+              <a:rPr lang="en-US" dirty="0"/>
+              <a:t> </a:t>
+            </a:r>
+            <a:r>
+              <a:rPr lang="en-US" dirty="0" err="1"/>
+              <a:t>ve</a:t>
+            </a:r>
+            <a:r>
+              <a:rPr lang="en-US" dirty="0"/>
+              <a:t> </a:t>
+            </a:r>
+            <a:r>
+              <a:rPr lang="en-US" dirty="0" err="1"/>
+              <a:t>güncel</a:t>
+            </a:r>
+            <a:r>
+              <a:rPr lang="en-US" dirty="0"/>
+              <a:t>? </a:t>
+            </a:r>
+            <a:r>
+              <a:rPr lang="en-US" dirty="0" err="1"/>
+              <a:t>Projemin</a:t>
+            </a:r>
+            <a:r>
+              <a:rPr lang="en-US" dirty="0"/>
+              <a:t> </a:t>
+            </a:r>
+            <a:r>
+              <a:rPr lang="en-US" dirty="0" err="1"/>
+              <a:t>amacı</a:t>
+            </a:r>
+            <a:r>
+              <a:rPr lang="en-US" dirty="0"/>
+              <a:t>, </a:t>
+            </a:r>
+            <a:r>
+              <a:rPr lang="en-US" dirty="0" err="1"/>
+              <a:t>bu</a:t>
+            </a:r>
+            <a:r>
+              <a:rPr lang="en-US" dirty="0"/>
+              <a:t> </a:t>
+            </a:r>
+            <a:r>
+              <a:rPr lang="en-US" dirty="0" err="1"/>
+              <a:t>sorulara</a:t>
+            </a:r>
+            <a:r>
+              <a:rPr lang="en-US" dirty="0"/>
+              <a:t> </a:t>
+            </a:r>
+            <a:r>
+              <a:rPr lang="en-US" dirty="0" err="1"/>
+              <a:t>cevap</a:t>
+            </a:r>
+            <a:r>
+              <a:rPr lang="en-US" dirty="0"/>
+              <a:t> </a:t>
+            </a:r>
+            <a:r>
+              <a:rPr lang="en-US" dirty="0" err="1"/>
+              <a:t>verecek</a:t>
+            </a:r>
+            <a:r>
+              <a:rPr lang="en-US" dirty="0"/>
+              <a:t> </a:t>
+            </a:r>
+            <a:r>
+              <a:rPr lang="en-US" dirty="0" err="1"/>
+              <a:t>bir</a:t>
+            </a:r>
+            <a:r>
+              <a:rPr lang="en-US" dirty="0"/>
+              <a:t> </a:t>
+            </a:r>
+            <a:r>
+              <a:rPr lang="en-US" dirty="0" err="1"/>
+              <a:t>bağımlılık</a:t>
+            </a:r>
+            <a:r>
+              <a:rPr lang="en-US" dirty="0"/>
+              <a:t> </a:t>
+            </a:r>
+            <a:r>
+              <a:rPr lang="en-US" dirty="0" err="1"/>
+              <a:t>haritasını</a:t>
+            </a:r>
+            <a:r>
+              <a:rPr lang="en-US" dirty="0"/>
+              <a:t> </a:t>
+            </a:r>
+            <a:r>
+              <a:rPr lang="en-US" dirty="0" err="1"/>
+              <a:t>otomatik</a:t>
+            </a:r>
+            <a:r>
+              <a:rPr lang="en-US" dirty="0"/>
+              <a:t> </a:t>
+            </a:r>
+            <a:r>
+              <a:rPr lang="en-US" dirty="0" err="1"/>
+              <a:t>üretmek</a:t>
+            </a:r>
+            <a:r>
+              <a:rPr lang="en-US" dirty="0"/>
+              <a:t>; </a:t>
+            </a:r>
+            <a:r>
+              <a:rPr lang="en-US" dirty="0" err="1"/>
+              <a:t>böylece</a:t>
+            </a:r>
+            <a:r>
+              <a:rPr lang="en-US" dirty="0"/>
+              <a:t> </a:t>
+            </a:r>
+            <a:r>
+              <a:rPr lang="en-US" dirty="0" err="1"/>
+              <a:t>ekip</a:t>
+            </a:r>
+            <a:r>
+              <a:rPr lang="en-US" dirty="0"/>
+              <a:t> </a:t>
+            </a:r>
+            <a:r>
+              <a:rPr lang="en-US" dirty="0" err="1"/>
+              <a:t>mimariyi</a:t>
+            </a:r>
+            <a:r>
+              <a:rPr lang="en-US" dirty="0"/>
+              <a:t> </a:t>
+            </a:r>
+            <a:r>
+              <a:rPr lang="en-US" dirty="0" err="1"/>
+              <a:t>bir</a:t>
+            </a:r>
+            <a:r>
+              <a:rPr lang="en-US" dirty="0"/>
+              <a:t> </a:t>
+            </a:r>
+            <a:r>
+              <a:rPr lang="en-US" dirty="0" err="1"/>
+              <a:t>bakışta</a:t>
+            </a:r>
+            <a:r>
+              <a:rPr lang="en-US" dirty="0"/>
+              <a:t> </a:t>
+            </a:r>
+            <a:r>
+              <a:rPr lang="en-US" dirty="0" err="1"/>
+              <a:t>kavrayıp</a:t>
+            </a:r>
+            <a:r>
+              <a:rPr lang="en-US" dirty="0"/>
+              <a:t> </a:t>
+            </a:r>
+            <a:r>
+              <a:rPr lang="en-US" dirty="0" err="1"/>
+              <a:t>eksikleri</a:t>
+            </a:r>
+            <a:r>
+              <a:rPr lang="en-US" dirty="0"/>
+              <a:t> </a:t>
+            </a:r>
+            <a:r>
+              <a:rPr lang="en-US" dirty="0" err="1"/>
+              <a:t>hızla</a:t>
+            </a:r>
+            <a:r>
+              <a:rPr lang="en-US" dirty="0"/>
+              <a:t> </a:t>
+            </a:r>
+            <a:r>
+              <a:rPr lang="en-US" dirty="0" err="1"/>
+              <a:t>tespit</a:t>
+            </a:r>
+            <a:r>
+              <a:rPr lang="en-US" dirty="0"/>
+              <a:t> </a:t>
+            </a:r>
+            <a:r>
+              <a:rPr lang="en-US" dirty="0" err="1"/>
+              <a:t>edebilsin</a:t>
+            </a:r>
+            <a:r>
+              <a:rPr lang="en-US" dirty="0"/>
+              <a:t>.</a:t>
+            </a:r>
+            <a:endParaRPr lang="tr-TR" dirty="0"/>
+          </a:p>
+          <a:p>
+            <a:pPr marL="0" marR="0" lvl="0" indent="0" algn="l" defTabSz="914400" rtl="0" eaLnBrk="0" fontAlgn="base" latinLnBrk="0" hangingPunct="0">
+              <a:lnSpc>
+                <a:spcPct val="100000"/>
+              </a:lnSpc>
+              <a:spcBef>
+                <a:spcPct val="30000"/>
+              </a:spcBef>
+              <a:spcAft>
+                <a:spcPct val="0"/>
+              </a:spcAft>
+              <a:buClrTx/>
+              <a:buSzTx/>
+              <a:buFontTx/>
+              <a:buNone/>
+              <a:tabLst/>
+              <a:defRPr/>
+            </a:pPr>
+            <a:r>
+              <a:rPr lang="en-US" dirty="0"/>
+              <a:t>“Bu </a:t>
+            </a:r>
+            <a:r>
+              <a:rPr lang="en-US" dirty="0" err="1"/>
+              <a:t>servis</a:t>
+            </a:r>
+            <a:r>
+              <a:rPr lang="en-US" dirty="0"/>
+              <a:t> down </a:t>
+            </a:r>
+            <a:r>
+              <a:rPr lang="en-US" dirty="0" err="1"/>
+              <a:t>olursa</a:t>
+            </a:r>
+            <a:r>
+              <a:rPr lang="en-US" dirty="0"/>
+              <a:t> hangi </a:t>
+            </a:r>
+            <a:r>
+              <a:rPr lang="en-US" dirty="0" err="1"/>
+              <a:t>akışlar</a:t>
+            </a:r>
+            <a:r>
+              <a:rPr lang="en-US" dirty="0"/>
+              <a:t> </a:t>
+            </a:r>
+            <a:r>
+              <a:rPr lang="en-US" dirty="0" err="1"/>
+              <a:t>zincirleme</a:t>
+            </a:r>
+            <a:r>
+              <a:rPr lang="en-US" dirty="0"/>
+              <a:t> </a:t>
+            </a:r>
+            <a:r>
+              <a:rPr lang="en-US" dirty="0" err="1"/>
+              <a:t>etkilenir</a:t>
+            </a:r>
+            <a:r>
+              <a:rPr lang="en-US" dirty="0"/>
+              <a:t>?”</a:t>
+            </a:r>
+          </a:p>
+          <a:p>
+            <a:endParaRPr lang="en-US" dirty="0"/>
           </a:p>
         </p:txBody>
       </p:sp>
     </p:spTree>
     <p:extLst>
       <p:ext uri="{BB962C8B-B14F-4D97-AF65-F5344CB8AC3E}">
-        <p14:creationId xmlns:p14="http://schemas.microsoft.com/office/powerpoint/2010/main" val="2940501124"/>
+        <p14:creationId xmlns:p14="http://schemas.microsoft.com/office/powerpoint/2010/main" val="2445166887"/>
+      </p:ext>
+    </p:extLst>
+  </p:cSld>
+  <p:clrMapOvr>
+    <a:masterClrMapping/>
+  </p:clrMapOvr>
+</p:notes>
+</file>
+
+<file path=ppt/notesSlides/notesSlide4.xml><?xml version="1.0" encoding="utf-8"?>
+<p:notes xmlns:a="http://schemas.openxmlformats.org/drawingml/2006/main" xmlns:r="http://schemas.openxmlformats.org/officeDocument/2006/relationships" xmlns:p="http://schemas.openxmlformats.org/presentationml/2006/main">
+  <p:cSld>
+    <p:spTree>
+      <p:nvGrpSpPr>
+        <p:cNvPr id="1" name=""/>
+        <p:cNvGrpSpPr/>
+        <p:nvPr/>
+      </p:nvGrpSpPr>
+      <p:grpSpPr>
+        <a:xfrm>
+          <a:off x="0" y="0"/>
+          <a:ext cx="0" cy="0"/>
+          <a:chOff x="0" y="0"/>
+          <a:chExt cx="0" cy="0"/>
+        </a:xfrm>
+      </p:grpSpPr>
+      <p:sp>
+        <p:nvSpPr>
+          <p:cNvPr id="2" name="Slide Image Placeholder 1"/>
+          <p:cNvSpPr>
+            <a:spLocks noGrp="1" noRot="1" noChangeAspect="1"/>
+          </p:cNvSpPr>
+          <p:nvPr>
+            <p:ph type="sldImg"/>
+          </p:nvPr>
+        </p:nvSpPr>
+        <p:spPr/>
+      </p:sp>
+      <p:sp>
+        <p:nvSpPr>
+          <p:cNvPr id="3" name="Notes Placeholder 2"/>
+          <p:cNvSpPr>
+            <a:spLocks noGrp="1"/>
+          </p:cNvSpPr>
+          <p:nvPr>
+            <p:ph type="body" idx="1"/>
+          </p:nvPr>
+        </p:nvSpPr>
+        <p:spPr/>
+        <p:txBody>
+          <a:bodyPr/>
+          <a:lstStyle/>
+          <a:p>
+            <a:pPr marL="0" marR="0" lvl="0" indent="0" algn="l" defTabSz="914400" rtl="0" eaLnBrk="0" fontAlgn="base" latinLnBrk="0" hangingPunct="0">
+              <a:lnSpc>
+                <a:spcPct val="100000"/>
+              </a:lnSpc>
+              <a:spcBef>
+                <a:spcPct val="30000"/>
+              </a:spcBef>
+              <a:spcAft>
+                <a:spcPct val="0"/>
+              </a:spcAft>
+              <a:buClrTx/>
+              <a:buSzTx/>
+              <a:buFontTx/>
+              <a:buNone/>
+              <a:tabLst/>
+              <a:defRPr/>
+            </a:pPr>
+            <a:r>
+              <a:rPr lang="en-US" dirty="0" err="1"/>
+              <a:t>Giriş</a:t>
+            </a:r>
+            <a:r>
+              <a:rPr lang="en-US" dirty="0"/>
+              <a:t>: </a:t>
+            </a:r>
+            <a:r>
+              <a:rPr lang="en-US" dirty="0" err="1"/>
+              <a:t>Proje</a:t>
+            </a:r>
+            <a:r>
+              <a:rPr lang="en-US" dirty="0"/>
+              <a:t> </a:t>
+            </a:r>
+            <a:r>
+              <a:rPr lang="en-US" dirty="0" err="1"/>
+              <a:t>fikrinin</a:t>
+            </a:r>
+            <a:r>
+              <a:rPr lang="en-US" dirty="0"/>
+              <a:t> </a:t>
+            </a:r>
+            <a:r>
+              <a:rPr lang="en-US" dirty="0" err="1"/>
+              <a:t>çıkış</a:t>
+            </a:r>
+            <a:r>
+              <a:rPr lang="en-US" dirty="0"/>
+              <a:t> </a:t>
+            </a:r>
+            <a:r>
+              <a:rPr lang="en-US" dirty="0" err="1"/>
+              <a:t>noktası</a:t>
+            </a:r>
+            <a:r>
+              <a:rPr lang="en-US" dirty="0"/>
+              <a:t> </a:t>
+            </a:r>
+            <a:r>
+              <a:rPr lang="en-US" dirty="0" err="1"/>
+              <a:t>Günümüzde</a:t>
+            </a:r>
+            <a:r>
+              <a:rPr lang="en-US" dirty="0"/>
+              <a:t> </a:t>
+            </a:r>
+            <a:r>
+              <a:rPr lang="en-US" dirty="0" err="1"/>
+              <a:t>mikroservis</a:t>
+            </a:r>
+            <a:r>
+              <a:rPr lang="en-US" dirty="0"/>
+              <a:t> </a:t>
+            </a:r>
+            <a:r>
+              <a:rPr lang="en-US" dirty="0" err="1"/>
+              <a:t>mimarilerinde</a:t>
+            </a:r>
+            <a:r>
+              <a:rPr lang="en-US" dirty="0"/>
+              <a:t> </a:t>
+            </a:r>
+            <a:r>
+              <a:rPr lang="en-US" dirty="0" err="1"/>
+              <a:t>servislerin</a:t>
+            </a:r>
+            <a:r>
+              <a:rPr lang="en-US" dirty="0"/>
+              <a:t> </a:t>
+            </a:r>
+            <a:r>
+              <a:rPr lang="en-US" dirty="0" err="1"/>
+              <a:t>birbirleriyle</a:t>
+            </a:r>
+            <a:r>
+              <a:rPr lang="en-US" dirty="0"/>
+              <a:t> </a:t>
+            </a:r>
+            <a:r>
+              <a:rPr lang="en-US" dirty="0" err="1"/>
+              <a:t>haberleşmesi</a:t>
+            </a:r>
+            <a:r>
+              <a:rPr lang="en-US" dirty="0"/>
+              <a:t> </a:t>
+            </a:r>
+            <a:r>
+              <a:rPr lang="en-US" dirty="0" err="1"/>
+              <a:t>büyük</a:t>
+            </a:r>
+            <a:r>
+              <a:rPr lang="en-US" dirty="0"/>
+              <a:t> </a:t>
+            </a:r>
+            <a:r>
+              <a:rPr lang="en-US" dirty="0" err="1"/>
+              <a:t>ölçüde</a:t>
+            </a:r>
+            <a:r>
+              <a:rPr lang="en-US" dirty="0"/>
+              <a:t> </a:t>
+            </a:r>
+            <a:r>
+              <a:rPr lang="tr-TR" dirty="0"/>
+              <a:t>event</a:t>
+            </a:r>
+            <a:r>
+              <a:rPr lang="en-US" dirty="0"/>
+              <a:t> </a:t>
+            </a:r>
+            <a:r>
+              <a:rPr lang="en-US" dirty="0" err="1"/>
+              <a:t>temelli</a:t>
+            </a:r>
+            <a:r>
+              <a:rPr lang="en-US" dirty="0"/>
+              <a:t> (event-driven) </a:t>
+            </a:r>
+            <a:r>
+              <a:rPr lang="en-US" dirty="0" err="1"/>
+              <a:t>ilerliyor</a:t>
+            </a:r>
+            <a:r>
+              <a:rPr lang="en-US" dirty="0"/>
+              <a:t>. B</a:t>
+            </a:r>
+            <a:r>
+              <a:rPr lang="tr-TR" dirty="0"/>
+              <a:t>u aslında bize</a:t>
+            </a:r>
+            <a:r>
+              <a:rPr lang="en-US" dirty="0"/>
+              <a:t> </a:t>
+            </a:r>
+            <a:r>
+              <a:rPr lang="en-US" dirty="0" err="1"/>
+              <a:t>esneklik</a:t>
+            </a:r>
+            <a:r>
+              <a:rPr lang="en-US" dirty="0"/>
+              <a:t> </a:t>
+            </a:r>
+            <a:r>
+              <a:rPr lang="en-US" dirty="0" err="1"/>
+              <a:t>ve</a:t>
+            </a:r>
+            <a:r>
+              <a:rPr lang="en-US" dirty="0"/>
+              <a:t> </a:t>
+            </a:r>
+            <a:r>
+              <a:rPr lang="en-US" dirty="0" err="1"/>
+              <a:t>ölçeklenebilirlik</a:t>
+            </a:r>
+            <a:r>
+              <a:rPr lang="en-US" dirty="0"/>
+              <a:t> </a:t>
+            </a:r>
+            <a:r>
+              <a:rPr lang="en-US" dirty="0" err="1"/>
+              <a:t>sağlarken</a:t>
+            </a:r>
+            <a:r>
+              <a:rPr lang="en-US" dirty="0"/>
+              <a:t> </a:t>
+            </a:r>
+            <a:r>
+              <a:rPr lang="tr-TR" dirty="0"/>
+              <a:t>ölçek büyüdüğünde anlaşılırlığı</a:t>
+            </a:r>
+            <a:r>
+              <a:rPr lang="en-US" dirty="0"/>
+              <a:t> </a:t>
+            </a:r>
+            <a:r>
+              <a:rPr lang="en-US" dirty="0" err="1"/>
+              <a:t>zorlaştırıyor</a:t>
+            </a:r>
+            <a:r>
+              <a:rPr lang="en-US" dirty="0"/>
+              <a:t>: Hangi </a:t>
+            </a:r>
+            <a:r>
+              <a:rPr lang="en-US" dirty="0" err="1"/>
+              <a:t>servis</a:t>
+            </a:r>
+            <a:r>
+              <a:rPr lang="en-US" dirty="0"/>
+              <a:t> hangi </a:t>
+            </a:r>
+            <a:r>
+              <a:rPr lang="en-US" dirty="0" err="1"/>
+              <a:t>topiğe</a:t>
+            </a:r>
+            <a:r>
+              <a:rPr lang="en-US" dirty="0"/>
+              <a:t> event </a:t>
+            </a:r>
+            <a:r>
+              <a:rPr lang="en-US" dirty="0" err="1"/>
+              <a:t>basıyor</a:t>
+            </a:r>
+            <a:r>
+              <a:rPr lang="en-US" dirty="0"/>
+              <a:t>? Kim </a:t>
+            </a:r>
+            <a:r>
+              <a:rPr lang="en-US" dirty="0" err="1"/>
+              <a:t>bu</a:t>
+            </a:r>
+            <a:r>
+              <a:rPr lang="en-US" dirty="0"/>
+              <a:t> </a:t>
+            </a:r>
+            <a:r>
+              <a:rPr lang="en-US" dirty="0" err="1"/>
+              <a:t>topiği</a:t>
+            </a:r>
+            <a:r>
+              <a:rPr lang="en-US" dirty="0"/>
+              <a:t> </a:t>
+            </a:r>
+            <a:r>
+              <a:rPr lang="en-US" dirty="0" err="1"/>
+              <a:t>tüketiyor</a:t>
+            </a:r>
+            <a:r>
+              <a:rPr lang="en-US" dirty="0"/>
+              <a:t>? </a:t>
+            </a:r>
+            <a:r>
+              <a:rPr lang="tr-TR" dirty="0"/>
+              <a:t>Peki b</a:t>
+            </a:r>
+            <a:r>
+              <a:rPr lang="en-US" dirty="0"/>
+              <a:t>u </a:t>
+            </a:r>
+            <a:r>
+              <a:rPr lang="en-US" dirty="0" err="1"/>
+              <a:t>ilişkiler</a:t>
+            </a:r>
+            <a:r>
+              <a:rPr lang="en-US" dirty="0"/>
+              <a:t> </a:t>
+            </a:r>
+            <a:r>
+              <a:rPr lang="en-US" dirty="0" err="1"/>
+              <a:t>dokümantasyonda</a:t>
+            </a:r>
+            <a:r>
+              <a:rPr lang="en-US" dirty="0"/>
+              <a:t> ne </a:t>
+            </a:r>
+            <a:r>
+              <a:rPr lang="en-US" dirty="0" err="1"/>
+              <a:t>kadar</a:t>
+            </a:r>
+            <a:r>
+              <a:rPr lang="en-US" dirty="0"/>
+              <a:t> </a:t>
+            </a:r>
+            <a:r>
+              <a:rPr lang="en-US" dirty="0" err="1"/>
+              <a:t>doğru</a:t>
+            </a:r>
+            <a:r>
+              <a:rPr lang="en-US" dirty="0"/>
+              <a:t> </a:t>
+            </a:r>
+            <a:r>
+              <a:rPr lang="en-US" dirty="0" err="1"/>
+              <a:t>ve</a:t>
+            </a:r>
+            <a:r>
+              <a:rPr lang="en-US" dirty="0"/>
+              <a:t> </a:t>
+            </a:r>
+            <a:r>
+              <a:rPr lang="en-US" dirty="0" err="1"/>
+              <a:t>güncel</a:t>
+            </a:r>
+            <a:r>
+              <a:rPr lang="en-US" dirty="0"/>
+              <a:t>? </a:t>
+            </a:r>
+            <a:r>
+              <a:rPr lang="en-US" dirty="0" err="1"/>
+              <a:t>Projemin</a:t>
+            </a:r>
+            <a:r>
+              <a:rPr lang="en-US" dirty="0"/>
+              <a:t> </a:t>
+            </a:r>
+            <a:r>
+              <a:rPr lang="en-US" dirty="0" err="1"/>
+              <a:t>amacı</a:t>
+            </a:r>
+            <a:r>
+              <a:rPr lang="en-US" dirty="0"/>
+              <a:t>, </a:t>
+            </a:r>
+            <a:r>
+              <a:rPr lang="en-US" dirty="0" err="1"/>
+              <a:t>bu</a:t>
+            </a:r>
+            <a:r>
+              <a:rPr lang="en-US" dirty="0"/>
+              <a:t> </a:t>
+            </a:r>
+            <a:r>
+              <a:rPr lang="en-US" dirty="0" err="1"/>
+              <a:t>sorulara</a:t>
+            </a:r>
+            <a:r>
+              <a:rPr lang="en-US" dirty="0"/>
+              <a:t> </a:t>
+            </a:r>
+            <a:r>
+              <a:rPr lang="en-US" dirty="0" err="1"/>
+              <a:t>cevap</a:t>
+            </a:r>
+            <a:r>
+              <a:rPr lang="en-US" dirty="0"/>
+              <a:t> </a:t>
+            </a:r>
+            <a:r>
+              <a:rPr lang="en-US" dirty="0" err="1"/>
+              <a:t>verecek</a:t>
+            </a:r>
+            <a:r>
+              <a:rPr lang="en-US" dirty="0"/>
+              <a:t> </a:t>
+            </a:r>
+            <a:r>
+              <a:rPr lang="en-US" dirty="0" err="1"/>
+              <a:t>bir</a:t>
+            </a:r>
+            <a:r>
+              <a:rPr lang="en-US" dirty="0"/>
+              <a:t> </a:t>
+            </a:r>
+            <a:r>
+              <a:rPr lang="en-US" dirty="0" err="1"/>
+              <a:t>bağımlılık</a:t>
+            </a:r>
+            <a:r>
+              <a:rPr lang="en-US" dirty="0"/>
+              <a:t> </a:t>
+            </a:r>
+            <a:r>
+              <a:rPr lang="en-US" dirty="0" err="1"/>
+              <a:t>haritasını</a:t>
+            </a:r>
+            <a:r>
+              <a:rPr lang="en-US" dirty="0"/>
+              <a:t> </a:t>
+            </a:r>
+            <a:r>
+              <a:rPr lang="en-US" dirty="0" err="1"/>
+              <a:t>otomatik</a:t>
+            </a:r>
+            <a:r>
+              <a:rPr lang="en-US" dirty="0"/>
+              <a:t> </a:t>
+            </a:r>
+            <a:r>
+              <a:rPr lang="en-US" dirty="0" err="1"/>
+              <a:t>üretmek</a:t>
+            </a:r>
+            <a:r>
+              <a:rPr lang="en-US" dirty="0"/>
+              <a:t>; </a:t>
+            </a:r>
+            <a:r>
+              <a:rPr lang="en-US" dirty="0" err="1"/>
+              <a:t>böylece</a:t>
+            </a:r>
+            <a:r>
+              <a:rPr lang="en-US" dirty="0"/>
+              <a:t> </a:t>
+            </a:r>
+            <a:r>
+              <a:rPr lang="en-US" dirty="0" err="1"/>
+              <a:t>ekip</a:t>
+            </a:r>
+            <a:r>
+              <a:rPr lang="en-US" dirty="0"/>
+              <a:t> </a:t>
+            </a:r>
+            <a:r>
+              <a:rPr lang="en-US" dirty="0" err="1"/>
+              <a:t>mimariyi</a:t>
+            </a:r>
+            <a:r>
+              <a:rPr lang="en-US" dirty="0"/>
+              <a:t> </a:t>
+            </a:r>
+            <a:r>
+              <a:rPr lang="en-US" dirty="0" err="1"/>
+              <a:t>bir</a:t>
+            </a:r>
+            <a:r>
+              <a:rPr lang="en-US" dirty="0"/>
+              <a:t> </a:t>
+            </a:r>
+            <a:r>
+              <a:rPr lang="en-US" dirty="0" err="1"/>
+              <a:t>bakışta</a:t>
+            </a:r>
+            <a:r>
+              <a:rPr lang="en-US" dirty="0"/>
+              <a:t> </a:t>
+            </a:r>
+            <a:r>
+              <a:rPr lang="en-US" dirty="0" err="1"/>
+              <a:t>kavrayıp</a:t>
+            </a:r>
+            <a:r>
+              <a:rPr lang="en-US" dirty="0"/>
+              <a:t> </a:t>
+            </a:r>
+            <a:r>
+              <a:rPr lang="en-US" dirty="0" err="1"/>
+              <a:t>eksikleri</a:t>
+            </a:r>
+            <a:r>
+              <a:rPr lang="en-US" dirty="0"/>
+              <a:t> </a:t>
+            </a:r>
+            <a:r>
+              <a:rPr lang="en-US" dirty="0" err="1"/>
+              <a:t>hızla</a:t>
+            </a:r>
+            <a:r>
+              <a:rPr lang="en-US" dirty="0"/>
+              <a:t> </a:t>
+            </a:r>
+            <a:r>
+              <a:rPr lang="en-US" dirty="0" err="1"/>
+              <a:t>tespit</a:t>
+            </a:r>
+            <a:r>
+              <a:rPr lang="en-US" dirty="0"/>
+              <a:t> </a:t>
+            </a:r>
+            <a:r>
+              <a:rPr lang="en-US" dirty="0" err="1"/>
+              <a:t>edebilsin</a:t>
+            </a:r>
+            <a:r>
+              <a:rPr lang="en-US" dirty="0"/>
+              <a:t>.</a:t>
+            </a:r>
+            <a:endParaRPr lang="tr-TR" dirty="0"/>
+          </a:p>
+          <a:p>
+            <a:pPr marL="0" marR="0" lvl="0" indent="0" algn="l" defTabSz="914400" rtl="0" eaLnBrk="0" fontAlgn="base" latinLnBrk="0" hangingPunct="0">
+              <a:lnSpc>
+                <a:spcPct val="100000"/>
+              </a:lnSpc>
+              <a:spcBef>
+                <a:spcPct val="30000"/>
+              </a:spcBef>
+              <a:spcAft>
+                <a:spcPct val="0"/>
+              </a:spcAft>
+              <a:buClrTx/>
+              <a:buSzTx/>
+              <a:buFontTx/>
+              <a:buNone/>
+              <a:tabLst/>
+              <a:defRPr/>
+            </a:pPr>
+            <a:r>
+              <a:rPr lang="en-US" dirty="0"/>
+              <a:t>“Bu </a:t>
+            </a:r>
+            <a:r>
+              <a:rPr lang="en-US" dirty="0" err="1"/>
+              <a:t>servis</a:t>
+            </a:r>
+            <a:r>
+              <a:rPr lang="en-US" dirty="0"/>
+              <a:t> down </a:t>
+            </a:r>
+            <a:r>
+              <a:rPr lang="en-US" dirty="0" err="1"/>
+              <a:t>olursa</a:t>
+            </a:r>
+            <a:r>
+              <a:rPr lang="en-US" dirty="0"/>
+              <a:t> hangi </a:t>
+            </a:r>
+            <a:r>
+              <a:rPr lang="en-US" dirty="0" err="1"/>
+              <a:t>akışlar</a:t>
+            </a:r>
+            <a:r>
+              <a:rPr lang="en-US" dirty="0"/>
+              <a:t> </a:t>
+            </a:r>
+            <a:r>
+              <a:rPr lang="en-US" dirty="0" err="1"/>
+              <a:t>zincirleme</a:t>
+            </a:r>
+            <a:r>
+              <a:rPr lang="en-US" dirty="0"/>
+              <a:t> </a:t>
+            </a:r>
+            <a:r>
+              <a:rPr lang="en-US" dirty="0" err="1"/>
+              <a:t>etkilenir</a:t>
+            </a:r>
+            <a:r>
+              <a:rPr lang="en-US" dirty="0"/>
+              <a:t>?”</a:t>
+            </a:r>
+          </a:p>
+          <a:p>
+            <a:endParaRPr lang="en-US" dirty="0"/>
+          </a:p>
+        </p:txBody>
+      </p:sp>
+    </p:spTree>
+    <p:extLst>
+      <p:ext uri="{BB962C8B-B14F-4D97-AF65-F5344CB8AC3E}">
+        <p14:creationId xmlns:p14="http://schemas.microsoft.com/office/powerpoint/2010/main" val="130880505"/>
+      </p:ext>
+    </p:extLst>
+  </p:cSld>
+  <p:clrMapOvr>
+    <a:masterClrMapping/>
+  </p:clrMapOvr>
+</p:notes>
+</file>
+
+<file path=ppt/notesSlides/notesSlide5.xml><?xml version="1.0" encoding="utf-8"?>
+<p:notes xmlns:a="http://schemas.openxmlformats.org/drawingml/2006/main" xmlns:r="http://schemas.openxmlformats.org/officeDocument/2006/relationships" xmlns:p="http://schemas.openxmlformats.org/presentationml/2006/main">
+  <p:cSld>
+    <p:spTree>
+      <p:nvGrpSpPr>
+        <p:cNvPr id="1" name="">
+          <a:extLst>
+            <a:ext uri="{FF2B5EF4-FFF2-40B4-BE49-F238E27FC236}">
+              <a16:creationId xmlns:a16="http://schemas.microsoft.com/office/drawing/2014/main" id="{3AFF990F-FA4F-4548-2FB9-73ED3E62776E}"/>
+            </a:ext>
+          </a:extLst>
+        </p:cNvPr>
+        <p:cNvGrpSpPr/>
+        <p:nvPr/>
+      </p:nvGrpSpPr>
+      <p:grpSpPr>
+        <a:xfrm>
+          <a:off x="0" y="0"/>
+          <a:ext cx="0" cy="0"/>
+          <a:chOff x="0" y="0"/>
+          <a:chExt cx="0" cy="0"/>
+        </a:xfrm>
+      </p:grpSpPr>
+      <p:sp>
+        <p:nvSpPr>
+          <p:cNvPr id="2" name="Slide Image Placeholder 1">
+            <a:extLst>
+              <a:ext uri="{FF2B5EF4-FFF2-40B4-BE49-F238E27FC236}">
+                <a16:creationId xmlns:a16="http://schemas.microsoft.com/office/drawing/2014/main" id="{93941D5E-E8D8-CC23-CD31-0A9A85DE4F92}"/>
+              </a:ext>
+            </a:extLst>
+          </p:cNvPr>
+          <p:cNvSpPr>
+            <a:spLocks noGrp="1" noRot="1" noChangeAspect="1"/>
+          </p:cNvSpPr>
+          <p:nvPr>
+            <p:ph type="sldImg"/>
+          </p:nvPr>
+        </p:nvSpPr>
+        <p:spPr/>
+      </p:sp>
+      <p:sp>
+        <p:nvSpPr>
+          <p:cNvPr id="3" name="Notes Placeholder 2">
+            <a:extLst>
+              <a:ext uri="{FF2B5EF4-FFF2-40B4-BE49-F238E27FC236}">
+                <a16:creationId xmlns:a16="http://schemas.microsoft.com/office/drawing/2014/main" id="{13A52690-3775-AAE7-DC29-0D0FB2507A56}"/>
+              </a:ext>
+            </a:extLst>
+          </p:cNvPr>
+          <p:cNvSpPr>
+            <a:spLocks noGrp="1"/>
+          </p:cNvSpPr>
+          <p:nvPr>
+            <p:ph type="body" idx="1"/>
+          </p:nvPr>
+        </p:nvSpPr>
+        <p:spPr/>
+        <p:txBody>
+          <a:bodyPr/>
+          <a:lstStyle/>
+          <a:p>
+            <a:endParaRPr lang="en-US" dirty="0"/>
+          </a:p>
+        </p:txBody>
+      </p:sp>
+    </p:spTree>
+    <p:extLst>
+      <p:ext uri="{BB962C8B-B14F-4D97-AF65-F5344CB8AC3E}">
+        <p14:creationId xmlns:p14="http://schemas.microsoft.com/office/powerpoint/2010/main" val="2348260472"/>
+      </p:ext>
+    </p:extLst>
+  </p:cSld>
+  <p:clrMapOvr>
+    <a:masterClrMapping/>
+  </p:clrMapOvr>
+</p:notes>
+</file>
+
+<file path=ppt/notesSlides/notesSlide6.xml><?xml version="1.0" encoding="utf-8"?>
+<p:notes xmlns:a="http://schemas.openxmlformats.org/drawingml/2006/main" xmlns:r="http://schemas.openxmlformats.org/officeDocument/2006/relationships" xmlns:p="http://schemas.openxmlformats.org/presentationml/2006/main">
+  <p:cSld>
+    <p:spTree>
+      <p:nvGrpSpPr>
+        <p:cNvPr id="1" name="">
+          <a:extLst>
+            <a:ext uri="{FF2B5EF4-FFF2-40B4-BE49-F238E27FC236}">
+              <a16:creationId xmlns:a16="http://schemas.microsoft.com/office/drawing/2014/main" id="{CC1008FF-387E-B475-97A4-68B241CF903C}"/>
+            </a:ext>
+          </a:extLst>
+        </p:cNvPr>
+        <p:cNvGrpSpPr/>
+        <p:nvPr/>
+      </p:nvGrpSpPr>
+      <p:grpSpPr>
+        <a:xfrm>
+          <a:off x="0" y="0"/>
+          <a:ext cx="0" cy="0"/>
+          <a:chOff x="0" y="0"/>
+          <a:chExt cx="0" cy="0"/>
+        </a:xfrm>
+      </p:grpSpPr>
+      <p:sp>
+        <p:nvSpPr>
+          <p:cNvPr id="2" name="Slide Image Placeholder 1">
+            <a:extLst>
+              <a:ext uri="{FF2B5EF4-FFF2-40B4-BE49-F238E27FC236}">
+                <a16:creationId xmlns:a16="http://schemas.microsoft.com/office/drawing/2014/main" id="{E0DEE3C5-4B39-A9BC-61A0-ACF0CF2736FD}"/>
+              </a:ext>
+            </a:extLst>
+          </p:cNvPr>
+          <p:cNvSpPr>
+            <a:spLocks noGrp="1" noRot="1" noChangeAspect="1"/>
+          </p:cNvSpPr>
+          <p:nvPr>
+            <p:ph type="sldImg"/>
+          </p:nvPr>
+        </p:nvSpPr>
+        <p:spPr/>
+      </p:sp>
+      <p:sp>
+        <p:nvSpPr>
+          <p:cNvPr id="3" name="Notes Placeholder 2">
+            <a:extLst>
+              <a:ext uri="{FF2B5EF4-FFF2-40B4-BE49-F238E27FC236}">
+                <a16:creationId xmlns:a16="http://schemas.microsoft.com/office/drawing/2014/main" id="{49AABF13-51CF-9F64-EE0F-A4E3DB44F314}"/>
+              </a:ext>
+            </a:extLst>
+          </p:cNvPr>
+          <p:cNvSpPr>
+            <a:spLocks noGrp="1"/>
+          </p:cNvSpPr>
+          <p:nvPr>
+            <p:ph type="body" idx="1"/>
+          </p:nvPr>
+        </p:nvSpPr>
+        <p:spPr/>
+        <p:txBody>
+          <a:bodyPr/>
+          <a:lstStyle/>
+          <a:p>
+            <a:pPr marL="171450" indent="-171450">
+              <a:buFontTx/>
+              <a:buChar char="-"/>
+            </a:pPr>
+            <a:r>
+              <a:rPr lang="en-US" dirty="0"/>
+              <a:t>Ne </a:t>
+            </a:r>
+            <a:r>
+              <a:rPr lang="en-US" dirty="0" err="1"/>
+              <a:t>verir</a:t>
+            </a:r>
+            <a:r>
+              <a:rPr lang="en-US" dirty="0"/>
+              <a:t>? </a:t>
+            </a:r>
+            <a:r>
+              <a:rPr lang="en-US" dirty="0" err="1"/>
+              <a:t>Canlı</a:t>
+            </a:r>
+            <a:r>
+              <a:rPr lang="en-US" dirty="0"/>
+              <a:t> </a:t>
+            </a:r>
+            <a:r>
+              <a:rPr lang="en-US" dirty="0" err="1"/>
+              <a:t>sistemde</a:t>
+            </a:r>
+            <a:r>
+              <a:rPr lang="en-US" dirty="0"/>
+              <a:t> </a:t>
+            </a:r>
+            <a:r>
+              <a:rPr lang="en-US" dirty="0" err="1"/>
+              <a:t>gözlenen</a:t>
+            </a:r>
+            <a:r>
+              <a:rPr lang="en-US" dirty="0"/>
+              <a:t> </a:t>
+            </a:r>
+            <a:r>
+              <a:rPr lang="en-US" dirty="0" err="1"/>
+              <a:t>yayın</a:t>
+            </a:r>
+            <a:r>
+              <a:rPr lang="en-US" dirty="0"/>
+              <a:t>/</a:t>
+            </a:r>
+            <a:r>
+              <a:rPr lang="en-US" dirty="0" err="1"/>
+              <a:t>okuma</a:t>
+            </a:r>
+            <a:r>
+              <a:rPr lang="en-US" dirty="0"/>
+              <a:t> </a:t>
+            </a:r>
+            <a:r>
+              <a:rPr lang="en-US" dirty="0" err="1"/>
+              <a:t>işlemlerinin</a:t>
+            </a:r>
+            <a:r>
+              <a:rPr lang="en-US" dirty="0"/>
+              <a:t> </a:t>
+            </a:r>
+            <a:r>
+              <a:rPr lang="en-US" dirty="0" err="1"/>
+              <a:t>izlerini</a:t>
+            </a:r>
+            <a:r>
+              <a:rPr lang="en-US" dirty="0"/>
+              <a:t> </a:t>
+            </a:r>
+            <a:r>
+              <a:rPr lang="en-US" dirty="0" err="1"/>
+              <a:t>gösterir</a:t>
+            </a:r>
+            <a:r>
+              <a:rPr lang="en-US" dirty="0"/>
+              <a:t>; </a:t>
+            </a:r>
+            <a:r>
+              <a:rPr lang="en-US" dirty="0" err="1"/>
+              <a:t>yani</a:t>
+            </a:r>
+            <a:r>
+              <a:rPr lang="en-US" dirty="0"/>
+              <a:t> </a:t>
+            </a:r>
+            <a:r>
+              <a:rPr lang="en-US" dirty="0" err="1"/>
+              <a:t>fiilen</a:t>
+            </a:r>
+            <a:r>
+              <a:rPr lang="en-US" dirty="0"/>
+              <a:t> </a:t>
+            </a:r>
+            <a:r>
+              <a:rPr lang="en-US" dirty="0" err="1"/>
+              <a:t>gerçekleşen</a:t>
+            </a:r>
+            <a:r>
+              <a:rPr lang="en-US" dirty="0"/>
+              <a:t> </a:t>
+            </a:r>
+            <a:r>
+              <a:rPr lang="en-US" dirty="0" err="1"/>
+              <a:t>mesajlaşmaları</a:t>
+            </a:r>
+            <a:r>
+              <a:rPr lang="en-US" dirty="0"/>
+              <a:t>. </a:t>
+            </a:r>
+            <a:endParaRPr lang="tr-TR" dirty="0"/>
+          </a:p>
+          <a:p>
+            <a:pPr marL="0" indent="0">
+              <a:buFont typeface="Arial" panose="020B0604020202020204" pitchFamily="34" charset="0"/>
+              <a:buNone/>
+            </a:pPr>
+            <a:r>
+              <a:rPr lang="tr-TR" dirty="0"/>
+              <a:t> Neleri göstermez: </a:t>
+            </a:r>
+            <a:r>
+              <a:rPr lang="en-US" dirty="0" err="1"/>
+              <a:t>Eksiksiz</a:t>
+            </a:r>
+            <a:r>
+              <a:rPr lang="en-US" dirty="0"/>
+              <a:t> </a:t>
+            </a:r>
+            <a:r>
+              <a:rPr lang="en-US" dirty="0" err="1"/>
+              <a:t>bir</a:t>
+            </a:r>
+            <a:r>
+              <a:rPr lang="en-US" dirty="0"/>
+              <a:t> </a:t>
+            </a:r>
+            <a:r>
+              <a:rPr lang="en-US" dirty="0" err="1"/>
+              <a:t>envanter</a:t>
+            </a:r>
+            <a:r>
+              <a:rPr lang="en-US" dirty="0"/>
+              <a:t> </a:t>
+            </a:r>
+            <a:r>
+              <a:rPr lang="en-US" dirty="0" err="1"/>
+              <a:t>vermez</a:t>
+            </a:r>
+            <a:r>
+              <a:rPr lang="en-US" dirty="0"/>
+              <a:t>. </a:t>
+            </a:r>
+            <a:r>
+              <a:rPr lang="en-US" dirty="0" err="1"/>
+              <a:t>Enstrümantasyon</a:t>
+            </a:r>
+            <a:r>
+              <a:rPr lang="en-US" dirty="0"/>
+              <a:t> </a:t>
+            </a:r>
+            <a:r>
+              <a:rPr lang="en-US" dirty="0" err="1"/>
+              <a:t>olmayan</a:t>
+            </a:r>
+            <a:r>
+              <a:rPr lang="en-US" dirty="0"/>
+              <a:t> </a:t>
+            </a:r>
+            <a:r>
+              <a:rPr lang="en-US" dirty="0" err="1"/>
+              <a:t>servisler</a:t>
+            </a:r>
+            <a:r>
+              <a:rPr lang="en-US" dirty="0"/>
+              <a:t> </a:t>
+            </a:r>
+            <a:r>
+              <a:rPr lang="en-US" dirty="0" err="1"/>
+              <a:t>görünmez</a:t>
+            </a:r>
+            <a:r>
+              <a:rPr lang="en-US" dirty="0"/>
+              <a:t>, </a:t>
+            </a:r>
+            <a:r>
+              <a:rPr lang="en-US" dirty="0" err="1"/>
+              <a:t>örnekleme</a:t>
+            </a:r>
+            <a:r>
+              <a:rPr lang="en-US" dirty="0"/>
+              <a:t> (sampling) </a:t>
+            </a:r>
+            <a:r>
+              <a:rPr lang="en-US" dirty="0" err="1"/>
+              <a:t>bazı</a:t>
+            </a:r>
+            <a:r>
+              <a:rPr lang="en-US" dirty="0"/>
+              <a:t> </a:t>
+            </a:r>
+            <a:r>
+              <a:rPr lang="en-US" dirty="0" err="1"/>
+              <a:t>akışları</a:t>
+            </a:r>
+            <a:r>
+              <a:rPr lang="en-US" dirty="0"/>
+              <a:t> </a:t>
+            </a:r>
+            <a:r>
+              <a:rPr lang="en-US" dirty="0" err="1"/>
+              <a:t>kayda</a:t>
+            </a:r>
+            <a:r>
+              <a:rPr lang="en-US" dirty="0"/>
+              <a:t> </a:t>
+            </a:r>
+            <a:r>
+              <a:rPr lang="en-US" dirty="0" err="1"/>
+              <a:t>almaz</a:t>
+            </a:r>
+            <a:r>
+              <a:rPr lang="en-US" dirty="0"/>
+              <a:t>, </a:t>
+            </a:r>
+            <a:r>
+              <a:rPr lang="en-US" dirty="0" err="1"/>
+              <a:t>nadiren</a:t>
+            </a:r>
+            <a:r>
+              <a:rPr lang="en-US" dirty="0"/>
+              <a:t> </a:t>
+            </a:r>
+            <a:r>
+              <a:rPr lang="en-US" dirty="0" err="1"/>
+              <a:t>tetiklenen</a:t>
+            </a:r>
+            <a:r>
+              <a:rPr lang="en-US" dirty="0"/>
+              <a:t> </a:t>
+            </a:r>
+            <a:r>
+              <a:rPr lang="en-US" dirty="0" err="1"/>
+              <a:t>akışlar</a:t>
+            </a:r>
+            <a:r>
+              <a:rPr lang="en-US" dirty="0"/>
+              <a:t> </a:t>
+            </a:r>
+            <a:r>
+              <a:rPr lang="en-US" dirty="0" err="1"/>
+              <a:t>gözden</a:t>
+            </a:r>
+            <a:r>
+              <a:rPr lang="en-US" dirty="0"/>
+              <a:t> </a:t>
+            </a:r>
+            <a:r>
+              <a:rPr lang="en-US" dirty="0" err="1"/>
+              <a:t>kaçabilir</a:t>
+            </a:r>
+            <a:r>
+              <a:rPr lang="en-US" dirty="0"/>
+              <a:t>.</a:t>
+            </a:r>
+            <a:endParaRPr lang="tr-TR" dirty="0"/>
+          </a:p>
+          <a:p>
+            <a:pPr marL="0" indent="0">
+              <a:buFont typeface="Arial" panose="020B0604020202020204" pitchFamily="34" charset="0"/>
+              <a:buNone/>
+            </a:pPr>
+            <a:r>
+              <a:rPr lang="en-US" dirty="0"/>
+              <a:t> </a:t>
+            </a:r>
+            <a:r>
+              <a:rPr lang="tr-TR" dirty="0"/>
+              <a:t>-</a:t>
+            </a:r>
+            <a:r>
+              <a:rPr lang="en-US" dirty="0" err="1"/>
+              <a:t>Sonuç</a:t>
+            </a:r>
+            <a:r>
+              <a:rPr lang="en-US" dirty="0"/>
+              <a:t>: “</a:t>
+            </a:r>
+            <a:r>
+              <a:rPr lang="en-US" dirty="0" err="1"/>
+              <a:t>Şu</a:t>
+            </a:r>
+            <a:r>
+              <a:rPr lang="en-US" dirty="0"/>
+              <a:t> </a:t>
+            </a:r>
+            <a:r>
+              <a:rPr lang="en-US" dirty="0" err="1"/>
+              <a:t>anda</a:t>
+            </a:r>
+            <a:r>
+              <a:rPr lang="en-US" dirty="0"/>
+              <a:t> ne </a:t>
+            </a:r>
+            <a:r>
+              <a:rPr lang="en-US" dirty="0" err="1"/>
+              <a:t>oluyor</a:t>
+            </a:r>
+            <a:r>
+              <a:rPr lang="en-US" dirty="0"/>
+              <a:t>?” </a:t>
+            </a:r>
+            <a:r>
+              <a:rPr lang="en-US" dirty="0" err="1"/>
+              <a:t>sorusuna</a:t>
+            </a:r>
+            <a:r>
+              <a:rPr lang="en-US" dirty="0"/>
+              <a:t> </a:t>
+            </a:r>
+            <a:r>
+              <a:rPr lang="en-US" dirty="0" err="1"/>
+              <a:t>güçlü</a:t>
+            </a:r>
+            <a:r>
+              <a:rPr lang="en-US" dirty="0"/>
+              <a:t> </a:t>
+            </a:r>
+            <a:r>
+              <a:rPr lang="en-US" dirty="0" err="1"/>
+              <a:t>yanıt</a:t>
+            </a:r>
+            <a:r>
+              <a:rPr lang="en-US" dirty="0"/>
+              <a:t> </a:t>
+            </a:r>
+            <a:r>
+              <a:rPr lang="en-US" dirty="0" err="1"/>
+              <a:t>verir</a:t>
+            </a:r>
+            <a:r>
+              <a:rPr lang="en-US" dirty="0"/>
+              <a:t>; </a:t>
+            </a:r>
+            <a:r>
+              <a:rPr lang="en-US" dirty="0" err="1"/>
+              <a:t>fakat</a:t>
+            </a:r>
+            <a:r>
+              <a:rPr lang="en-US" dirty="0"/>
+              <a:t> “</a:t>
+            </a:r>
+            <a:r>
+              <a:rPr lang="en-US" dirty="0" err="1"/>
+              <a:t>tüm</a:t>
+            </a:r>
+            <a:r>
+              <a:rPr lang="en-US" dirty="0"/>
+              <a:t> </a:t>
+            </a:r>
+            <a:r>
+              <a:rPr lang="en-US" dirty="0" err="1"/>
+              <a:t>servis</a:t>
+            </a:r>
+            <a:r>
+              <a:rPr lang="en-US" dirty="0"/>
+              <a:t>–topic </a:t>
+            </a:r>
+            <a:r>
+              <a:rPr lang="en-US" dirty="0" err="1"/>
+              <a:t>eşleştirmesini</a:t>
+            </a:r>
+            <a:r>
+              <a:rPr lang="en-US" dirty="0"/>
+              <a:t> net </a:t>
+            </a:r>
+            <a:r>
+              <a:rPr lang="en-US" dirty="0" err="1"/>
+              <a:t>ve</a:t>
+            </a:r>
+            <a:r>
+              <a:rPr lang="en-US" dirty="0"/>
+              <a:t> </a:t>
+            </a:r>
+            <a:r>
+              <a:rPr lang="en-US" dirty="0" err="1"/>
+              <a:t>eksiksiz</a:t>
+            </a:r>
+            <a:r>
+              <a:rPr lang="en-US" dirty="0"/>
+              <a:t> </a:t>
+            </a:r>
+            <a:r>
+              <a:rPr lang="en-US" dirty="0" err="1"/>
+              <a:t>listeleyelim</a:t>
+            </a:r>
+            <a:r>
+              <a:rPr lang="en-US" dirty="0"/>
+              <a:t>” </a:t>
+            </a:r>
+            <a:r>
+              <a:rPr lang="en-US" dirty="0" err="1"/>
+              <a:t>ihtiyacı</a:t>
+            </a:r>
+            <a:r>
+              <a:rPr lang="en-US" dirty="0"/>
+              <a:t> </a:t>
+            </a:r>
+            <a:r>
+              <a:rPr lang="en-US" dirty="0" err="1"/>
+              <a:t>için</a:t>
+            </a:r>
+            <a:r>
+              <a:rPr lang="en-US" dirty="0"/>
+              <a:t> </a:t>
+            </a:r>
+            <a:r>
+              <a:rPr lang="en-US" dirty="0" err="1"/>
+              <a:t>tek</a:t>
+            </a:r>
+            <a:r>
+              <a:rPr lang="en-US" dirty="0"/>
+              <a:t> </a:t>
+            </a:r>
+            <a:r>
+              <a:rPr lang="en-US" dirty="0" err="1"/>
+              <a:t>başına</a:t>
+            </a:r>
+            <a:r>
+              <a:rPr lang="en-US" dirty="0"/>
+              <a:t> </a:t>
+            </a:r>
+            <a:r>
+              <a:rPr lang="en-US" dirty="0" err="1"/>
+              <a:t>yeterli</a:t>
+            </a:r>
+            <a:r>
+              <a:rPr lang="en-US" dirty="0"/>
+              <a:t> </a:t>
+            </a:r>
+            <a:r>
+              <a:rPr lang="en-US" dirty="0" err="1"/>
+              <a:t>değildir</a:t>
+            </a:r>
+            <a:r>
+              <a:rPr lang="en-US" dirty="0"/>
+              <a:t>.</a:t>
+            </a:r>
+            <a:endParaRPr lang="tr-TR" dirty="0"/>
+          </a:p>
+          <a:p>
+            <a:pPr marL="0" indent="0">
+              <a:buFont typeface="Arial" panose="020B0604020202020204" pitchFamily="34" charset="0"/>
+              <a:buNone/>
+            </a:pPr>
+            <a:r>
+              <a:rPr lang="en-US" dirty="0"/>
+              <a:t> “</a:t>
+            </a:r>
+            <a:r>
+              <a:rPr lang="en-US" dirty="0" err="1"/>
+              <a:t>OTel</a:t>
+            </a:r>
+            <a:r>
+              <a:rPr lang="en-US" dirty="0"/>
+              <a:t> </a:t>
+            </a:r>
+            <a:r>
+              <a:rPr lang="en-US" dirty="0" err="1"/>
+              <a:t>ile</a:t>
+            </a:r>
+            <a:r>
+              <a:rPr lang="en-US" dirty="0"/>
+              <a:t> </a:t>
+            </a:r>
+            <a:r>
+              <a:rPr lang="en-US" dirty="0" err="1"/>
+              <a:t>tüm</a:t>
+            </a:r>
+            <a:r>
+              <a:rPr lang="en-US" dirty="0"/>
+              <a:t> </a:t>
+            </a:r>
+            <a:r>
+              <a:rPr lang="en-US" dirty="0" err="1"/>
+              <a:t>mikroservis</a:t>
+            </a:r>
+            <a:r>
+              <a:rPr lang="en-US" dirty="0"/>
+              <a:t>–topic </a:t>
+            </a:r>
+            <a:r>
+              <a:rPr lang="en-US" dirty="0" err="1"/>
+              <a:t>eşleştirmesini</a:t>
+            </a:r>
+            <a:r>
+              <a:rPr lang="en-US" dirty="0"/>
+              <a:t> </a:t>
+            </a:r>
+            <a:r>
+              <a:rPr lang="en-US" dirty="0" err="1"/>
+              <a:t>eksiksiz</a:t>
+            </a:r>
+            <a:r>
+              <a:rPr lang="en-US" dirty="0"/>
+              <a:t> </a:t>
+            </a:r>
+            <a:r>
+              <a:rPr lang="en-US" dirty="0" err="1"/>
+              <a:t>çıkaramayız</a:t>
+            </a:r>
+            <a:r>
+              <a:rPr lang="tr-TR" dirty="0"/>
+              <a:t> çünkü aslında bu, </a:t>
+            </a:r>
+            <a:r>
+              <a:rPr lang="en-US" dirty="0" err="1"/>
+              <a:t>çalışan</a:t>
+            </a:r>
+            <a:r>
+              <a:rPr lang="en-US" dirty="0"/>
+              <a:t> </a:t>
+            </a:r>
+            <a:r>
+              <a:rPr lang="en-US" dirty="0" err="1"/>
+              <a:t>akışların</a:t>
+            </a:r>
+            <a:r>
+              <a:rPr lang="en-US" dirty="0"/>
+              <a:t> </a:t>
+            </a:r>
+            <a:r>
+              <a:rPr lang="en-US" dirty="0" err="1"/>
+              <a:t>bir</a:t>
+            </a:r>
+            <a:r>
+              <a:rPr lang="en-US" dirty="0"/>
+              <a:t> </a:t>
+            </a:r>
+            <a:r>
+              <a:rPr lang="en-US" dirty="0" err="1"/>
+              <a:t>görüntüsüdür</a:t>
+            </a:r>
+            <a:r>
+              <a:rPr lang="en-US" dirty="0"/>
+              <a:t>, tam </a:t>
+            </a:r>
+            <a:r>
+              <a:rPr lang="en-US" dirty="0" err="1"/>
+              <a:t>bir</a:t>
+            </a:r>
+            <a:r>
+              <a:rPr lang="en-US" dirty="0"/>
+              <a:t> </a:t>
+            </a:r>
+            <a:r>
+              <a:rPr lang="en-US" dirty="0" err="1"/>
+              <a:t>tasarım</a:t>
+            </a:r>
+            <a:r>
+              <a:rPr lang="en-US" dirty="0"/>
+              <a:t> </a:t>
+            </a:r>
+            <a:r>
+              <a:rPr lang="en-US" dirty="0" err="1"/>
+              <a:t>haritası</a:t>
+            </a:r>
+            <a:r>
+              <a:rPr lang="en-US" dirty="0"/>
+              <a:t> </a:t>
+            </a:r>
+            <a:r>
+              <a:rPr lang="en-US" dirty="0" err="1"/>
+              <a:t>değildir</a:t>
+            </a:r>
+            <a:r>
+              <a:rPr lang="en-US" dirty="0"/>
+              <a:t>.”</a:t>
+            </a:r>
+          </a:p>
+        </p:txBody>
+      </p:sp>
+    </p:spTree>
+    <p:extLst>
+      <p:ext uri="{BB962C8B-B14F-4D97-AF65-F5344CB8AC3E}">
+        <p14:creationId xmlns:p14="http://schemas.microsoft.com/office/powerpoint/2010/main" val="2594538554"/>
+      </p:ext>
+    </p:extLst>
+  </p:cSld>
+  <p:clrMapOvr>
+    <a:masterClrMapping/>
+  </p:clrMapOvr>
+</p:notes>
+</file>
+
+<file path=ppt/notesSlides/notesSlide7.xml><?xml version="1.0" encoding="utf-8"?>
+<p:notes xmlns:a="http://schemas.openxmlformats.org/drawingml/2006/main" xmlns:r="http://schemas.openxmlformats.org/officeDocument/2006/relationships" xmlns:p="http://schemas.openxmlformats.org/presentationml/2006/main">
+  <p:cSld>
+    <p:spTree>
+      <p:nvGrpSpPr>
+        <p:cNvPr id="1" name="">
+          <a:extLst>
+            <a:ext uri="{FF2B5EF4-FFF2-40B4-BE49-F238E27FC236}">
+              <a16:creationId xmlns:a16="http://schemas.microsoft.com/office/drawing/2014/main" id="{39B7C518-B342-02AF-2267-73847627BFB3}"/>
+            </a:ext>
+          </a:extLst>
+        </p:cNvPr>
+        <p:cNvGrpSpPr/>
+        <p:nvPr/>
+      </p:nvGrpSpPr>
+      <p:grpSpPr>
+        <a:xfrm>
+          <a:off x="0" y="0"/>
+          <a:ext cx="0" cy="0"/>
+          <a:chOff x="0" y="0"/>
+          <a:chExt cx="0" cy="0"/>
+        </a:xfrm>
+      </p:grpSpPr>
+      <p:sp>
+        <p:nvSpPr>
+          <p:cNvPr id="2" name="Slide Image Placeholder 1">
+            <a:extLst>
+              <a:ext uri="{FF2B5EF4-FFF2-40B4-BE49-F238E27FC236}">
+                <a16:creationId xmlns:a16="http://schemas.microsoft.com/office/drawing/2014/main" id="{42F9C9AD-AEDD-C00B-43E4-8041FA07FDD8}"/>
+              </a:ext>
+            </a:extLst>
+          </p:cNvPr>
+          <p:cNvSpPr>
+            <a:spLocks noGrp="1" noRot="1" noChangeAspect="1"/>
+          </p:cNvSpPr>
+          <p:nvPr>
+            <p:ph type="sldImg"/>
+          </p:nvPr>
+        </p:nvSpPr>
+        <p:spPr/>
+      </p:sp>
+      <p:sp>
+        <p:nvSpPr>
+          <p:cNvPr id="3" name="Notes Placeholder 2">
+            <a:extLst>
+              <a:ext uri="{FF2B5EF4-FFF2-40B4-BE49-F238E27FC236}">
+                <a16:creationId xmlns:a16="http://schemas.microsoft.com/office/drawing/2014/main" id="{30F482D1-3268-34A1-EBDD-2E66F0A957C9}"/>
+              </a:ext>
+            </a:extLst>
+          </p:cNvPr>
+          <p:cNvSpPr>
+            <a:spLocks noGrp="1"/>
+          </p:cNvSpPr>
+          <p:nvPr>
+            <p:ph type="body" idx="1"/>
+          </p:nvPr>
+        </p:nvSpPr>
+        <p:spPr/>
+        <p:txBody>
+          <a:bodyPr/>
+          <a:lstStyle/>
+          <a:p>
+            <a:r>
+              <a:rPr lang="en-US" sz="1200" b="0" i="0" kern="1200" dirty="0" err="1">
+                <a:solidFill>
+                  <a:schemeClr val="tx1"/>
+                </a:solidFill>
+                <a:effectLst/>
+                <a:latin typeface="Arial" charset="0"/>
+                <a:ea typeface="+mn-ea"/>
+                <a:cs typeface="+mn-cs"/>
+              </a:rPr>
+              <a:t>Sistem</a:t>
+            </a:r>
+            <a:r>
+              <a:rPr lang="en-US" sz="1200" b="0" i="0" kern="1200" dirty="0">
+                <a:solidFill>
+                  <a:schemeClr val="tx1"/>
+                </a:solidFill>
+                <a:effectLst/>
+                <a:latin typeface="Arial" charset="0"/>
+                <a:ea typeface="+mn-ea"/>
+                <a:cs typeface="+mn-cs"/>
+              </a:rPr>
+              <a:t>, </a:t>
+            </a:r>
+            <a:r>
+              <a:rPr lang="en-US" sz="1200" b="0" i="0" kern="1200" dirty="0" err="1">
+                <a:solidFill>
+                  <a:schemeClr val="tx1"/>
+                </a:solidFill>
+                <a:effectLst/>
+                <a:latin typeface="Arial" charset="0"/>
+                <a:ea typeface="+mn-ea"/>
+                <a:cs typeface="+mn-cs"/>
+              </a:rPr>
+              <a:t>mikroservislerdeki</a:t>
+            </a:r>
+            <a:r>
+              <a:rPr lang="en-US" sz="1200" b="0" i="0" kern="1200" dirty="0">
+                <a:solidFill>
+                  <a:schemeClr val="tx1"/>
+                </a:solidFill>
+                <a:effectLst/>
+                <a:latin typeface="Arial" charset="0"/>
+                <a:ea typeface="+mn-ea"/>
+                <a:cs typeface="+mn-cs"/>
+              </a:rPr>
+              <a:t> </a:t>
+            </a:r>
+            <a:r>
+              <a:rPr lang="en-US" sz="1200" b="1" i="0" kern="1200" dirty="0">
+                <a:solidFill>
+                  <a:schemeClr val="tx1"/>
+                </a:solidFill>
+                <a:effectLst/>
+                <a:latin typeface="Arial" charset="0"/>
+                <a:ea typeface="+mn-ea"/>
+                <a:cs typeface="+mn-cs"/>
+              </a:rPr>
+              <a:t>implicit </a:t>
+            </a:r>
+            <a:r>
+              <a:rPr lang="en-US" sz="1200" b="1" i="0" kern="1200" dirty="0" err="1">
+                <a:solidFill>
+                  <a:schemeClr val="tx1"/>
+                </a:solidFill>
+                <a:effectLst/>
+                <a:latin typeface="Arial" charset="0"/>
+                <a:ea typeface="+mn-ea"/>
+                <a:cs typeface="+mn-cs"/>
+              </a:rPr>
+              <a:t>dependencies</a:t>
+            </a:r>
+            <a:r>
+              <a:rPr lang="en-US" sz="1200" b="0" i="0" kern="1200" dirty="0" err="1">
+                <a:solidFill>
+                  <a:schemeClr val="tx1"/>
+                </a:solidFill>
+                <a:effectLst/>
+                <a:latin typeface="Arial" charset="0"/>
+                <a:ea typeface="+mn-ea"/>
+                <a:cs typeface="+mn-cs"/>
+              </a:rPr>
+              <a:t>'i</a:t>
+            </a:r>
+            <a:r>
+              <a:rPr lang="en-US" sz="1200" b="0" i="0" kern="1200" dirty="0">
+                <a:solidFill>
+                  <a:schemeClr val="tx1"/>
+                </a:solidFill>
+                <a:effectLst/>
+                <a:latin typeface="Arial" charset="0"/>
+                <a:ea typeface="+mn-ea"/>
+                <a:cs typeface="+mn-cs"/>
+              </a:rPr>
+              <a:t> explicit hale </a:t>
+            </a:r>
+            <a:r>
+              <a:rPr lang="en-US" sz="1200" b="0" i="0" kern="1200" dirty="0" err="1">
+                <a:solidFill>
+                  <a:schemeClr val="tx1"/>
+                </a:solidFill>
+                <a:effectLst/>
+                <a:latin typeface="Arial" charset="0"/>
+                <a:ea typeface="+mn-ea"/>
+                <a:cs typeface="+mn-cs"/>
+              </a:rPr>
+              <a:t>getirir</a:t>
+            </a:r>
+            <a:r>
+              <a:rPr lang="en-US" sz="1200" b="0" i="0" kern="1200" dirty="0">
+                <a:solidFill>
+                  <a:schemeClr val="tx1"/>
+                </a:solidFill>
+                <a:effectLst/>
+                <a:latin typeface="Arial" charset="0"/>
+                <a:ea typeface="+mn-ea"/>
+                <a:cs typeface="+mn-cs"/>
+              </a:rPr>
+              <a:t>:</a:t>
+            </a:r>
+            <a:endParaRPr lang="tr-TR" sz="1200" b="0" i="0" kern="1200" dirty="0">
+              <a:solidFill>
+                <a:schemeClr val="tx1"/>
+              </a:solidFill>
+              <a:effectLst/>
+              <a:latin typeface="Arial" charset="0"/>
+              <a:ea typeface="+mn-ea"/>
+              <a:cs typeface="+mn-cs"/>
+            </a:endParaRPr>
+          </a:p>
+          <a:p>
+            <a:r>
+              <a:rPr lang="en-US" dirty="0"/>
+              <a:t>Producer Service A → Topic: </a:t>
+            </a:r>
+            <a:r>
+              <a:rPr lang="en-US" dirty="0" err="1"/>
+              <a:t>payment.completed</a:t>
+            </a:r>
+            <a:r>
+              <a:rPr lang="en-US" dirty="0"/>
+              <a:t> → Consumer Service B</a:t>
+            </a:r>
+            <a:endParaRPr lang="tr-TR" dirty="0"/>
+          </a:p>
+          <a:p>
+            <a:r>
+              <a:rPr lang="en-US" sz="1200" b="0" i="0" kern="1200" dirty="0">
+                <a:solidFill>
+                  <a:schemeClr val="tx1"/>
+                </a:solidFill>
+                <a:effectLst/>
+                <a:latin typeface="Arial" charset="0"/>
+                <a:ea typeface="+mn-ea"/>
+                <a:cs typeface="+mn-cs"/>
+              </a:rPr>
+              <a:t>Bu </a:t>
+            </a:r>
+            <a:r>
+              <a:rPr lang="en-US" sz="1200" b="0" i="0" kern="1200" dirty="0" err="1">
+                <a:solidFill>
+                  <a:schemeClr val="tx1"/>
+                </a:solidFill>
+                <a:effectLst/>
+                <a:latin typeface="Arial" charset="0"/>
+                <a:ea typeface="+mn-ea"/>
+                <a:cs typeface="+mn-cs"/>
+              </a:rPr>
+              <a:t>ilişki</a:t>
+            </a:r>
+            <a:r>
+              <a:rPr lang="en-US" sz="1200" b="0" i="0" kern="1200" dirty="0">
+                <a:solidFill>
+                  <a:schemeClr val="tx1"/>
+                </a:solidFill>
+                <a:effectLst/>
+                <a:latin typeface="Arial" charset="0"/>
+                <a:ea typeface="+mn-ea"/>
+                <a:cs typeface="+mn-cs"/>
+              </a:rPr>
+              <a:t> </a:t>
+            </a:r>
+            <a:r>
+              <a:rPr lang="en-US" sz="1200" b="0" i="0" kern="1200" dirty="0" err="1">
+                <a:solidFill>
+                  <a:schemeClr val="tx1"/>
+                </a:solidFill>
+                <a:effectLst/>
+                <a:latin typeface="Arial" charset="0"/>
+                <a:ea typeface="+mn-ea"/>
+                <a:cs typeface="+mn-cs"/>
+              </a:rPr>
+              <a:t>sadece</a:t>
+            </a:r>
+            <a:r>
+              <a:rPr lang="en-US" sz="1200" b="0" i="0" kern="1200" dirty="0">
+                <a:solidFill>
+                  <a:schemeClr val="tx1"/>
+                </a:solidFill>
+                <a:effectLst/>
+                <a:latin typeface="Arial" charset="0"/>
+                <a:ea typeface="+mn-ea"/>
+                <a:cs typeface="+mn-cs"/>
+              </a:rPr>
+              <a:t> </a:t>
+            </a:r>
+            <a:r>
+              <a:rPr lang="en-US" sz="1200" b="0" i="0" kern="1200" dirty="0" err="1">
+                <a:solidFill>
+                  <a:schemeClr val="tx1"/>
+                </a:solidFill>
+                <a:effectLst/>
+                <a:latin typeface="Arial" charset="0"/>
+                <a:ea typeface="+mn-ea"/>
+                <a:cs typeface="+mn-cs"/>
+              </a:rPr>
+              <a:t>runtime'da</a:t>
+            </a:r>
+            <a:r>
+              <a:rPr lang="en-US" sz="1200" b="0" i="0" kern="1200" dirty="0">
+                <a:solidFill>
+                  <a:schemeClr val="tx1"/>
+                </a:solidFill>
+                <a:effectLst/>
+                <a:latin typeface="Arial" charset="0"/>
+                <a:ea typeface="+mn-ea"/>
+                <a:cs typeface="+mn-cs"/>
+              </a:rPr>
+              <a:t> belli </a:t>
+            </a:r>
+            <a:r>
+              <a:rPr lang="en-US" sz="1200" b="0" i="0" kern="1200" dirty="0" err="1">
+                <a:solidFill>
+                  <a:schemeClr val="tx1"/>
+                </a:solidFill>
+                <a:effectLst/>
+                <a:latin typeface="Arial" charset="0"/>
+                <a:ea typeface="+mn-ea"/>
+                <a:cs typeface="+mn-cs"/>
+              </a:rPr>
+              <a:t>olurken</a:t>
+            </a:r>
+            <a:r>
+              <a:rPr lang="en-US" sz="1200" b="0" i="0" kern="1200" dirty="0">
+                <a:solidFill>
+                  <a:schemeClr val="tx1"/>
+                </a:solidFill>
+                <a:effectLst/>
+                <a:latin typeface="Arial" charset="0"/>
+                <a:ea typeface="+mn-ea"/>
+                <a:cs typeface="+mn-cs"/>
+              </a:rPr>
+              <a:t>, </a:t>
+            </a:r>
+            <a:r>
+              <a:rPr lang="en-US" sz="1200" b="0" i="0" kern="1200" dirty="0" err="1">
+                <a:solidFill>
+                  <a:schemeClr val="tx1"/>
+                </a:solidFill>
+                <a:effectLst/>
+                <a:latin typeface="Arial" charset="0"/>
+                <a:ea typeface="+mn-ea"/>
+                <a:cs typeface="+mn-cs"/>
+              </a:rPr>
+              <a:t>sistemimiz</a:t>
+            </a:r>
+            <a:r>
+              <a:rPr lang="en-US" sz="1200" b="0" i="0" kern="1200" dirty="0">
+                <a:solidFill>
+                  <a:schemeClr val="tx1"/>
+                </a:solidFill>
+                <a:effectLst/>
+                <a:latin typeface="Arial" charset="0"/>
+                <a:ea typeface="+mn-ea"/>
+                <a:cs typeface="+mn-cs"/>
+              </a:rPr>
+              <a:t> static analysis </a:t>
+            </a:r>
+            <a:r>
+              <a:rPr lang="en-US" sz="1200" b="0" i="0" kern="1200" dirty="0" err="1">
+                <a:solidFill>
+                  <a:schemeClr val="tx1"/>
+                </a:solidFill>
+                <a:effectLst/>
+                <a:latin typeface="Arial" charset="0"/>
+                <a:ea typeface="+mn-ea"/>
+                <a:cs typeface="+mn-cs"/>
+              </a:rPr>
+              <a:t>ile</a:t>
+            </a:r>
+            <a:r>
+              <a:rPr lang="en-US" sz="1200" b="0" i="0" kern="1200" dirty="0">
+                <a:solidFill>
+                  <a:schemeClr val="tx1"/>
+                </a:solidFill>
+                <a:effectLst/>
+                <a:latin typeface="Arial" charset="0"/>
+                <a:ea typeface="+mn-ea"/>
+                <a:cs typeface="+mn-cs"/>
+              </a:rPr>
+              <a:t> </a:t>
+            </a:r>
+            <a:r>
+              <a:rPr lang="en-US" sz="1200" b="0" i="0" kern="1200" dirty="0" err="1">
+                <a:solidFill>
+                  <a:schemeClr val="tx1"/>
+                </a:solidFill>
+                <a:effectLst/>
+                <a:latin typeface="Arial" charset="0"/>
+                <a:ea typeface="+mn-ea"/>
+                <a:cs typeface="+mn-cs"/>
+              </a:rPr>
+              <a:t>önceden</a:t>
+            </a:r>
+            <a:r>
+              <a:rPr lang="en-US" sz="1200" b="0" i="0" kern="1200" dirty="0">
+                <a:solidFill>
+                  <a:schemeClr val="tx1"/>
+                </a:solidFill>
+                <a:effectLst/>
+                <a:latin typeface="Arial" charset="0"/>
+                <a:ea typeface="+mn-ea"/>
+                <a:cs typeface="+mn-cs"/>
+              </a:rPr>
+              <a:t> </a:t>
+            </a:r>
+            <a:r>
+              <a:rPr lang="en-US" sz="1200" b="0" i="0" kern="1200" dirty="0" err="1">
+                <a:solidFill>
+                  <a:schemeClr val="tx1"/>
+                </a:solidFill>
+                <a:effectLst/>
+                <a:latin typeface="Arial" charset="0"/>
+                <a:ea typeface="+mn-ea"/>
+                <a:cs typeface="+mn-cs"/>
+              </a:rPr>
+              <a:t>tespit</a:t>
+            </a:r>
+            <a:r>
+              <a:rPr lang="en-US" sz="1200" b="0" i="0" kern="1200" dirty="0">
+                <a:solidFill>
+                  <a:schemeClr val="tx1"/>
+                </a:solidFill>
+                <a:effectLst/>
+                <a:latin typeface="Arial" charset="0"/>
+                <a:ea typeface="+mn-ea"/>
+                <a:cs typeface="+mn-cs"/>
+              </a:rPr>
+              <a:t> </a:t>
+            </a:r>
+            <a:r>
+              <a:rPr lang="en-US" sz="1200" b="0" i="0" kern="1200" dirty="0" err="1">
+                <a:solidFill>
+                  <a:schemeClr val="tx1"/>
+                </a:solidFill>
+                <a:effectLst/>
+                <a:latin typeface="Arial" charset="0"/>
+                <a:ea typeface="+mn-ea"/>
+                <a:cs typeface="+mn-cs"/>
+              </a:rPr>
+              <a:t>eder</a:t>
+            </a:r>
+            <a:r>
+              <a:rPr lang="en-US" sz="1200" b="0" i="0" kern="1200" dirty="0">
+                <a:solidFill>
+                  <a:schemeClr val="tx1"/>
+                </a:solidFill>
+                <a:effectLst/>
+                <a:latin typeface="Arial" charset="0"/>
+                <a:ea typeface="+mn-ea"/>
+                <a:cs typeface="+mn-cs"/>
+              </a:rPr>
+              <a:t>.</a:t>
+            </a:r>
+            <a:endParaRPr lang="en-US" dirty="0"/>
+          </a:p>
+        </p:txBody>
+      </p:sp>
+    </p:spTree>
+    <p:extLst>
+      <p:ext uri="{BB962C8B-B14F-4D97-AF65-F5344CB8AC3E}">
+        <p14:creationId xmlns:p14="http://schemas.microsoft.com/office/powerpoint/2010/main" val="2631708115"/>
       </p:ext>
     </p:extLst>
   </p:cSld>
@@ -1196,7 +3590,7 @@
                 </a:solidFill>
                 <a:latin typeface="Trebuchet MS" panose="020B0603020202020204" pitchFamily="34" charset="0"/>
               </a:rPr>
-              <a:t>/27</a:t>
+              <a:t>/X</a:t>
             </a:r>
           </a:p>
         </p:txBody>
@@ -1570,7 +3964,7 @@
   <p:sldLayoutIdLst>
     <p:sldLayoutId id="2147484203" r:id="rId1"/>
   </p:sldLayoutIdLst>
-  <p:hf hdr="0" dt="0"/>
+  <p:hf hdr="0" ftr="0" dt="0"/>
   <p:txStyles>
     <p:titleStyle>
       <a:lvl1pPr algn="l" rtl="0" eaLnBrk="0" fontAlgn="base" hangingPunct="0">
@@ -2622,6 +5016,188 @@
 </p:sld>
 </file>
 
+<file path=ppt/slides/slide10.xml><?xml version="1.0" encoding="utf-8"?>
+<p:sld xmlns:a="http://schemas.openxmlformats.org/drawingml/2006/main" xmlns:r="http://schemas.openxmlformats.org/officeDocument/2006/relationships" xmlns:p="http://schemas.openxmlformats.org/presentationml/2006/main">
+  <p:cSld>
+    <p:spTree>
+      <p:nvGrpSpPr>
+        <p:cNvPr id="1" name="">
+          <a:extLst>
+            <a:ext uri="{FF2B5EF4-FFF2-40B4-BE49-F238E27FC236}">
+              <a16:creationId xmlns:a16="http://schemas.microsoft.com/office/drawing/2014/main" id="{2ECF83A0-1F36-A63B-1AD0-66B648FA524B}"/>
+            </a:ext>
+          </a:extLst>
+        </p:cNvPr>
+        <p:cNvGrpSpPr/>
+        <p:nvPr/>
+      </p:nvGrpSpPr>
+      <p:grpSpPr>
+        <a:xfrm>
+          <a:off x="0" y="0"/>
+          <a:ext cx="0" cy="0"/>
+          <a:chOff x="0" y="0"/>
+          <a:chExt cx="0" cy="0"/>
+        </a:xfrm>
+      </p:grpSpPr>
+      <p:sp>
+        <p:nvSpPr>
+          <p:cNvPr id="2" name="TextBox 1">
+            <a:extLst>
+              <a:ext uri="{FF2B5EF4-FFF2-40B4-BE49-F238E27FC236}">
+                <a16:creationId xmlns:a16="http://schemas.microsoft.com/office/drawing/2014/main" id="{D52398E9-D3C6-EBCD-FCB0-7E0A590E2239}"/>
+              </a:ext>
+            </a:extLst>
+          </p:cNvPr>
+          <p:cNvSpPr txBox="1"/>
+          <p:nvPr/>
+        </p:nvSpPr>
+        <p:spPr>
+          <a:xfrm>
+            <a:off x="296107" y="510988"/>
+            <a:ext cx="4613571" cy="369332"/>
+          </a:xfrm>
+          <a:prstGeom prst="rect">
+            <a:avLst/>
+          </a:prstGeom>
+          <a:noFill/>
+        </p:spPr>
+        <p:txBody>
+          <a:bodyPr wrap="none" rtlCol="0">
+            <a:spAutoFit/>
+          </a:bodyPr>
+          <a:lstStyle/>
+          <a:p>
+            <a:r>
+              <a:rPr lang="tr-TR" dirty="0">
+                <a:solidFill>
+                  <a:schemeClr val="bg1"/>
+                </a:solidFill>
+              </a:rPr>
+              <a:t>Sistemin Tasarımı ve Kullanılan Teknolojiler</a:t>
+            </a:r>
+            <a:endParaRPr lang="en-US" dirty="0">
+              <a:solidFill>
+                <a:schemeClr val="bg1"/>
+              </a:solidFill>
+            </a:endParaRPr>
+          </a:p>
+        </p:txBody>
+      </p:sp>
+      <p:sp>
+        <p:nvSpPr>
+          <p:cNvPr id="5" name="TextBox 4">
+            <a:extLst>
+              <a:ext uri="{FF2B5EF4-FFF2-40B4-BE49-F238E27FC236}">
+                <a16:creationId xmlns:a16="http://schemas.microsoft.com/office/drawing/2014/main" id="{266E4ED2-5989-77C2-DD09-FA0B28E40245}"/>
+              </a:ext>
+            </a:extLst>
+          </p:cNvPr>
+          <p:cNvSpPr txBox="1"/>
+          <p:nvPr/>
+        </p:nvSpPr>
+        <p:spPr>
+          <a:xfrm>
+            <a:off x="394446" y="1078397"/>
+            <a:ext cx="8355106" cy="496996"/>
+          </a:xfrm>
+          <a:prstGeom prst="rect">
+            <a:avLst/>
+          </a:prstGeom>
+          <a:noFill/>
+        </p:spPr>
+        <p:txBody>
+          <a:bodyPr wrap="square">
+            <a:spAutoFit/>
+          </a:bodyPr>
+          <a:lstStyle/>
+          <a:p>
+            <a:pPr>
+              <a:lnSpc>
+                <a:spcPct val="150000"/>
+              </a:lnSpc>
+            </a:pPr>
+            <a:r>
+              <a:rPr lang="tr-TR" sz="2000" b="1" dirty="0">
+                <a:solidFill>
+                  <a:srgbClr val="C00000"/>
+                </a:solidFill>
+              </a:rPr>
+              <a:t> Sistem Tasarımı</a:t>
+            </a:r>
+          </a:p>
+        </p:txBody>
+      </p:sp>
+      <p:sp>
+        <p:nvSpPr>
+          <p:cNvPr id="6" name="TextBox 5">
+            <a:extLst>
+              <a:ext uri="{FF2B5EF4-FFF2-40B4-BE49-F238E27FC236}">
+                <a16:creationId xmlns:a16="http://schemas.microsoft.com/office/drawing/2014/main" id="{9AE54364-93B9-6E6C-961E-4A0A0957CFD2}"/>
+              </a:ext>
+            </a:extLst>
+          </p:cNvPr>
+          <p:cNvSpPr txBox="1"/>
+          <p:nvPr/>
+        </p:nvSpPr>
+        <p:spPr>
+          <a:xfrm>
+            <a:off x="394446" y="1773470"/>
+            <a:ext cx="6994645" cy="1200329"/>
+          </a:xfrm>
+          <a:prstGeom prst="rect">
+            <a:avLst/>
+          </a:prstGeom>
+          <a:noFill/>
+        </p:spPr>
+        <p:txBody>
+          <a:bodyPr wrap="square" rtlCol="0">
+            <a:spAutoFit/>
+          </a:bodyPr>
+          <a:lstStyle/>
+          <a:p>
+            <a:r>
+              <a:rPr lang="it-IT" b="1" dirty="0"/>
+              <a:t>YAML Parser </a:t>
+            </a:r>
+            <a:r>
+              <a:rPr lang="tr-TR" b="1" dirty="0"/>
+              <a:t>Class </a:t>
+            </a:r>
+            <a:r>
+              <a:rPr lang="it-IT" b="1" dirty="0"/>
+              <a:t>(Pure Python)</a:t>
+            </a:r>
+            <a:r>
+              <a:rPr lang="tr-TR" b="1" dirty="0"/>
+              <a:t>: </a:t>
+            </a:r>
+          </a:p>
+          <a:p>
+            <a:r>
+              <a:rPr lang="tr-TR" dirty="0"/>
+              <a:t>Verileri okuyup veri yapısı formatında farklı algoritmalarda işlemlere sokabiliyor. Microservis isimlerini belirleme</a:t>
+            </a:r>
+            <a:endParaRPr lang="it-IT" dirty="0"/>
+          </a:p>
+          <a:p>
+            <a:endParaRPr lang="en-US" dirty="0"/>
+          </a:p>
+        </p:txBody>
+      </p:sp>
+    </p:spTree>
+    <p:extLst>
+      <p:ext uri="{BB962C8B-B14F-4D97-AF65-F5344CB8AC3E}">
+        <p14:creationId xmlns:p14="http://schemas.microsoft.com/office/powerpoint/2010/main" val="508571438"/>
+      </p:ext>
+    </p:extLst>
+  </p:cSld>
+  <p:clrMapOvr>
+    <a:masterClrMapping/>
+  </p:clrMapOvr>
+  <p:transition advClick="0"/>
+</p:sld>
+</file>
+
 <file path=ppt/slides/slide2.xml><?xml version="1.0" encoding="utf-8"?>
 <p:sld xmlns:a="http://schemas.openxmlformats.org/drawingml/2006/main" xmlns:r="http://schemas.openxmlformats.org/officeDocument/2006/relationships" xmlns:p="http://schemas.openxmlformats.org/presentationml/2006/main">
   <p:cSld>
@@ -3042,8 +5618,8 @@
         </p:nvSpPr>
         <p:spPr>
           <a:xfrm>
-            <a:off x="609601" y="2632628"/>
-            <a:ext cx="6479821" cy="2369880"/>
+            <a:off x="861849" y="2474972"/>
+            <a:ext cx="6479821" cy="3062377"/>
           </a:xfrm>
           <a:prstGeom prst="rect">
             <a:avLst/>
@@ -3077,9 +5653,6 @@
               </a:rPr>
               <a:t>Hazırlayan: Buğrahan Dutucu</a:t>
             </a:r>
-            <a:endParaRPr lang="en-US" sz="2000" spc="-1" dirty="0">
-              <a:latin typeface="Arial"/>
-            </a:endParaRPr>
           </a:p>
           <a:p>
             <a:pPr marL="457200">
@@ -3093,16 +5666,6 @@
                 <a:tab pos="0" algn="l"/>
               </a:tabLst>
             </a:pPr>
-            <a:r>
-              <a:rPr lang="tr-TR" sz="2000" spc="-1" dirty="0">
-                <a:solidFill>
-                  <a:srgbClr val="000000"/>
-                </a:solidFill>
-                <a:latin typeface="Arial"/>
-                <a:ea typeface="DejaVu Sans"/>
-              </a:rPr>
-              <a:t>Sorumlu Mühendis: Merve Nur Bulut</a:t>
-            </a:r>
             <a:endParaRPr lang="en-US" sz="2000" spc="-1" dirty="0">
               <a:latin typeface="Arial"/>
             </a:endParaRPr>
@@ -3127,11 +5690,8 @@
                 <a:latin typeface="Arial"/>
                 <a:ea typeface="DejaVu Sans"/>
               </a:rPr>
-              <a:t>Staj Süresi: 07.07.2025 – 25.08.2025 (30 iş günü)</a:t>
-            </a:r>
-            <a:endParaRPr lang="en-US" sz="2000" spc="-1" dirty="0">
-              <a:latin typeface="Arial"/>
-            </a:endParaRPr>
+              <a:t>Sorumlu Mühendis: Merve Nur Bulut</a:t>
+            </a:r>
           </a:p>
           <a:p>
             <a:pPr marL="457200">
@@ -3145,16 +5705,9 @@
                 <a:tab pos="0" algn="l"/>
               </a:tabLst>
             </a:pPr>
-            <a:r>
-              <a:rPr lang="tr-TR" sz="2000" spc="-1" dirty="0">
-                <a:solidFill>
-                  <a:srgbClr val="000000"/>
-                </a:solidFill>
-                <a:latin typeface="Arial"/>
-                <a:ea typeface="DejaVu Sans"/>
-              </a:rPr>
-              <a:t>Staj Birimi: SST Hava ve Füze Savunma Komuta Kontrol </a:t>
-            </a:r>
+            <a:endParaRPr lang="en-US" sz="2000" spc="-1" dirty="0">
+              <a:latin typeface="Arial"/>
+            </a:endParaRPr>
           </a:p>
           <a:p>
             <a:pPr marL="457200">
@@ -3176,7 +5729,46 @@
                 <a:latin typeface="Arial"/>
                 <a:ea typeface="DejaVu Sans"/>
               </a:rPr>
-              <a:t>Yazılım Tasarım Müdürlüğü</a:t>
+              <a:t>Staj Süresi: 07.07.2025 – 25.08.2025 (30 iş günü)</a:t>
+            </a:r>
+          </a:p>
+          <a:p>
+            <a:pPr marL="457200">
+              <a:lnSpc>
+                <a:spcPct val="100000"/>
+              </a:lnSpc>
+              <a:spcBef>
+                <a:spcPts val="281"/>
+              </a:spcBef>
+              <a:tabLst>
+                <a:tab pos="0" algn="l"/>
+              </a:tabLst>
+            </a:pPr>
+            <a:endParaRPr lang="en-US" sz="2000" spc="-1" dirty="0">
+              <a:latin typeface="Arial"/>
+            </a:endParaRPr>
+          </a:p>
+          <a:p>
+            <a:pPr marL="457200">
+              <a:lnSpc>
+                <a:spcPct val="100000"/>
+              </a:lnSpc>
+              <a:spcBef>
+                <a:spcPts val="281"/>
+              </a:spcBef>
+              <a:tabLst>
+                <a:tab pos="0" algn="l"/>
+              </a:tabLst>
+            </a:pPr>
+            <a:r>
+              <a:rPr lang="tr-TR" sz="2000" spc="-1" dirty="0">
+                <a:solidFill>
+                  <a:srgbClr val="000000"/>
+                </a:solidFill>
+                <a:latin typeface="Arial"/>
+                <a:ea typeface="DejaVu Sans"/>
+              </a:rPr>
+              <a:t>Staj Birimi: SST Hava ve Füze Savunma Komuta Kontrol Yazılım Tasarım Müdürlüğü</a:t>
             </a:r>
             <a:endParaRPr lang="en-US" sz="2000" spc="-1" dirty="0">
               <a:latin typeface="Arial"/>
@@ -3232,8 +5824,8 @@
         </p:nvSpPr>
         <p:spPr>
           <a:xfrm>
-            <a:off x="167780" y="2273417"/>
-            <a:ext cx="4983061" cy="2741776"/>
+            <a:off x="167780" y="2058112"/>
+            <a:ext cx="4983061" cy="3434273"/>
           </a:xfrm>
           <a:prstGeom prst="rect">
             <a:avLst/>
@@ -3282,6 +5874,19 @@
             <a:r>
               <a:rPr lang="tr-TR" dirty="0"/>
               <a:t>3. Sınıf</a:t>
+            </a:r>
+          </a:p>
+          <a:p>
+            <a:pPr marL="285750" indent="-285750">
+              <a:lnSpc>
+                <a:spcPct val="250000"/>
+              </a:lnSpc>
+              <a:buFont typeface="Wingdings" panose="05000000000000000000" pitchFamily="2" charset="2"/>
+              <a:buChar char="v"/>
+            </a:pPr>
+            <a:r>
+              <a:rPr lang="tr-TR" dirty="0"/>
+              <a:t>GPA: 3.10</a:t>
             </a:r>
           </a:p>
           <a:p>
@@ -3394,7 +5999,7 @@
             <a:pPr algn="ctr"/>
             <a:r>
               <a:rPr lang="tr-TR" dirty="0"/>
-              <a:t>İÇİNDEKİLER</a:t>
+              <a:t>İçindekiler (Table of Contents)</a:t>
             </a:r>
           </a:p>
         </p:txBody>
@@ -3413,8 +6018,8 @@
         </p:nvSpPr>
         <p:spPr>
           <a:xfrm>
-            <a:off x="562062" y="2374084"/>
-            <a:ext cx="7969542" cy="2776401"/>
+            <a:off x="562062" y="2115465"/>
+            <a:ext cx="7969542" cy="3330399"/>
           </a:xfrm>
           <a:prstGeom prst="rect">
             <a:avLst/>
@@ -3449,7 +6054,7 @@
             </a:pPr>
             <a:r>
               <a:rPr lang="tr-TR" dirty="0"/>
-              <a:t>Projede Kullanılan Teknolojiler</a:t>
+              <a:t>Proje Tanımı</a:t>
             </a:r>
           </a:p>
           <a:p>
@@ -3462,7 +6067,7 @@
             </a:pPr>
             <a:r>
               <a:rPr lang="tr-TR" dirty="0"/>
-              <a:t>Staj Projesi</a:t>
+              <a:t>Proje Yapısı ve Kullanılan Teknolojiler</a:t>
             </a:r>
           </a:p>
           <a:p>
@@ -3475,7 +6080,7 @@
             </a:pPr>
             <a:r>
               <a:rPr lang="tr-TR" dirty="0"/>
-              <a:t>Kazanımlar</a:t>
+              <a:t>Kısa Demo</a:t>
             </a:r>
           </a:p>
           <a:p>
@@ -3488,6 +6093,19 @@
             </a:pPr>
             <a:r>
               <a:rPr lang="tr-TR" dirty="0"/>
+              <a:t>Kazanımlar</a:t>
+            </a:r>
+          </a:p>
+          <a:p>
+            <a:pPr marL="342900" indent="-342900">
+              <a:lnSpc>
+                <a:spcPct val="200000"/>
+              </a:lnSpc>
+              <a:buFont typeface="+mj-lt"/>
+              <a:buAutoNum type="arabicPeriod"/>
+            </a:pPr>
+            <a:r>
+              <a:rPr lang="tr-TR" dirty="0"/>
               <a:t>Soru-Cevap</a:t>
             </a:r>
           </a:p>
@@ -3497,6 +6115,1429 @@
     <p:extLst>
       <p:ext uri="{BB962C8B-B14F-4D97-AF65-F5344CB8AC3E}">
         <p14:creationId xmlns:p14="http://schemas.microsoft.com/office/powerpoint/2010/main" val="3908474239"/>
+      </p:ext>
+    </p:extLst>
+  </p:cSld>
+  <p:clrMapOvr>
+    <a:masterClrMapping/>
+  </p:clrMapOvr>
+  <p:transition advClick="0"/>
+</p:sld>
+</file>
+
+<file path=ppt/slides/slide5.xml><?xml version="1.0" encoding="utf-8"?>
+<p:sld xmlns:a="http://schemas.openxmlformats.org/drawingml/2006/main" xmlns:r="http://schemas.openxmlformats.org/officeDocument/2006/relationships" xmlns:p="http://schemas.openxmlformats.org/presentationml/2006/main">
+  <p:cSld>
+    <p:spTree>
+      <p:nvGrpSpPr>
+        <p:cNvPr id="1" name=""/>
+        <p:cNvGrpSpPr/>
+        <p:nvPr/>
+      </p:nvGrpSpPr>
+      <p:grpSpPr>
+        <a:xfrm>
+          <a:off x="0" y="0"/>
+          <a:ext cx="0" cy="0"/>
+          <a:chOff x="0" y="0"/>
+          <a:chExt cx="0" cy="0"/>
+        </a:xfrm>
+      </p:grpSpPr>
+      <p:sp>
+        <p:nvSpPr>
+          <p:cNvPr id="3" name="TextBox 2">
+            <a:extLst>
+              <a:ext uri="{FF2B5EF4-FFF2-40B4-BE49-F238E27FC236}">
+                <a16:creationId xmlns:a16="http://schemas.microsoft.com/office/drawing/2014/main" id="{EA262F40-7AF7-94AF-CFD8-D8492CC410E0}"/>
+              </a:ext>
+            </a:extLst>
+          </p:cNvPr>
+          <p:cNvSpPr txBox="1"/>
+          <p:nvPr/>
+        </p:nvSpPr>
+        <p:spPr>
+          <a:xfrm>
+            <a:off x="914400" y="2123089"/>
+            <a:ext cx="6936828" cy="3139321"/>
+          </a:xfrm>
+          <a:prstGeom prst="rect">
+            <a:avLst/>
+          </a:prstGeom>
+          <a:noFill/>
+        </p:spPr>
+        <p:txBody>
+          <a:bodyPr wrap="square" rtlCol="0">
+            <a:spAutoFit/>
+          </a:bodyPr>
+          <a:lstStyle/>
+          <a:p>
+            <a:pPr marL="285750" indent="-285750">
+              <a:buFont typeface="Arial" panose="020B0604020202020204" pitchFamily="34" charset="0"/>
+              <a:buChar char="•"/>
+            </a:pPr>
+            <a:r>
+              <a:rPr lang="tr-TR" dirty="0"/>
+              <a:t>1. Hafta:  Kayıt, İş Sağlığı ve Güvenliği, Oryantasyon</a:t>
+            </a:r>
+          </a:p>
+          <a:p>
+            <a:pPr marL="285750" indent="-285750">
+              <a:buFont typeface="Arial" panose="020B0604020202020204" pitchFamily="34" charset="0"/>
+              <a:buChar char="•"/>
+            </a:pPr>
+            <a:endParaRPr lang="tr-TR" dirty="0"/>
+          </a:p>
+          <a:p>
+            <a:pPr marL="285750" indent="-285750">
+              <a:buFont typeface="Arial" panose="020B0604020202020204" pitchFamily="34" charset="0"/>
+              <a:buChar char="•"/>
+            </a:pPr>
+            <a:r>
+              <a:rPr lang="tr-TR" dirty="0"/>
+              <a:t>2: Hafta: </a:t>
+            </a:r>
+          </a:p>
+          <a:p>
+            <a:pPr marL="285750" indent="-285750">
+              <a:buFont typeface="Arial" panose="020B0604020202020204" pitchFamily="34" charset="0"/>
+              <a:buChar char="•"/>
+            </a:pPr>
+            <a:endParaRPr lang="tr-TR" dirty="0"/>
+          </a:p>
+          <a:p>
+            <a:pPr marL="285750" indent="-285750">
+              <a:buFont typeface="Arial" panose="020B0604020202020204" pitchFamily="34" charset="0"/>
+              <a:buChar char="•"/>
+            </a:pPr>
+            <a:r>
+              <a:rPr lang="tr-TR" dirty="0"/>
+              <a:t>3: Hafta:</a:t>
+            </a:r>
+          </a:p>
+          <a:p>
+            <a:pPr marL="285750" indent="-285750">
+              <a:buFont typeface="Arial" panose="020B0604020202020204" pitchFamily="34" charset="0"/>
+              <a:buChar char="•"/>
+            </a:pPr>
+            <a:endParaRPr lang="tr-TR" dirty="0"/>
+          </a:p>
+          <a:p>
+            <a:pPr marL="285750" indent="-285750">
+              <a:buFont typeface="Arial" panose="020B0604020202020204" pitchFamily="34" charset="0"/>
+              <a:buChar char="•"/>
+            </a:pPr>
+            <a:r>
+              <a:rPr lang="tr-TR" dirty="0"/>
+              <a:t>4: Hafta:</a:t>
+            </a:r>
+          </a:p>
+          <a:p>
+            <a:pPr marL="285750" indent="-285750">
+              <a:buFont typeface="Arial" panose="020B0604020202020204" pitchFamily="34" charset="0"/>
+              <a:buChar char="•"/>
+            </a:pPr>
+            <a:endParaRPr lang="tr-TR" dirty="0"/>
+          </a:p>
+          <a:p>
+            <a:pPr marL="285750" indent="-285750">
+              <a:buFont typeface="Arial" panose="020B0604020202020204" pitchFamily="34" charset="0"/>
+              <a:buChar char="•"/>
+            </a:pPr>
+            <a:r>
+              <a:rPr lang="tr-TR" dirty="0"/>
+              <a:t>5: Hafta:</a:t>
+            </a:r>
+          </a:p>
+          <a:p>
+            <a:pPr marL="285750" indent="-285750">
+              <a:buFont typeface="Arial" panose="020B0604020202020204" pitchFamily="34" charset="0"/>
+              <a:buChar char="•"/>
+            </a:pPr>
+            <a:endParaRPr lang="tr-TR" dirty="0"/>
+          </a:p>
+          <a:p>
+            <a:pPr marL="285750" indent="-285750">
+              <a:buFont typeface="Arial" panose="020B0604020202020204" pitchFamily="34" charset="0"/>
+              <a:buChar char="•"/>
+            </a:pPr>
+            <a:r>
+              <a:rPr lang="tr-TR" dirty="0"/>
+              <a:t>6: Hafta:</a:t>
+            </a:r>
+            <a:endParaRPr lang="en-US" dirty="0"/>
+          </a:p>
+        </p:txBody>
+      </p:sp>
+    </p:spTree>
+    <p:extLst>
+      <p:ext uri="{BB962C8B-B14F-4D97-AF65-F5344CB8AC3E}">
+        <p14:creationId xmlns:p14="http://schemas.microsoft.com/office/powerpoint/2010/main" val="3689017199"/>
+      </p:ext>
+    </p:extLst>
+  </p:cSld>
+  <p:clrMapOvr>
+    <a:masterClrMapping/>
+  </p:clrMapOvr>
+  <p:transition advClick="0"/>
+</p:sld>
+</file>
+
+<file path=ppt/slides/slide6.xml><?xml version="1.0" encoding="utf-8"?>
+<p:sld xmlns:a="http://schemas.openxmlformats.org/drawingml/2006/main" xmlns:r="http://schemas.openxmlformats.org/officeDocument/2006/relationships" xmlns:p="http://schemas.openxmlformats.org/presentationml/2006/main">
+  <p:cSld>
+    <p:spTree>
+      <p:nvGrpSpPr>
+        <p:cNvPr id="1" name="">
+          <a:extLst>
+            <a:ext uri="{FF2B5EF4-FFF2-40B4-BE49-F238E27FC236}">
+              <a16:creationId xmlns:a16="http://schemas.microsoft.com/office/drawing/2014/main" id="{4C8894E8-104A-BE4D-2408-E3CECAD5DEA7}"/>
+            </a:ext>
+          </a:extLst>
+        </p:cNvPr>
+        <p:cNvGrpSpPr/>
+        <p:nvPr/>
+      </p:nvGrpSpPr>
+      <p:grpSpPr>
+        <a:xfrm>
+          <a:off x="0" y="0"/>
+          <a:ext cx="0" cy="0"/>
+          <a:chOff x="0" y="0"/>
+          <a:chExt cx="0" cy="0"/>
+        </a:xfrm>
+      </p:grpSpPr>
+      <p:sp>
+        <p:nvSpPr>
+          <p:cNvPr id="2" name="TextBox 1">
+            <a:extLst>
+              <a:ext uri="{FF2B5EF4-FFF2-40B4-BE49-F238E27FC236}">
+                <a16:creationId xmlns:a16="http://schemas.microsoft.com/office/drawing/2014/main" id="{A152B227-2641-6A2C-EFEA-8B5F902A9009}"/>
+              </a:ext>
+            </a:extLst>
+          </p:cNvPr>
+          <p:cNvSpPr txBox="1"/>
+          <p:nvPr/>
+        </p:nvSpPr>
+        <p:spPr>
+          <a:xfrm>
+            <a:off x="286871" y="510988"/>
+            <a:ext cx="1351652" cy="369332"/>
+          </a:xfrm>
+          <a:prstGeom prst="rect">
+            <a:avLst/>
+          </a:prstGeom>
+          <a:noFill/>
+        </p:spPr>
+        <p:txBody>
+          <a:bodyPr wrap="none" rtlCol="0">
+            <a:spAutoFit/>
+          </a:bodyPr>
+          <a:lstStyle/>
+          <a:p>
+            <a:r>
+              <a:rPr lang="tr-TR" dirty="0">
+                <a:solidFill>
+                  <a:schemeClr val="bg1"/>
+                </a:solidFill>
+              </a:rPr>
+              <a:t>Staj Projesi</a:t>
+            </a:r>
+            <a:endParaRPr lang="en-US" dirty="0">
+              <a:solidFill>
+                <a:schemeClr val="bg1"/>
+              </a:solidFill>
+            </a:endParaRPr>
+          </a:p>
+        </p:txBody>
+      </p:sp>
+      <p:sp>
+        <p:nvSpPr>
+          <p:cNvPr id="5" name="TextBox 4">
+            <a:extLst>
+              <a:ext uri="{FF2B5EF4-FFF2-40B4-BE49-F238E27FC236}">
+                <a16:creationId xmlns:a16="http://schemas.microsoft.com/office/drawing/2014/main" id="{18411637-4297-3F19-1905-22B6C8BAD398}"/>
+              </a:ext>
+            </a:extLst>
+          </p:cNvPr>
+          <p:cNvSpPr txBox="1"/>
+          <p:nvPr/>
+        </p:nvSpPr>
+        <p:spPr>
+          <a:xfrm>
+            <a:off x="3510090" y="3429000"/>
+            <a:ext cx="2123819" cy="918200"/>
+          </a:xfrm>
+          <a:prstGeom prst="rect">
+            <a:avLst/>
+          </a:prstGeom>
+          <a:noFill/>
+        </p:spPr>
+        <p:txBody>
+          <a:bodyPr wrap="square">
+            <a:spAutoFit/>
+          </a:bodyPr>
+          <a:lstStyle/>
+          <a:p>
+            <a:pPr>
+              <a:lnSpc>
+                <a:spcPct val="150000"/>
+              </a:lnSpc>
+            </a:pPr>
+            <a:r>
+              <a:rPr lang="tr-TR" sz="2000" b="1" dirty="0">
+                <a:solidFill>
+                  <a:srgbClr val="C00000"/>
+                </a:solidFill>
+              </a:rPr>
+              <a:t>Problem Tanımı</a:t>
+            </a:r>
+          </a:p>
+          <a:p>
+            <a:pPr>
+              <a:lnSpc>
+                <a:spcPct val="150000"/>
+              </a:lnSpc>
+            </a:pPr>
+            <a:endParaRPr lang="tr-TR" b="1" dirty="0">
+              <a:solidFill>
+                <a:srgbClr val="C00000"/>
+              </a:solidFill>
+            </a:endParaRPr>
+          </a:p>
+        </p:txBody>
+      </p:sp>
+    </p:spTree>
+    <p:extLst>
+      <p:ext uri="{BB962C8B-B14F-4D97-AF65-F5344CB8AC3E}">
+        <p14:creationId xmlns:p14="http://schemas.microsoft.com/office/powerpoint/2010/main" val="1236411266"/>
+      </p:ext>
+    </p:extLst>
+  </p:cSld>
+  <p:clrMapOvr>
+    <a:masterClrMapping/>
+  </p:clrMapOvr>
+  <p:transition advClick="0"/>
+</p:sld>
+</file>
+
+<file path=ppt/slides/slide7.xml><?xml version="1.0" encoding="utf-8"?>
+<p:sld xmlns:a="http://schemas.openxmlformats.org/drawingml/2006/main" xmlns:r="http://schemas.openxmlformats.org/officeDocument/2006/relationships" xmlns:p="http://schemas.openxmlformats.org/presentationml/2006/main">
+  <p:cSld>
+    <p:spTree>
+      <p:nvGrpSpPr>
+        <p:cNvPr id="1" name=""/>
+        <p:cNvGrpSpPr/>
+        <p:nvPr/>
+      </p:nvGrpSpPr>
+      <p:grpSpPr>
+        <a:xfrm>
+          <a:off x="0" y="0"/>
+          <a:ext cx="0" cy="0"/>
+          <a:chOff x="0" y="0"/>
+          <a:chExt cx="0" cy="0"/>
+        </a:xfrm>
+      </p:grpSpPr>
+      <p:sp>
+        <p:nvSpPr>
+          <p:cNvPr id="2" name="TextBox 1">
+            <a:extLst>
+              <a:ext uri="{FF2B5EF4-FFF2-40B4-BE49-F238E27FC236}">
+                <a16:creationId xmlns:a16="http://schemas.microsoft.com/office/drawing/2014/main" id="{79875A95-98B9-28BE-9376-1AC13CFC1509}"/>
+              </a:ext>
+            </a:extLst>
+          </p:cNvPr>
+          <p:cNvSpPr txBox="1"/>
+          <p:nvPr/>
+        </p:nvSpPr>
+        <p:spPr>
+          <a:xfrm>
+            <a:off x="286871" y="510988"/>
+            <a:ext cx="1351652" cy="369332"/>
+          </a:xfrm>
+          <a:prstGeom prst="rect">
+            <a:avLst/>
+          </a:prstGeom>
+          <a:noFill/>
+        </p:spPr>
+        <p:txBody>
+          <a:bodyPr wrap="none" rtlCol="0">
+            <a:spAutoFit/>
+          </a:bodyPr>
+          <a:lstStyle/>
+          <a:p>
+            <a:r>
+              <a:rPr lang="tr-TR" dirty="0">
+                <a:solidFill>
+                  <a:schemeClr val="bg1"/>
+                </a:solidFill>
+              </a:rPr>
+              <a:t>Staj Projesi</a:t>
+            </a:r>
+            <a:endParaRPr lang="en-US" dirty="0">
+              <a:solidFill>
+                <a:schemeClr val="bg1"/>
+              </a:solidFill>
+            </a:endParaRPr>
+          </a:p>
+        </p:txBody>
+      </p:sp>
+      <p:sp>
+        <p:nvSpPr>
+          <p:cNvPr id="5" name="TextBox 4">
+            <a:extLst>
+              <a:ext uri="{FF2B5EF4-FFF2-40B4-BE49-F238E27FC236}">
+                <a16:creationId xmlns:a16="http://schemas.microsoft.com/office/drawing/2014/main" id="{F519BC26-5E4E-6427-72FB-B5C3937AD739}"/>
+              </a:ext>
+            </a:extLst>
+          </p:cNvPr>
+          <p:cNvSpPr txBox="1"/>
+          <p:nvPr/>
+        </p:nvSpPr>
+        <p:spPr>
+          <a:xfrm>
+            <a:off x="286871" y="1090313"/>
+            <a:ext cx="8355106" cy="3826689"/>
+          </a:xfrm>
+          <a:prstGeom prst="rect">
+            <a:avLst/>
+          </a:prstGeom>
+          <a:noFill/>
+        </p:spPr>
+        <p:txBody>
+          <a:bodyPr wrap="square">
+            <a:spAutoFit/>
+          </a:bodyPr>
+          <a:lstStyle/>
+          <a:p>
+            <a:pPr>
+              <a:lnSpc>
+                <a:spcPct val="150000"/>
+              </a:lnSpc>
+            </a:pPr>
+            <a:r>
+              <a:rPr lang="tr-TR" sz="2000" b="1" dirty="0">
+                <a:solidFill>
+                  <a:srgbClr val="C00000"/>
+                </a:solidFill>
+              </a:rPr>
+              <a:t>Problem Tanımı</a:t>
+            </a:r>
+          </a:p>
+          <a:p>
+            <a:pPr>
+              <a:lnSpc>
+                <a:spcPct val="150000"/>
+              </a:lnSpc>
+            </a:pPr>
+            <a:endParaRPr lang="tr-TR" b="1" dirty="0">
+              <a:solidFill>
+                <a:srgbClr val="C00000"/>
+              </a:solidFill>
+            </a:endParaRPr>
+          </a:p>
+          <a:p>
+            <a:pPr marL="285750" indent="-285750">
+              <a:lnSpc>
+                <a:spcPct val="150000"/>
+              </a:lnSpc>
+              <a:buFont typeface="Arial" panose="020B0604020202020204" pitchFamily="34" charset="0"/>
+              <a:buChar char="•"/>
+            </a:pPr>
+            <a:r>
+              <a:rPr lang="tr-TR" dirty="0"/>
+              <a:t>Mikroservislerde Kafka tabanlı iletişim büyüdükçe, “kim hangi topic’e yazıyor, kim hangi topic’i dinliyor?” sorusunun cevabı giderek bulanıklaşıyor.</a:t>
+            </a:r>
+          </a:p>
+          <a:p>
+            <a:pPr marL="285750" indent="-285750">
+              <a:lnSpc>
+                <a:spcPct val="150000"/>
+              </a:lnSpc>
+              <a:buFont typeface="Arial" panose="020B0604020202020204" pitchFamily="34" charset="0"/>
+              <a:buChar char="•"/>
+            </a:pPr>
+            <a:r>
+              <a:rPr lang="tr-TR" dirty="0"/>
+              <a:t>Dokümantasyon eksik veya güncel olamayabiliyor, tasarımda var olan akışlar ile çalışan akışlar birbirinden sapabiliyor.</a:t>
+            </a:r>
+          </a:p>
+          <a:p>
+            <a:pPr marL="285750" indent="-285750">
+              <a:lnSpc>
+                <a:spcPct val="150000"/>
+              </a:lnSpc>
+              <a:buFont typeface="Arial" panose="020B0604020202020204" pitchFamily="34" charset="0"/>
+              <a:buChar char="•"/>
+            </a:pPr>
+            <a:r>
+              <a:rPr lang="tr-TR" dirty="0"/>
+              <a:t>Etki analizi zor: Bir topic’in şemasını değiştirdiğimizde kimlerin etkileneceğini hızlıca göremiyoruz.</a:t>
+            </a:r>
+          </a:p>
+          <a:p>
+            <a:pPr marL="285750" indent="-285750">
+              <a:lnSpc>
+                <a:spcPct val="150000"/>
+              </a:lnSpc>
+              <a:buFont typeface="Arial" panose="020B0604020202020204" pitchFamily="34" charset="0"/>
+              <a:buChar char="•"/>
+            </a:pPr>
+            <a:r>
+              <a:rPr lang="tr-TR" dirty="0"/>
+              <a:t>Onboarding ve operasyon yavaşlıyor.</a:t>
+            </a:r>
+          </a:p>
+        </p:txBody>
+      </p:sp>
+      <p:pic>
+        <p:nvPicPr>
+          <p:cNvPr id="11" name="Picture 10" descr="A diagram of a business&#10;&#10;AI-generated content may be incorrect.">
+            <a:extLst>
+              <a:ext uri="{FF2B5EF4-FFF2-40B4-BE49-F238E27FC236}">
+                <a16:creationId xmlns:a16="http://schemas.microsoft.com/office/drawing/2014/main" id="{99BAC3B9-57FB-1F13-121B-C093E4488844}"/>
+              </a:ext>
+            </a:extLst>
+          </p:cNvPr>
+          <p:cNvPicPr>
+            <a:picLocks noChangeAspect="1"/>
+          </p:cNvPicPr>
+          <p:nvPr/>
+        </p:nvPicPr>
+        <p:blipFill>
+          <a:blip r:embed="rId3">
+            <a:extLst>
+              <a:ext uri="{28A0092B-C50C-407E-A947-70E740481C1C}">
+                <a14:useLocalDpi xmlns:a14="http://schemas.microsoft.com/office/drawing/2010/main" val="0"/>
+              </a:ext>
+            </a:extLst>
+          </a:blip>
+          <a:stretch>
+            <a:fillRect/>
+          </a:stretch>
+        </p:blipFill>
+        <p:spPr>
+          <a:xfrm>
+            <a:off x="4727811" y="4658904"/>
+            <a:ext cx="4416189" cy="1903530"/>
+          </a:xfrm>
+          <a:prstGeom prst="rect">
+            <a:avLst/>
+          </a:prstGeom>
+        </p:spPr>
+      </p:pic>
+    </p:spTree>
+    <p:extLst>
+      <p:ext uri="{BB962C8B-B14F-4D97-AF65-F5344CB8AC3E}">
+        <p14:creationId xmlns:p14="http://schemas.microsoft.com/office/powerpoint/2010/main" val="3243594910"/>
+      </p:ext>
+    </p:extLst>
+  </p:cSld>
+  <p:clrMapOvr>
+    <a:masterClrMapping/>
+  </p:clrMapOvr>
+  <p:transition advClick="0"/>
+</p:sld>
+</file>
+
+<file path=ppt/slides/slide8.xml><?xml version="1.0" encoding="utf-8"?>
+<p:sld xmlns:a="http://schemas.openxmlformats.org/drawingml/2006/main" xmlns:r="http://schemas.openxmlformats.org/officeDocument/2006/relationships" xmlns:p="http://schemas.openxmlformats.org/presentationml/2006/main">
+  <p:cSld>
+    <p:spTree>
+      <p:nvGrpSpPr>
+        <p:cNvPr id="1" name="">
+          <a:extLst>
+            <a:ext uri="{FF2B5EF4-FFF2-40B4-BE49-F238E27FC236}">
+              <a16:creationId xmlns:a16="http://schemas.microsoft.com/office/drawing/2014/main" id="{043317AF-45CA-6236-262F-6C1691A109D9}"/>
+            </a:ext>
+          </a:extLst>
+        </p:cNvPr>
+        <p:cNvGrpSpPr/>
+        <p:nvPr/>
+      </p:nvGrpSpPr>
+      <p:grpSpPr>
+        <a:xfrm>
+          <a:off x="0" y="0"/>
+          <a:ext cx="0" cy="0"/>
+          <a:chOff x="0" y="0"/>
+          <a:chExt cx="0" cy="0"/>
+        </a:xfrm>
+      </p:grpSpPr>
+      <p:sp>
+        <p:nvSpPr>
+          <p:cNvPr id="2" name="TextBox 1">
+            <a:extLst>
+              <a:ext uri="{FF2B5EF4-FFF2-40B4-BE49-F238E27FC236}">
+                <a16:creationId xmlns:a16="http://schemas.microsoft.com/office/drawing/2014/main" id="{624EB8DE-9170-4134-E9BB-391268C535EA}"/>
+              </a:ext>
+            </a:extLst>
+          </p:cNvPr>
+          <p:cNvSpPr txBox="1"/>
+          <p:nvPr/>
+        </p:nvSpPr>
+        <p:spPr>
+          <a:xfrm>
+            <a:off x="286871" y="510988"/>
+            <a:ext cx="1351652" cy="369332"/>
+          </a:xfrm>
+          <a:prstGeom prst="rect">
+            <a:avLst/>
+          </a:prstGeom>
+          <a:noFill/>
+        </p:spPr>
+        <p:txBody>
+          <a:bodyPr wrap="none" rtlCol="0">
+            <a:spAutoFit/>
+          </a:bodyPr>
+          <a:lstStyle/>
+          <a:p>
+            <a:r>
+              <a:rPr lang="tr-TR" dirty="0">
+                <a:solidFill>
+                  <a:schemeClr val="bg1"/>
+                </a:solidFill>
+              </a:rPr>
+              <a:t>Staj Projesi</a:t>
+            </a:r>
+            <a:endParaRPr lang="en-US" dirty="0">
+              <a:solidFill>
+                <a:schemeClr val="bg1"/>
+              </a:solidFill>
+            </a:endParaRPr>
+          </a:p>
+        </p:txBody>
+      </p:sp>
+      <p:sp>
+        <p:nvSpPr>
+          <p:cNvPr id="5" name="TextBox 4">
+            <a:extLst>
+              <a:ext uri="{FF2B5EF4-FFF2-40B4-BE49-F238E27FC236}">
+                <a16:creationId xmlns:a16="http://schemas.microsoft.com/office/drawing/2014/main" id="{4994CC91-BE0D-315F-28E4-280DB4175F59}"/>
+              </a:ext>
+            </a:extLst>
+          </p:cNvPr>
+          <p:cNvSpPr txBox="1"/>
+          <p:nvPr/>
+        </p:nvSpPr>
+        <p:spPr>
+          <a:xfrm>
+            <a:off x="394446" y="1078397"/>
+            <a:ext cx="8355106" cy="496996"/>
+          </a:xfrm>
+          <a:prstGeom prst="rect">
+            <a:avLst/>
+          </a:prstGeom>
+          <a:noFill/>
+        </p:spPr>
+        <p:txBody>
+          <a:bodyPr wrap="square">
+            <a:spAutoFit/>
+          </a:bodyPr>
+          <a:lstStyle/>
+          <a:p>
+            <a:pPr>
+              <a:lnSpc>
+                <a:spcPct val="150000"/>
+              </a:lnSpc>
+            </a:pPr>
+            <a:r>
+              <a:rPr lang="tr-TR" sz="2000" b="1" dirty="0">
+                <a:solidFill>
+                  <a:srgbClr val="C00000"/>
+                </a:solidFill>
+              </a:rPr>
+              <a:t>Yaklaşım — Büyük Resim</a:t>
+            </a:r>
+          </a:p>
+        </p:txBody>
+      </p:sp>
+      <p:sp>
+        <p:nvSpPr>
+          <p:cNvPr id="3" name="TextBox 2">
+            <a:extLst>
+              <a:ext uri="{FF2B5EF4-FFF2-40B4-BE49-F238E27FC236}">
+                <a16:creationId xmlns:a16="http://schemas.microsoft.com/office/drawing/2014/main" id="{AB905184-0E59-CE6D-FC20-6728C6EBC7BD}"/>
+              </a:ext>
+            </a:extLst>
+          </p:cNvPr>
+          <p:cNvSpPr txBox="1"/>
+          <p:nvPr/>
+        </p:nvSpPr>
+        <p:spPr>
+          <a:xfrm>
+            <a:off x="394446" y="2399777"/>
+            <a:ext cx="6948463" cy="2308324"/>
+          </a:xfrm>
+          <a:prstGeom prst="rect">
+            <a:avLst/>
+          </a:prstGeom>
+          <a:noFill/>
+        </p:spPr>
+        <p:txBody>
+          <a:bodyPr wrap="square" rtlCol="0">
+            <a:spAutoFit/>
+          </a:bodyPr>
+          <a:lstStyle/>
+          <a:p>
+            <a:pPr marL="285750" indent="-285750">
+              <a:buFont typeface="Arial" panose="020B0604020202020204" pitchFamily="34" charset="0"/>
+              <a:buChar char="•"/>
+            </a:pPr>
+            <a:r>
+              <a:rPr lang="en-US" dirty="0"/>
+              <a:t>Bu </a:t>
+            </a:r>
+            <a:r>
+              <a:rPr lang="en-US" dirty="0" err="1"/>
+              <a:t>karmaşayı</a:t>
+            </a:r>
+            <a:r>
+              <a:rPr lang="en-US" dirty="0"/>
+              <a:t> </a:t>
+            </a:r>
+            <a:r>
+              <a:rPr lang="en-US" dirty="0" err="1"/>
+              <a:t>düzene</a:t>
+            </a:r>
+            <a:r>
+              <a:rPr lang="en-US" dirty="0"/>
+              <a:t> </a:t>
+            </a:r>
+            <a:r>
+              <a:rPr lang="en-US" dirty="0" err="1"/>
+              <a:t>sokmak</a:t>
+            </a:r>
+            <a:r>
+              <a:rPr lang="en-US" dirty="0"/>
+              <a:t> </a:t>
+            </a:r>
+            <a:r>
+              <a:rPr lang="en-US" dirty="0" err="1"/>
+              <a:t>için</a:t>
+            </a:r>
+            <a:r>
+              <a:rPr lang="tr-TR" dirty="0"/>
+              <a:t> </a:t>
+            </a:r>
+            <a:r>
+              <a:rPr lang="en-US" b="1" dirty="0" err="1"/>
+              <a:t>servis</a:t>
+            </a:r>
+            <a:r>
+              <a:rPr lang="en-US" b="1" dirty="0"/>
+              <a:t> → topic → </a:t>
+            </a:r>
+            <a:r>
+              <a:rPr lang="en-US" b="1" dirty="0" err="1"/>
+              <a:t>servis</a:t>
+            </a:r>
+            <a:r>
+              <a:rPr lang="tr-TR" b="1" dirty="0"/>
+              <a:t> </a:t>
+            </a:r>
+            <a:r>
+              <a:rPr lang="en-US" dirty="0" err="1"/>
+              <a:t>akışını</a:t>
+            </a:r>
+            <a:r>
+              <a:rPr lang="en-US" dirty="0"/>
+              <a:t> </a:t>
+            </a:r>
+            <a:r>
+              <a:rPr lang="en-US" dirty="0" err="1"/>
+              <a:t>görselleştirmek</a:t>
+            </a:r>
+            <a:r>
+              <a:rPr lang="en-US" dirty="0"/>
+              <a:t>, </a:t>
+            </a:r>
+            <a:r>
+              <a:rPr lang="tr-TR" dirty="0"/>
+              <a:t>bahsedilen </a:t>
+            </a:r>
+            <a:r>
+              <a:rPr lang="en-US" dirty="0" err="1"/>
+              <a:t>sorunlar</a:t>
+            </a:r>
+            <a:r>
+              <a:rPr lang="tr-TR" dirty="0"/>
+              <a:t>a yönelik yaklaşımı</a:t>
+            </a:r>
+            <a:r>
+              <a:rPr lang="en-US" dirty="0"/>
+              <a:t> </a:t>
+            </a:r>
+            <a:r>
+              <a:rPr lang="en-US" dirty="0" err="1"/>
+              <a:t>basitleştirmek</a:t>
+            </a:r>
+            <a:r>
+              <a:rPr lang="en-US" dirty="0"/>
+              <a:t> </a:t>
+            </a:r>
+            <a:r>
+              <a:rPr lang="en-US" dirty="0" err="1"/>
+              <a:t>açısından</a:t>
+            </a:r>
+            <a:r>
+              <a:rPr lang="en-US" dirty="0"/>
+              <a:t> </a:t>
+            </a:r>
+            <a:r>
+              <a:rPr lang="en-US" dirty="0" err="1"/>
+              <a:t>kritik</a:t>
+            </a:r>
+            <a:r>
+              <a:rPr lang="en-US" dirty="0"/>
+              <a:t> </a:t>
+            </a:r>
+            <a:r>
+              <a:rPr lang="en-US" dirty="0" err="1"/>
+              <a:t>bir</a:t>
+            </a:r>
+            <a:r>
+              <a:rPr lang="en-US" dirty="0"/>
+              <a:t> </a:t>
+            </a:r>
+            <a:r>
+              <a:rPr lang="en-US" dirty="0" err="1"/>
+              <a:t>rol</a:t>
+            </a:r>
+            <a:r>
+              <a:rPr lang="en-US" dirty="0"/>
+              <a:t> </a:t>
+            </a:r>
+            <a:r>
+              <a:rPr lang="en-US" dirty="0" err="1"/>
+              <a:t>oynayabilir</a:t>
+            </a:r>
+            <a:r>
+              <a:rPr lang="en-US" dirty="0"/>
+              <a:t>.</a:t>
+            </a:r>
+            <a:endParaRPr lang="tr-TR" dirty="0"/>
+          </a:p>
+          <a:p>
+            <a:pPr marL="285750" indent="-285750">
+              <a:buFont typeface="Arial" panose="020B0604020202020204" pitchFamily="34" charset="0"/>
+              <a:buChar char="•"/>
+            </a:pPr>
+            <a:endParaRPr lang="tr-TR" dirty="0"/>
+          </a:p>
+          <a:p>
+            <a:pPr marL="285750" indent="-285750">
+              <a:buFont typeface="Arial" panose="020B0604020202020204" pitchFamily="34" charset="0"/>
+              <a:buChar char="•"/>
+            </a:pPr>
+            <a:r>
+              <a:rPr lang="en-US" dirty="0" err="1"/>
+              <a:t>Ancak</a:t>
+            </a:r>
+            <a:r>
+              <a:rPr lang="en-US" dirty="0"/>
+              <a:t> </a:t>
+            </a:r>
+            <a:r>
+              <a:rPr lang="en-US" dirty="0" err="1"/>
+              <a:t>önce</a:t>
+            </a:r>
+            <a:r>
+              <a:rPr lang="en-US" dirty="0"/>
+              <a:t> </a:t>
+            </a:r>
+            <a:r>
+              <a:rPr lang="en-US" dirty="0" err="1"/>
+              <a:t>mikroservislerin</a:t>
+            </a:r>
+            <a:r>
+              <a:rPr lang="en-US" dirty="0"/>
+              <a:t> hangi </a:t>
+            </a:r>
+            <a:r>
+              <a:rPr lang="en-US" dirty="0" err="1"/>
+              <a:t>topiclerle</a:t>
+            </a:r>
+            <a:r>
+              <a:rPr lang="en-US" dirty="0"/>
+              <a:t> </a:t>
+            </a:r>
+            <a:r>
+              <a:rPr lang="en-US" dirty="0" err="1"/>
+              <a:t>konuştuğunu</a:t>
+            </a:r>
+            <a:r>
+              <a:rPr lang="en-US" dirty="0"/>
+              <a:t> </a:t>
+            </a:r>
+            <a:r>
+              <a:rPr lang="en-US" dirty="0" err="1"/>
+              <a:t>güvenilir</a:t>
+            </a:r>
+            <a:r>
+              <a:rPr lang="en-US" dirty="0"/>
+              <a:t> </a:t>
+            </a:r>
+            <a:r>
+              <a:rPr lang="en-US" dirty="0" err="1"/>
+              <a:t>şekilde</a:t>
+            </a:r>
+            <a:r>
+              <a:rPr lang="en-US" dirty="0"/>
+              <a:t> </a:t>
+            </a:r>
+            <a:r>
+              <a:rPr lang="en-US" dirty="0" err="1"/>
+              <a:t>çıkarmamız</a:t>
+            </a:r>
+            <a:r>
+              <a:rPr lang="en-US" dirty="0"/>
+              <a:t> </a:t>
+            </a:r>
+            <a:r>
+              <a:rPr lang="en-US" dirty="0" err="1"/>
+              <a:t>gerekir</a:t>
+            </a:r>
+            <a:r>
+              <a:rPr lang="en-US" dirty="0"/>
+              <a:t>.</a:t>
+            </a:r>
+            <a:endParaRPr lang="tr-TR" dirty="0"/>
+          </a:p>
+          <a:p>
+            <a:pPr marL="285750" indent="-285750">
+              <a:buFont typeface="Arial" panose="020B0604020202020204" pitchFamily="34" charset="0"/>
+              <a:buChar char="•"/>
+            </a:pPr>
+            <a:endParaRPr lang="tr-TR" dirty="0"/>
+          </a:p>
+          <a:p>
+            <a:pPr marL="285750" indent="-285750">
+              <a:buFont typeface="Arial" panose="020B0604020202020204" pitchFamily="34" charset="0"/>
+              <a:buChar char="•"/>
+            </a:pPr>
+            <a:r>
+              <a:rPr lang="tr-TR" dirty="0"/>
+              <a:t>Peki bunu nasıl analiz edebiliriz?</a:t>
+            </a:r>
+          </a:p>
+        </p:txBody>
+      </p:sp>
+    </p:spTree>
+    <p:extLst>
+      <p:ext uri="{BB962C8B-B14F-4D97-AF65-F5344CB8AC3E}">
+        <p14:creationId xmlns:p14="http://schemas.microsoft.com/office/powerpoint/2010/main" val="1590013711"/>
+      </p:ext>
+    </p:extLst>
+  </p:cSld>
+  <p:clrMapOvr>
+    <a:masterClrMapping/>
+  </p:clrMapOvr>
+  <p:transition advClick="0"/>
+</p:sld>
+</file>
+
+<file path=ppt/slides/slide9.xml><?xml version="1.0" encoding="utf-8"?>
+<p:sld xmlns:a="http://schemas.openxmlformats.org/drawingml/2006/main" xmlns:r="http://schemas.openxmlformats.org/officeDocument/2006/relationships" xmlns:p="http://schemas.openxmlformats.org/presentationml/2006/main">
+  <p:cSld>
+    <p:spTree>
+      <p:nvGrpSpPr>
+        <p:cNvPr id="1" name="">
+          <a:extLst>
+            <a:ext uri="{FF2B5EF4-FFF2-40B4-BE49-F238E27FC236}">
+              <a16:creationId xmlns:a16="http://schemas.microsoft.com/office/drawing/2014/main" id="{0ADB3B40-98A5-FBBC-13FA-AB918E7C2B7F}"/>
+            </a:ext>
+          </a:extLst>
+        </p:cNvPr>
+        <p:cNvGrpSpPr/>
+        <p:nvPr/>
+      </p:nvGrpSpPr>
+      <p:grpSpPr>
+        <a:xfrm>
+          <a:off x="0" y="0"/>
+          <a:ext cx="0" cy="0"/>
+          <a:chOff x="0" y="0"/>
+          <a:chExt cx="0" cy="0"/>
+        </a:xfrm>
+      </p:grpSpPr>
+      <p:sp>
+        <p:nvSpPr>
+          <p:cNvPr id="2" name="TextBox 1">
+            <a:extLst>
+              <a:ext uri="{FF2B5EF4-FFF2-40B4-BE49-F238E27FC236}">
+                <a16:creationId xmlns:a16="http://schemas.microsoft.com/office/drawing/2014/main" id="{A924FBAE-A0D2-B138-6AAD-8681020E2412}"/>
+              </a:ext>
+            </a:extLst>
+          </p:cNvPr>
+          <p:cNvSpPr txBox="1"/>
+          <p:nvPr/>
+        </p:nvSpPr>
+        <p:spPr>
+          <a:xfrm>
+            <a:off x="286871" y="510988"/>
+            <a:ext cx="1351652" cy="369332"/>
+          </a:xfrm>
+          <a:prstGeom prst="rect">
+            <a:avLst/>
+          </a:prstGeom>
+          <a:noFill/>
+        </p:spPr>
+        <p:txBody>
+          <a:bodyPr wrap="none" rtlCol="0">
+            <a:spAutoFit/>
+          </a:bodyPr>
+          <a:lstStyle/>
+          <a:p>
+            <a:r>
+              <a:rPr lang="tr-TR" dirty="0">
+                <a:solidFill>
+                  <a:schemeClr val="bg1"/>
+                </a:solidFill>
+              </a:rPr>
+              <a:t>Staj Projesi</a:t>
+            </a:r>
+            <a:endParaRPr lang="en-US" dirty="0">
+              <a:solidFill>
+                <a:schemeClr val="bg1"/>
+              </a:solidFill>
+            </a:endParaRPr>
+          </a:p>
+        </p:txBody>
+      </p:sp>
+      <p:sp>
+        <p:nvSpPr>
+          <p:cNvPr id="5" name="TextBox 4">
+            <a:extLst>
+              <a:ext uri="{FF2B5EF4-FFF2-40B4-BE49-F238E27FC236}">
+                <a16:creationId xmlns:a16="http://schemas.microsoft.com/office/drawing/2014/main" id="{B6A014E7-7986-13F6-EF4C-C54FD5B844E9}"/>
+              </a:ext>
+            </a:extLst>
+          </p:cNvPr>
+          <p:cNvSpPr txBox="1"/>
+          <p:nvPr/>
+        </p:nvSpPr>
+        <p:spPr>
+          <a:xfrm>
+            <a:off x="286871" y="1125830"/>
+            <a:ext cx="8355106" cy="496996"/>
+          </a:xfrm>
+          <a:prstGeom prst="rect">
+            <a:avLst/>
+          </a:prstGeom>
+          <a:noFill/>
+        </p:spPr>
+        <p:txBody>
+          <a:bodyPr wrap="square">
+            <a:spAutoFit/>
+          </a:bodyPr>
+          <a:lstStyle/>
+          <a:p>
+            <a:pPr>
+              <a:lnSpc>
+                <a:spcPct val="150000"/>
+              </a:lnSpc>
+            </a:pPr>
+            <a:r>
+              <a:rPr lang="tr-TR" sz="2000" b="1" dirty="0">
+                <a:solidFill>
+                  <a:srgbClr val="C00000"/>
+                </a:solidFill>
+              </a:rPr>
+              <a:t>Kafka Topiclerini Analiz Etme Yöntemleri</a:t>
+            </a:r>
+          </a:p>
+        </p:txBody>
+      </p:sp>
+      <p:sp>
+        <p:nvSpPr>
+          <p:cNvPr id="3" name="TextBox 2">
+            <a:extLst>
+              <a:ext uri="{FF2B5EF4-FFF2-40B4-BE49-F238E27FC236}">
+                <a16:creationId xmlns:a16="http://schemas.microsoft.com/office/drawing/2014/main" id="{5F9EF56A-CDF9-5E3C-0DBD-1F6D68B78381}"/>
+              </a:ext>
+            </a:extLst>
+          </p:cNvPr>
+          <p:cNvSpPr txBox="1"/>
+          <p:nvPr/>
+        </p:nvSpPr>
+        <p:spPr>
+          <a:xfrm>
+            <a:off x="394445" y="2081438"/>
+            <a:ext cx="6948463" cy="1754326"/>
+          </a:xfrm>
+          <a:prstGeom prst="rect">
+            <a:avLst/>
+          </a:prstGeom>
+          <a:noFill/>
+        </p:spPr>
+        <p:txBody>
+          <a:bodyPr wrap="square" rtlCol="0">
+            <a:spAutoFit/>
+          </a:bodyPr>
+          <a:lstStyle/>
+          <a:p>
+            <a:r>
+              <a:rPr lang="en-US" b="1" dirty="0"/>
+              <a:t>Distributed Tracing </a:t>
+            </a:r>
+            <a:r>
+              <a:rPr lang="tr-TR" b="1" dirty="0"/>
+              <a:t>(OpenTelemetry/Jaeger)</a:t>
+            </a:r>
+          </a:p>
+          <a:p>
+            <a:endParaRPr lang="tr-TR" b="1" dirty="0"/>
+          </a:p>
+          <a:p>
+            <a:pPr marL="285750" indent="-285750">
+              <a:buFont typeface="Arial" panose="020B0604020202020204" pitchFamily="34" charset="0"/>
+              <a:buChar char="•"/>
+            </a:pPr>
+            <a:r>
+              <a:rPr lang="en-US" dirty="0"/>
+              <a:t>Ne</a:t>
+            </a:r>
+            <a:r>
+              <a:rPr lang="tr-TR" dirty="0"/>
+              <a:t>leri gösterir</a:t>
+            </a:r>
+            <a:r>
+              <a:rPr lang="en-US" dirty="0"/>
+              <a:t>: </a:t>
+            </a:r>
+            <a:r>
+              <a:rPr lang="en-US" dirty="0" err="1"/>
+              <a:t>Canlı</a:t>
+            </a:r>
+            <a:r>
+              <a:rPr lang="en-US" dirty="0"/>
+              <a:t> </a:t>
+            </a:r>
+            <a:r>
+              <a:rPr lang="en-US" dirty="0" err="1"/>
+              <a:t>sistemde</a:t>
+            </a:r>
+            <a:r>
+              <a:rPr lang="en-US" dirty="0"/>
+              <a:t> </a:t>
+            </a:r>
+            <a:r>
+              <a:rPr lang="en-US" dirty="0" err="1"/>
+              <a:t>gözlenen</a:t>
+            </a:r>
+            <a:r>
+              <a:rPr lang="en-US" dirty="0"/>
+              <a:t> </a:t>
+            </a:r>
+            <a:r>
+              <a:rPr lang="tr-TR" dirty="0"/>
+              <a:t>publish</a:t>
+            </a:r>
+            <a:r>
+              <a:rPr lang="en-US" dirty="0"/>
+              <a:t>/</a:t>
+            </a:r>
+            <a:r>
+              <a:rPr lang="tr-TR" dirty="0"/>
+              <a:t>subscribe </a:t>
+            </a:r>
+            <a:r>
+              <a:rPr lang="en-US" dirty="0" err="1"/>
+              <a:t>işlemlerinin</a:t>
+            </a:r>
+            <a:r>
+              <a:rPr lang="en-US" dirty="0"/>
+              <a:t> </a:t>
+            </a:r>
+            <a:r>
+              <a:rPr lang="en-US" dirty="0" err="1"/>
+              <a:t>izlerini</a:t>
+            </a:r>
+            <a:r>
+              <a:rPr lang="en-US" dirty="0"/>
+              <a:t> </a:t>
+            </a:r>
+            <a:r>
+              <a:rPr lang="en-US" dirty="0" err="1"/>
+              <a:t>gösterir</a:t>
+            </a:r>
+            <a:r>
+              <a:rPr lang="tr-TR" dirty="0"/>
+              <a:t>. </a:t>
+            </a:r>
+          </a:p>
+          <a:p>
+            <a:pPr marL="285750" indent="-285750">
+              <a:buFont typeface="Arial" panose="020B0604020202020204" pitchFamily="34" charset="0"/>
+              <a:buChar char="•"/>
+            </a:pPr>
+            <a:r>
+              <a:rPr lang="tr-TR" dirty="0"/>
+              <a:t>Neleri göstermez: </a:t>
+            </a:r>
+            <a:r>
+              <a:rPr lang="en-US" b="1" dirty="0" err="1"/>
+              <a:t>Eksiksiz</a:t>
+            </a:r>
+            <a:r>
+              <a:rPr lang="en-US" b="1" dirty="0"/>
+              <a:t> </a:t>
+            </a:r>
+            <a:r>
+              <a:rPr lang="en-US" b="1" dirty="0" err="1"/>
+              <a:t>bir</a:t>
+            </a:r>
+            <a:r>
+              <a:rPr lang="en-US" b="1" dirty="0"/>
+              <a:t> </a:t>
+            </a:r>
+            <a:r>
+              <a:rPr lang="en-US" b="1" dirty="0" err="1"/>
+              <a:t>envanter</a:t>
+            </a:r>
+            <a:r>
+              <a:rPr lang="en-US" b="1" dirty="0"/>
+              <a:t> </a:t>
+            </a:r>
+            <a:r>
+              <a:rPr lang="en-US" b="1" dirty="0" err="1"/>
+              <a:t>vermez</a:t>
+            </a:r>
+            <a:r>
+              <a:rPr lang="en-US" b="1" dirty="0"/>
+              <a:t>. </a:t>
+            </a:r>
+            <a:r>
+              <a:rPr lang="en-US" dirty="0" err="1"/>
+              <a:t>Enstrümantasyon</a:t>
+            </a:r>
+            <a:r>
+              <a:rPr lang="en-US" dirty="0"/>
+              <a:t> </a:t>
+            </a:r>
+            <a:r>
+              <a:rPr lang="en-US" dirty="0" err="1"/>
+              <a:t>olmayan</a:t>
+            </a:r>
+            <a:r>
+              <a:rPr lang="en-US" dirty="0"/>
+              <a:t> </a:t>
+            </a:r>
+            <a:r>
+              <a:rPr lang="en-US" dirty="0" err="1"/>
+              <a:t>servisler</a:t>
+            </a:r>
+            <a:r>
+              <a:rPr lang="en-US" dirty="0"/>
+              <a:t> </a:t>
+            </a:r>
+            <a:r>
+              <a:rPr lang="en-US" dirty="0" err="1"/>
+              <a:t>görünmez</a:t>
+            </a:r>
+            <a:r>
+              <a:rPr lang="tr-TR" dirty="0"/>
+              <a:t>.</a:t>
+            </a:r>
+            <a:endParaRPr lang="en-US" dirty="0"/>
+          </a:p>
+        </p:txBody>
+      </p:sp>
+      <p:sp>
+        <p:nvSpPr>
+          <p:cNvPr id="6" name="TextBox 5">
+            <a:extLst>
+              <a:ext uri="{FF2B5EF4-FFF2-40B4-BE49-F238E27FC236}">
+                <a16:creationId xmlns:a16="http://schemas.microsoft.com/office/drawing/2014/main" id="{BF6859AB-E062-31AC-954C-170CDEA2E85E}"/>
+              </a:ext>
+            </a:extLst>
+          </p:cNvPr>
+          <p:cNvSpPr txBox="1"/>
+          <p:nvPr/>
+        </p:nvSpPr>
+        <p:spPr>
+          <a:xfrm>
+            <a:off x="394445" y="4205485"/>
+            <a:ext cx="6948463" cy="2031325"/>
+          </a:xfrm>
+          <a:prstGeom prst="rect">
+            <a:avLst/>
+          </a:prstGeom>
+          <a:noFill/>
+        </p:spPr>
+        <p:txBody>
+          <a:bodyPr wrap="square" rtlCol="0">
+            <a:spAutoFit/>
+          </a:bodyPr>
+          <a:lstStyle/>
+          <a:p>
+            <a:r>
+              <a:rPr lang="en-US" b="1" dirty="0"/>
+              <a:t>Statik </a:t>
+            </a:r>
+            <a:r>
+              <a:rPr lang="en-US" b="1" dirty="0" err="1"/>
+              <a:t>Kod</a:t>
+            </a:r>
+            <a:r>
+              <a:rPr lang="en-US" b="1" dirty="0"/>
+              <a:t> </a:t>
+            </a:r>
+            <a:r>
+              <a:rPr lang="en-US" b="1" dirty="0" err="1"/>
+              <a:t>Analizi</a:t>
+            </a:r>
+            <a:r>
+              <a:rPr lang="tr-TR" b="1" dirty="0"/>
+              <a:t> (Swagger/YAML dosyalarından)</a:t>
+            </a:r>
+          </a:p>
+          <a:p>
+            <a:endParaRPr lang="tr-TR" b="1" dirty="0"/>
+          </a:p>
+          <a:p>
+            <a:pPr marL="285750" indent="-285750">
+              <a:buFont typeface="Arial" panose="020B0604020202020204" pitchFamily="34" charset="0"/>
+              <a:buChar char="•"/>
+            </a:pPr>
+            <a:r>
+              <a:rPr lang="en-US" dirty="0"/>
+              <a:t>Ne </a:t>
+            </a:r>
+            <a:r>
+              <a:rPr lang="en-US" dirty="0" err="1"/>
+              <a:t>gösterir</a:t>
+            </a:r>
+            <a:r>
+              <a:rPr lang="en-US" dirty="0"/>
+              <a:t>: </a:t>
+            </a:r>
+            <a:r>
+              <a:rPr lang="en-US" dirty="0" err="1"/>
+              <a:t>Tasarlanan</a:t>
+            </a:r>
+            <a:r>
+              <a:rPr lang="en-US" dirty="0"/>
+              <a:t> </a:t>
+            </a:r>
+            <a:r>
+              <a:rPr lang="en-US" dirty="0" err="1"/>
+              <a:t>ilişkiler</a:t>
+            </a:r>
+            <a:r>
+              <a:rPr lang="en-US" dirty="0"/>
+              <a:t>. </a:t>
+            </a:r>
+            <a:r>
+              <a:rPr lang="en-US" dirty="0" err="1"/>
+              <a:t>Repo’daki</a:t>
+            </a:r>
+            <a:r>
+              <a:rPr lang="en-US" dirty="0"/>
+              <a:t> YAML/config </a:t>
+            </a:r>
+            <a:r>
+              <a:rPr lang="en-US" dirty="0" err="1"/>
+              <a:t>dosyalarından</a:t>
+            </a:r>
+            <a:r>
+              <a:rPr lang="en-US" dirty="0"/>
+              <a:t> “</a:t>
+            </a:r>
+            <a:r>
+              <a:rPr lang="en-US" dirty="0" err="1"/>
+              <a:t>kim</a:t>
+            </a:r>
+            <a:r>
+              <a:rPr lang="en-US" dirty="0"/>
+              <a:t> hangi </a:t>
+            </a:r>
+            <a:r>
+              <a:rPr lang="en-US" dirty="0" err="1"/>
+              <a:t>topic’lere</a:t>
+            </a:r>
+            <a:r>
+              <a:rPr lang="en-US" dirty="0"/>
+              <a:t> </a:t>
+            </a:r>
+            <a:r>
+              <a:rPr lang="en-US" dirty="0" err="1"/>
+              <a:t>üretir</a:t>
+            </a:r>
+            <a:r>
+              <a:rPr lang="en-US" dirty="0"/>
+              <a:t>/</a:t>
+            </a:r>
+            <a:r>
+              <a:rPr lang="en-US" dirty="0" err="1"/>
+              <a:t>tüketir</a:t>
+            </a:r>
+            <a:r>
+              <a:rPr lang="en-US" dirty="0"/>
+              <a:t>?” </a:t>
+            </a:r>
+            <a:r>
+              <a:rPr lang="en-US" dirty="0" err="1"/>
+              <a:t>bilgisini</a:t>
+            </a:r>
+            <a:r>
+              <a:rPr lang="en-US" dirty="0"/>
+              <a:t> </a:t>
+            </a:r>
+            <a:r>
+              <a:rPr lang="en-US" dirty="0" err="1"/>
+              <a:t>çıkarır</a:t>
+            </a:r>
+            <a:r>
+              <a:rPr lang="en-US" dirty="0"/>
+              <a:t>; </a:t>
+            </a:r>
+            <a:r>
+              <a:rPr lang="tr-TR" b="1" dirty="0"/>
+              <a:t>t</a:t>
+            </a:r>
+            <a:r>
+              <a:rPr lang="en-US" b="1" dirty="0" err="1"/>
+              <a:t>asarım</a:t>
+            </a:r>
+            <a:r>
+              <a:rPr lang="en-US" b="1" dirty="0"/>
+              <a:t> </a:t>
+            </a:r>
+            <a:r>
+              <a:rPr lang="en-US" b="1" dirty="0" err="1"/>
+              <a:t>niyetini</a:t>
+            </a:r>
+            <a:r>
+              <a:rPr lang="en-US" b="1" dirty="0"/>
+              <a:t> </a:t>
+            </a:r>
+            <a:r>
+              <a:rPr lang="en-US" b="1" dirty="0" err="1"/>
+              <a:t>görünür</a:t>
+            </a:r>
+            <a:r>
+              <a:rPr lang="en-US" b="1" dirty="0"/>
+              <a:t> </a:t>
+            </a:r>
+            <a:r>
+              <a:rPr lang="en-US" b="1" dirty="0" err="1"/>
+              <a:t>kılar</a:t>
+            </a:r>
+            <a:r>
+              <a:rPr lang="en-US" b="1" dirty="0"/>
+              <a:t>.</a:t>
+            </a:r>
+            <a:endParaRPr lang="tr-TR" b="1" dirty="0"/>
+          </a:p>
+          <a:p>
+            <a:endParaRPr lang="tr-TR" dirty="0"/>
+          </a:p>
+          <a:p>
+            <a:endParaRPr lang="tr-TR" dirty="0"/>
+          </a:p>
+        </p:txBody>
+      </p:sp>
+    </p:spTree>
+    <p:extLst>
+      <p:ext uri="{BB962C8B-B14F-4D97-AF65-F5344CB8AC3E}">
+        <p14:creationId xmlns:p14="http://schemas.microsoft.com/office/powerpoint/2010/main" val="2358897739"/>
       </p:ext>
     </p:extLst>
   </p:cSld>
@@ -4359,23 +8400,6 @@
 </file>
 
 <file path=customXml/item1.xml><?xml version="1.0" encoding="utf-8"?>
-<p:properties xmlns:p="http://schemas.microsoft.com/office/2006/metadata/properties" xmlns:xsi="http://www.w3.org/2001/XMLSchema-instance" xmlns:pc="http://schemas.microsoft.com/office/infopath/2007/PartnerControls">
-  <documentManagement>
-    <_activity xmlns="f048bf54-aa83-4439-b641-98df509ced0a" xsi:nil="true"/>
-  </documentManagement>
-</p:properties>
-</file>
-
-<file path=customXml/item2.xml><?xml version="1.0" encoding="utf-8"?>
-<?mso-contentType ?>
-<FormTemplates xmlns="http://schemas.microsoft.com/sharepoint/v3/contenttype/forms">
-  <Display>DocumentLibraryForm</Display>
-  <Edit>DocumentLibraryForm</Edit>
-  <New>DocumentLibraryForm</New>
-</FormTemplates>
-</file>
-
-<file path=customXml/item3.xml><?xml version="1.0" encoding="utf-8"?>
 <ct:contentTypeSchema xmlns:ct="http://schemas.microsoft.com/office/2006/metadata/contentType" xmlns:ma="http://schemas.microsoft.com/office/2006/metadata/properties/metaAttributes" ct:_="" ma:_="" ma:contentTypeName="Belge" ma:contentTypeID="0x0101005BE01AE1E5DBC243947741F177CBEA9E" ma:contentTypeVersion="6" ma:contentTypeDescription="Yeni belge oluşturun." ma:contentTypeScope="" ma:versionID="38f4fc015044c55c612cf29323aa2f33">
   <xsd:schema xmlns:xsd="http://www.w3.org/2001/XMLSchema" xmlns:xs="http://www.w3.org/2001/XMLSchema" xmlns:p="http://schemas.microsoft.com/office/2006/metadata/properties" xmlns:ns3="f048bf54-aa83-4439-b641-98df509ced0a" targetNamespace="http://schemas.microsoft.com/office/2006/metadata/properties" ma:root="true" ma:fieldsID="60a0bdd79bb6ee7b0b1ef52ee94f0c1f" ns3:_="">
     <xsd:import namespace="f048bf54-aa83-4439-b641-98df509ced0a"/>
@@ -4531,31 +8555,24 @@
 </ct:contentTypeSchema>
 </file>
 
-<file path=customXml/itemProps1.xml><?xml version="1.0" encoding="utf-8"?>
-<ds:datastoreItem xmlns:ds="http://schemas.openxmlformats.org/officeDocument/2006/customXml" ds:itemID="{0C9E674A-4883-4338-9B0C-081EEE383D92}">
-  <ds:schemaRefs>
-    <ds:schemaRef ds:uri="http://purl.org/dc/terms/"/>
-    <ds:schemaRef ds:uri="http://schemas.microsoft.com/office/2006/documentManagement/types"/>
-    <ds:schemaRef ds:uri="http://purl.org/dc/elements/1.1/"/>
-    <ds:schemaRef ds:uri="http://schemas.openxmlformats.org/package/2006/metadata/core-properties"/>
-    <ds:schemaRef ds:uri="http://www.w3.org/XML/1998/namespace"/>
-    <ds:schemaRef ds:uri="http://schemas.microsoft.com/office/infopath/2007/PartnerControls"/>
-    <ds:schemaRef ds:uri="http://purl.org/dc/dcmitype/"/>
-    <ds:schemaRef ds:uri="f048bf54-aa83-4439-b641-98df509ced0a"/>
-    <ds:schemaRef ds:uri="http://schemas.microsoft.com/office/2006/metadata/properties"/>
-  </ds:schemaRefs>
-</ds:datastoreItem>
+<file path=customXml/item2.xml><?xml version="1.0" encoding="utf-8"?>
+<?mso-contentType ?>
+<FormTemplates xmlns="http://schemas.microsoft.com/sharepoint/v3/contenttype/forms">
+  <Display>DocumentLibraryForm</Display>
+  <Edit>DocumentLibraryForm</Edit>
+  <New>DocumentLibraryForm</New>
+</FormTemplates>
 </file>
 
-<file path=customXml/itemProps2.xml><?xml version="1.0" encoding="utf-8"?>
-<ds:datastoreItem xmlns:ds="http://schemas.openxmlformats.org/officeDocument/2006/customXml" ds:itemID="{3A3AC79A-8B1C-4BE4-9709-1C5B10B3B3C0}">
-  <ds:schemaRefs>
-    <ds:schemaRef ds:uri="http://schemas.microsoft.com/sharepoint/v3/contenttype/forms"/>
-  </ds:schemaRefs>
-</ds:datastoreItem>
+<file path=customXml/item3.xml><?xml version="1.0" encoding="utf-8"?>
+<p:properties xmlns:p="http://schemas.microsoft.com/office/2006/metadata/properties" xmlns:xsi="http://www.w3.org/2001/XMLSchema-instance" xmlns:pc="http://schemas.microsoft.com/office/infopath/2007/PartnerControls">
+  <documentManagement>
+    <_activity xmlns="f048bf54-aa83-4439-b641-98df509ced0a" xsi:nil="true"/>
+  </documentManagement>
+</p:properties>
 </file>
 
-<file path=customXml/itemProps3.xml><?xml version="1.0" encoding="utf-8"?>
+<file path=customXml/itemProps1.xml><?xml version="1.0" encoding="utf-8"?>
 <ds:datastoreItem xmlns:ds="http://schemas.openxmlformats.org/officeDocument/2006/customXml" ds:itemID="{A948BF03-C974-4C7C-817E-45E868855FBF}">
   <ds:schemaRefs>
     <ds:schemaRef ds:uri="http://schemas.microsoft.com/office/2006/metadata/contentType"/>
@@ -4573,6 +8590,30 @@
 </ds:datastoreItem>
 </file>
 
+<file path=customXml/itemProps2.xml><?xml version="1.0" encoding="utf-8"?>
+<ds:datastoreItem xmlns:ds="http://schemas.openxmlformats.org/officeDocument/2006/customXml" ds:itemID="{3A3AC79A-8B1C-4BE4-9709-1C5B10B3B3C0}">
+  <ds:schemaRefs>
+    <ds:schemaRef ds:uri="http://schemas.microsoft.com/sharepoint/v3/contenttype/forms"/>
+  </ds:schemaRefs>
+</ds:datastoreItem>
+</file>
+
+<file path=customXml/itemProps3.xml><?xml version="1.0" encoding="utf-8"?>
+<ds:datastoreItem xmlns:ds="http://schemas.openxmlformats.org/officeDocument/2006/customXml" ds:itemID="{0C9E674A-4883-4338-9B0C-081EEE383D92}">
+  <ds:schemaRefs>
+    <ds:schemaRef ds:uri="http://purl.org/dc/terms/"/>
+    <ds:schemaRef ds:uri="http://schemas.microsoft.com/office/2006/documentManagement/types"/>
+    <ds:schemaRef ds:uri="http://purl.org/dc/elements/1.1/"/>
+    <ds:schemaRef ds:uri="http://schemas.openxmlformats.org/package/2006/metadata/core-properties"/>
+    <ds:schemaRef ds:uri="http://www.w3.org/XML/1998/namespace"/>
+    <ds:schemaRef ds:uri="http://schemas.microsoft.com/office/infopath/2007/PartnerControls"/>
+    <ds:schemaRef ds:uri="http://purl.org/dc/dcmitype/"/>
+    <ds:schemaRef ds:uri="f048bf54-aa83-4439-b641-98df509ced0a"/>
+    <ds:schemaRef ds:uri="http://schemas.microsoft.com/office/2006/metadata/properties"/>
+  </ds:schemaRefs>
+</ds:datastoreItem>
+</file>
+
 <file path=docMetadata/LabelInfo.xml><?xml version="1.0" encoding="utf-8"?>
 <clbl:labelList xmlns:clbl="http://schemas.microsoft.com/office/2020/mipLabelMetadata">
   <clbl:label id="{46415e10-7270-4148-bc02-4fac48fe7ef2}" enabled="0" method="" siteId="{46415e10-7270-4148-bc02-4fac48fe7ef2}" removed="1"/>

--- a/sunum/bugra sunum.pptx
+++ b/sunum/bugra sunum.pptx
@@ -5,10 +5,10 @@
     <p:sldMasterId id="2147483671" r:id="rId4"/>
   </p:sldMasterIdLst>
   <p:notesMasterIdLst>
-    <p:notesMasterId r:id="rId15"/>
+    <p:notesMasterId r:id="rId18"/>
   </p:notesMasterIdLst>
   <p:handoutMasterIdLst>
-    <p:handoutMasterId r:id="rId16"/>
+    <p:handoutMasterId r:id="rId19"/>
   </p:handoutMasterIdLst>
   <p:sldIdLst>
     <p:sldId id="581" r:id="rId5"/>
@@ -20,7 +20,10 @@
     <p:sldId id="587" r:id="rId11"/>
     <p:sldId id="589" r:id="rId12"/>
     <p:sldId id="590" r:id="rId13"/>
-    <p:sldId id="594" r:id="rId14"/>
+    <p:sldId id="596" r:id="rId14"/>
+    <p:sldId id="598" r:id="rId15"/>
+    <p:sldId id="594" r:id="rId16"/>
+    <p:sldId id="595" r:id="rId17"/>
   </p:sldIdLst>
   <p:sldSz cx="9144000" cy="6858000" type="screen4x3"/>
   <p:notesSz cx="6797675" cy="9928225"/>
@@ -276,7 +279,7 @@
               <a:pPr>
                 <a:defRPr/>
               </a:pPr>
-              <a:t>13.08.2025</a:t>
+              <a:t>14.08.2025</a:t>
             </a:fld>
             <a:endParaRPr lang="tr-TR" altLang="tr-TR"/>
           </a:p>
@@ -929,6 +932,459 @@
 </p:notes>
 </file>
 
+<file path=ppt/notesSlides/notesSlide10.xml><?xml version="1.0" encoding="utf-8"?>
+<p:notes xmlns:a="http://schemas.openxmlformats.org/drawingml/2006/main" xmlns:r="http://schemas.openxmlformats.org/officeDocument/2006/relationships" xmlns:p="http://schemas.openxmlformats.org/presentationml/2006/main">
+  <p:cSld>
+    <p:spTree>
+      <p:nvGrpSpPr>
+        <p:cNvPr id="1" name="">
+          <a:extLst>
+            <a:ext uri="{FF2B5EF4-FFF2-40B4-BE49-F238E27FC236}">
+              <a16:creationId xmlns:a16="http://schemas.microsoft.com/office/drawing/2014/main" id="{7E431213-1912-9CC5-EBFE-F237B95CF02E}"/>
+            </a:ext>
+          </a:extLst>
+        </p:cNvPr>
+        <p:cNvGrpSpPr/>
+        <p:nvPr/>
+      </p:nvGrpSpPr>
+      <p:grpSpPr>
+        <a:xfrm>
+          <a:off x="0" y="0"/>
+          <a:ext cx="0" cy="0"/>
+          <a:chOff x="0" y="0"/>
+          <a:chExt cx="0" cy="0"/>
+        </a:xfrm>
+      </p:grpSpPr>
+      <p:sp>
+        <p:nvSpPr>
+          <p:cNvPr id="2" name="Slide Image Placeholder 1">
+            <a:extLst>
+              <a:ext uri="{FF2B5EF4-FFF2-40B4-BE49-F238E27FC236}">
+                <a16:creationId xmlns:a16="http://schemas.microsoft.com/office/drawing/2014/main" id="{08540072-41B8-C2D4-F9B4-6BBB43535D21}"/>
+              </a:ext>
+            </a:extLst>
+          </p:cNvPr>
+          <p:cNvSpPr>
+            <a:spLocks noGrp="1" noRot="1" noChangeAspect="1"/>
+          </p:cNvSpPr>
+          <p:nvPr>
+            <p:ph type="sldImg"/>
+          </p:nvPr>
+        </p:nvSpPr>
+        <p:spPr/>
+      </p:sp>
+      <p:sp>
+        <p:nvSpPr>
+          <p:cNvPr id="3" name="Notes Placeholder 2">
+            <a:extLst>
+              <a:ext uri="{FF2B5EF4-FFF2-40B4-BE49-F238E27FC236}">
+                <a16:creationId xmlns:a16="http://schemas.microsoft.com/office/drawing/2014/main" id="{4E1BDC75-C62B-3C2F-9124-A6EF6BFC735B}"/>
+              </a:ext>
+            </a:extLst>
+          </p:cNvPr>
+          <p:cNvSpPr>
+            <a:spLocks noGrp="1"/>
+          </p:cNvSpPr>
+          <p:nvPr>
+            <p:ph type="body" idx="1"/>
+          </p:nvPr>
+        </p:nvSpPr>
+        <p:spPr/>
+        <p:txBody>
+          <a:bodyPr/>
+          <a:lstStyle/>
+          <a:p>
+            <a:r>
+              <a:rPr lang="en-US" sz="1200" b="0" i="0" kern="1200" dirty="0" err="1">
+                <a:solidFill>
+                  <a:schemeClr val="tx1"/>
+                </a:solidFill>
+                <a:effectLst/>
+                <a:latin typeface="Arial" charset="0"/>
+                <a:ea typeface="+mn-ea"/>
+                <a:cs typeface="+mn-cs"/>
+              </a:rPr>
+              <a:t>Sistem</a:t>
+            </a:r>
+            <a:r>
+              <a:rPr lang="en-US" sz="1200" b="0" i="0" kern="1200" dirty="0">
+                <a:solidFill>
+                  <a:schemeClr val="tx1"/>
+                </a:solidFill>
+                <a:effectLst/>
+                <a:latin typeface="Arial" charset="0"/>
+                <a:ea typeface="+mn-ea"/>
+                <a:cs typeface="+mn-cs"/>
+              </a:rPr>
+              <a:t>, </a:t>
+            </a:r>
+            <a:r>
+              <a:rPr lang="en-US" sz="1200" b="0" i="0" kern="1200" dirty="0" err="1">
+                <a:solidFill>
+                  <a:schemeClr val="tx1"/>
+                </a:solidFill>
+                <a:effectLst/>
+                <a:latin typeface="Arial" charset="0"/>
+                <a:ea typeface="+mn-ea"/>
+                <a:cs typeface="+mn-cs"/>
+              </a:rPr>
+              <a:t>mikroservislerdeki</a:t>
+            </a:r>
+            <a:r>
+              <a:rPr lang="en-US" sz="1200" b="0" i="0" kern="1200" dirty="0">
+                <a:solidFill>
+                  <a:schemeClr val="tx1"/>
+                </a:solidFill>
+                <a:effectLst/>
+                <a:latin typeface="Arial" charset="0"/>
+                <a:ea typeface="+mn-ea"/>
+                <a:cs typeface="+mn-cs"/>
+              </a:rPr>
+              <a:t> </a:t>
+            </a:r>
+            <a:r>
+              <a:rPr lang="en-US" sz="1200" b="1" i="0" kern="1200" dirty="0">
+                <a:solidFill>
+                  <a:schemeClr val="tx1"/>
+                </a:solidFill>
+                <a:effectLst/>
+                <a:latin typeface="Arial" charset="0"/>
+                <a:ea typeface="+mn-ea"/>
+                <a:cs typeface="+mn-cs"/>
+              </a:rPr>
+              <a:t>implicit </a:t>
+            </a:r>
+            <a:r>
+              <a:rPr lang="en-US" sz="1200" b="1" i="0" kern="1200" dirty="0" err="1">
+                <a:solidFill>
+                  <a:schemeClr val="tx1"/>
+                </a:solidFill>
+                <a:effectLst/>
+                <a:latin typeface="Arial" charset="0"/>
+                <a:ea typeface="+mn-ea"/>
+                <a:cs typeface="+mn-cs"/>
+              </a:rPr>
+              <a:t>dependencies</a:t>
+            </a:r>
+            <a:r>
+              <a:rPr lang="en-US" sz="1200" b="0" i="0" kern="1200" dirty="0" err="1">
+                <a:solidFill>
+                  <a:schemeClr val="tx1"/>
+                </a:solidFill>
+                <a:effectLst/>
+                <a:latin typeface="Arial" charset="0"/>
+                <a:ea typeface="+mn-ea"/>
+                <a:cs typeface="+mn-cs"/>
+              </a:rPr>
+              <a:t>'i</a:t>
+            </a:r>
+            <a:r>
+              <a:rPr lang="en-US" sz="1200" b="0" i="0" kern="1200" dirty="0">
+                <a:solidFill>
+                  <a:schemeClr val="tx1"/>
+                </a:solidFill>
+                <a:effectLst/>
+                <a:latin typeface="Arial" charset="0"/>
+                <a:ea typeface="+mn-ea"/>
+                <a:cs typeface="+mn-cs"/>
+              </a:rPr>
+              <a:t> explicit hale </a:t>
+            </a:r>
+            <a:r>
+              <a:rPr lang="en-US" sz="1200" b="0" i="0" kern="1200" dirty="0" err="1">
+                <a:solidFill>
+                  <a:schemeClr val="tx1"/>
+                </a:solidFill>
+                <a:effectLst/>
+                <a:latin typeface="Arial" charset="0"/>
+                <a:ea typeface="+mn-ea"/>
+                <a:cs typeface="+mn-cs"/>
+              </a:rPr>
+              <a:t>getirir</a:t>
+            </a:r>
+            <a:r>
+              <a:rPr lang="en-US" sz="1200" b="0" i="0" kern="1200" dirty="0">
+                <a:solidFill>
+                  <a:schemeClr val="tx1"/>
+                </a:solidFill>
+                <a:effectLst/>
+                <a:latin typeface="Arial" charset="0"/>
+                <a:ea typeface="+mn-ea"/>
+                <a:cs typeface="+mn-cs"/>
+              </a:rPr>
+              <a:t>:</a:t>
+            </a:r>
+            <a:endParaRPr lang="tr-TR" sz="1200" b="0" i="0" kern="1200" dirty="0">
+              <a:solidFill>
+                <a:schemeClr val="tx1"/>
+              </a:solidFill>
+              <a:effectLst/>
+              <a:latin typeface="Arial" charset="0"/>
+              <a:ea typeface="+mn-ea"/>
+              <a:cs typeface="+mn-cs"/>
+            </a:endParaRPr>
+          </a:p>
+          <a:p>
+            <a:r>
+              <a:rPr lang="en-US" dirty="0"/>
+              <a:t>Producer Service A → Topic: </a:t>
+            </a:r>
+            <a:r>
+              <a:rPr lang="en-US" dirty="0" err="1"/>
+              <a:t>payment.completed</a:t>
+            </a:r>
+            <a:r>
+              <a:rPr lang="en-US" dirty="0"/>
+              <a:t> → Consumer Service B</a:t>
+            </a:r>
+            <a:endParaRPr lang="tr-TR" dirty="0"/>
+          </a:p>
+          <a:p>
+            <a:r>
+              <a:rPr lang="en-US" sz="1200" b="0" i="0" kern="1200" dirty="0">
+                <a:solidFill>
+                  <a:schemeClr val="tx1"/>
+                </a:solidFill>
+                <a:effectLst/>
+                <a:latin typeface="Arial" charset="0"/>
+                <a:ea typeface="+mn-ea"/>
+                <a:cs typeface="+mn-cs"/>
+              </a:rPr>
+              <a:t>Bu </a:t>
+            </a:r>
+            <a:r>
+              <a:rPr lang="en-US" sz="1200" b="0" i="0" kern="1200" dirty="0" err="1">
+                <a:solidFill>
+                  <a:schemeClr val="tx1"/>
+                </a:solidFill>
+                <a:effectLst/>
+                <a:latin typeface="Arial" charset="0"/>
+                <a:ea typeface="+mn-ea"/>
+                <a:cs typeface="+mn-cs"/>
+              </a:rPr>
+              <a:t>ilişki</a:t>
+            </a:r>
+            <a:r>
+              <a:rPr lang="en-US" sz="1200" b="0" i="0" kern="1200" dirty="0">
+                <a:solidFill>
+                  <a:schemeClr val="tx1"/>
+                </a:solidFill>
+                <a:effectLst/>
+                <a:latin typeface="Arial" charset="0"/>
+                <a:ea typeface="+mn-ea"/>
+                <a:cs typeface="+mn-cs"/>
+              </a:rPr>
+              <a:t> </a:t>
+            </a:r>
+            <a:r>
+              <a:rPr lang="en-US" sz="1200" b="0" i="0" kern="1200" dirty="0" err="1">
+                <a:solidFill>
+                  <a:schemeClr val="tx1"/>
+                </a:solidFill>
+                <a:effectLst/>
+                <a:latin typeface="Arial" charset="0"/>
+                <a:ea typeface="+mn-ea"/>
+                <a:cs typeface="+mn-cs"/>
+              </a:rPr>
+              <a:t>sadece</a:t>
+            </a:r>
+            <a:r>
+              <a:rPr lang="en-US" sz="1200" b="0" i="0" kern="1200" dirty="0">
+                <a:solidFill>
+                  <a:schemeClr val="tx1"/>
+                </a:solidFill>
+                <a:effectLst/>
+                <a:latin typeface="Arial" charset="0"/>
+                <a:ea typeface="+mn-ea"/>
+                <a:cs typeface="+mn-cs"/>
+              </a:rPr>
+              <a:t> </a:t>
+            </a:r>
+            <a:r>
+              <a:rPr lang="en-US" sz="1200" b="0" i="0" kern="1200" dirty="0" err="1">
+                <a:solidFill>
+                  <a:schemeClr val="tx1"/>
+                </a:solidFill>
+                <a:effectLst/>
+                <a:latin typeface="Arial" charset="0"/>
+                <a:ea typeface="+mn-ea"/>
+                <a:cs typeface="+mn-cs"/>
+              </a:rPr>
+              <a:t>runtime'da</a:t>
+            </a:r>
+            <a:r>
+              <a:rPr lang="en-US" sz="1200" b="0" i="0" kern="1200" dirty="0">
+                <a:solidFill>
+                  <a:schemeClr val="tx1"/>
+                </a:solidFill>
+                <a:effectLst/>
+                <a:latin typeface="Arial" charset="0"/>
+                <a:ea typeface="+mn-ea"/>
+                <a:cs typeface="+mn-cs"/>
+              </a:rPr>
+              <a:t> belli </a:t>
+            </a:r>
+            <a:r>
+              <a:rPr lang="en-US" sz="1200" b="0" i="0" kern="1200" dirty="0" err="1">
+                <a:solidFill>
+                  <a:schemeClr val="tx1"/>
+                </a:solidFill>
+                <a:effectLst/>
+                <a:latin typeface="Arial" charset="0"/>
+                <a:ea typeface="+mn-ea"/>
+                <a:cs typeface="+mn-cs"/>
+              </a:rPr>
+              <a:t>olurken</a:t>
+            </a:r>
+            <a:r>
+              <a:rPr lang="en-US" sz="1200" b="0" i="0" kern="1200" dirty="0">
+                <a:solidFill>
+                  <a:schemeClr val="tx1"/>
+                </a:solidFill>
+                <a:effectLst/>
+                <a:latin typeface="Arial" charset="0"/>
+                <a:ea typeface="+mn-ea"/>
+                <a:cs typeface="+mn-cs"/>
+              </a:rPr>
+              <a:t>, </a:t>
+            </a:r>
+            <a:r>
+              <a:rPr lang="en-US" sz="1200" b="0" i="0" kern="1200" dirty="0" err="1">
+                <a:solidFill>
+                  <a:schemeClr val="tx1"/>
+                </a:solidFill>
+                <a:effectLst/>
+                <a:latin typeface="Arial" charset="0"/>
+                <a:ea typeface="+mn-ea"/>
+                <a:cs typeface="+mn-cs"/>
+              </a:rPr>
+              <a:t>sistemimiz</a:t>
+            </a:r>
+            <a:r>
+              <a:rPr lang="en-US" sz="1200" b="0" i="0" kern="1200" dirty="0">
+                <a:solidFill>
+                  <a:schemeClr val="tx1"/>
+                </a:solidFill>
+                <a:effectLst/>
+                <a:latin typeface="Arial" charset="0"/>
+                <a:ea typeface="+mn-ea"/>
+                <a:cs typeface="+mn-cs"/>
+              </a:rPr>
+              <a:t> static analysis </a:t>
+            </a:r>
+            <a:r>
+              <a:rPr lang="en-US" sz="1200" b="0" i="0" kern="1200" dirty="0" err="1">
+                <a:solidFill>
+                  <a:schemeClr val="tx1"/>
+                </a:solidFill>
+                <a:effectLst/>
+                <a:latin typeface="Arial" charset="0"/>
+                <a:ea typeface="+mn-ea"/>
+                <a:cs typeface="+mn-cs"/>
+              </a:rPr>
+              <a:t>ile</a:t>
+            </a:r>
+            <a:r>
+              <a:rPr lang="en-US" sz="1200" b="0" i="0" kern="1200" dirty="0">
+                <a:solidFill>
+                  <a:schemeClr val="tx1"/>
+                </a:solidFill>
+                <a:effectLst/>
+                <a:latin typeface="Arial" charset="0"/>
+                <a:ea typeface="+mn-ea"/>
+                <a:cs typeface="+mn-cs"/>
+              </a:rPr>
+              <a:t> </a:t>
+            </a:r>
+            <a:r>
+              <a:rPr lang="en-US" sz="1200" b="0" i="0" kern="1200" dirty="0" err="1">
+                <a:solidFill>
+                  <a:schemeClr val="tx1"/>
+                </a:solidFill>
+                <a:effectLst/>
+                <a:latin typeface="Arial" charset="0"/>
+                <a:ea typeface="+mn-ea"/>
+                <a:cs typeface="+mn-cs"/>
+              </a:rPr>
+              <a:t>önceden</a:t>
+            </a:r>
+            <a:r>
+              <a:rPr lang="en-US" sz="1200" b="0" i="0" kern="1200" dirty="0">
+                <a:solidFill>
+                  <a:schemeClr val="tx1"/>
+                </a:solidFill>
+                <a:effectLst/>
+                <a:latin typeface="Arial" charset="0"/>
+                <a:ea typeface="+mn-ea"/>
+                <a:cs typeface="+mn-cs"/>
+              </a:rPr>
+              <a:t> </a:t>
+            </a:r>
+            <a:r>
+              <a:rPr lang="en-US" sz="1200" b="0" i="0" kern="1200" dirty="0" err="1">
+                <a:solidFill>
+                  <a:schemeClr val="tx1"/>
+                </a:solidFill>
+                <a:effectLst/>
+                <a:latin typeface="Arial" charset="0"/>
+                <a:ea typeface="+mn-ea"/>
+                <a:cs typeface="+mn-cs"/>
+              </a:rPr>
+              <a:t>tespit</a:t>
+            </a:r>
+            <a:r>
+              <a:rPr lang="en-US" sz="1200" b="0" i="0" kern="1200" dirty="0">
+                <a:solidFill>
+                  <a:schemeClr val="tx1"/>
+                </a:solidFill>
+                <a:effectLst/>
+                <a:latin typeface="Arial" charset="0"/>
+                <a:ea typeface="+mn-ea"/>
+                <a:cs typeface="+mn-cs"/>
+              </a:rPr>
+              <a:t> </a:t>
+            </a:r>
+            <a:r>
+              <a:rPr lang="en-US" sz="1200" b="0" i="0" kern="1200" dirty="0" err="1">
+                <a:solidFill>
+                  <a:schemeClr val="tx1"/>
+                </a:solidFill>
+                <a:effectLst/>
+                <a:latin typeface="Arial" charset="0"/>
+                <a:ea typeface="+mn-ea"/>
+                <a:cs typeface="+mn-cs"/>
+              </a:rPr>
+              <a:t>eder</a:t>
+            </a:r>
+            <a:r>
+              <a:rPr lang="en-US" sz="1200" b="0" i="0" kern="1200" dirty="0">
+                <a:solidFill>
+                  <a:schemeClr val="tx1"/>
+                </a:solidFill>
+                <a:effectLst/>
+                <a:latin typeface="Arial" charset="0"/>
+                <a:ea typeface="+mn-ea"/>
+                <a:cs typeface="+mn-cs"/>
+              </a:rPr>
+              <a:t>.</a:t>
+            </a:r>
+            <a:endParaRPr lang="en-US" dirty="0"/>
+          </a:p>
+        </p:txBody>
+      </p:sp>
+    </p:spTree>
+    <p:extLst>
+      <p:ext uri="{BB962C8B-B14F-4D97-AF65-F5344CB8AC3E}">
+        <p14:creationId xmlns:p14="http://schemas.microsoft.com/office/powerpoint/2010/main" val="3965844539"/>
+      </p:ext>
+    </p:extLst>
+  </p:cSld>
+  <p:clrMapOvr>
+    <a:masterClrMapping/>
+  </p:clrMapOvr>
+</p:notes>
+</file>
+
 <file path=ppt/notesSlides/notesSlide2.xml><?xml version="1.0" encoding="utf-8"?>
 <p:notes xmlns:a="http://schemas.openxmlformats.org/drawingml/2006/main" xmlns:r="http://schemas.openxmlformats.org/officeDocument/2006/relationships" xmlns:p="http://schemas.openxmlformats.org/presentationml/2006/main">
   <p:cSld>
@@ -2947,6 +3403,912 @@
 </file>
 
 <file path=ppt/notesSlides/notesSlide7.xml><?xml version="1.0" encoding="utf-8"?>
+<p:notes xmlns:a="http://schemas.openxmlformats.org/drawingml/2006/main" xmlns:r="http://schemas.openxmlformats.org/officeDocument/2006/relationships" xmlns:p="http://schemas.openxmlformats.org/presentationml/2006/main">
+  <p:cSld>
+    <p:spTree>
+      <p:nvGrpSpPr>
+        <p:cNvPr id="1" name="">
+          <a:extLst>
+            <a:ext uri="{FF2B5EF4-FFF2-40B4-BE49-F238E27FC236}">
+              <a16:creationId xmlns:a16="http://schemas.microsoft.com/office/drawing/2014/main" id="{DFE89914-A2CB-E6C2-2D35-4DA6B089D2B3}"/>
+            </a:ext>
+          </a:extLst>
+        </p:cNvPr>
+        <p:cNvGrpSpPr/>
+        <p:nvPr/>
+      </p:nvGrpSpPr>
+      <p:grpSpPr>
+        <a:xfrm>
+          <a:off x="0" y="0"/>
+          <a:ext cx="0" cy="0"/>
+          <a:chOff x="0" y="0"/>
+          <a:chExt cx="0" cy="0"/>
+        </a:xfrm>
+      </p:grpSpPr>
+      <p:sp>
+        <p:nvSpPr>
+          <p:cNvPr id="2" name="Slide Image Placeholder 1">
+            <a:extLst>
+              <a:ext uri="{FF2B5EF4-FFF2-40B4-BE49-F238E27FC236}">
+                <a16:creationId xmlns:a16="http://schemas.microsoft.com/office/drawing/2014/main" id="{06221EEE-1358-4B78-67F4-AA514E9B8CF7}"/>
+              </a:ext>
+            </a:extLst>
+          </p:cNvPr>
+          <p:cNvSpPr>
+            <a:spLocks noGrp="1" noRot="1" noChangeAspect="1"/>
+          </p:cNvSpPr>
+          <p:nvPr>
+            <p:ph type="sldImg"/>
+          </p:nvPr>
+        </p:nvSpPr>
+        <p:spPr/>
+      </p:sp>
+      <p:sp>
+        <p:nvSpPr>
+          <p:cNvPr id="3" name="Notes Placeholder 2">
+            <a:extLst>
+              <a:ext uri="{FF2B5EF4-FFF2-40B4-BE49-F238E27FC236}">
+                <a16:creationId xmlns:a16="http://schemas.microsoft.com/office/drawing/2014/main" id="{B20813CF-614A-E69E-3EE1-3E81E03AAC68}"/>
+              </a:ext>
+            </a:extLst>
+          </p:cNvPr>
+          <p:cNvSpPr>
+            <a:spLocks noGrp="1"/>
+          </p:cNvSpPr>
+          <p:nvPr>
+            <p:ph type="body" idx="1"/>
+          </p:nvPr>
+        </p:nvSpPr>
+        <p:spPr/>
+        <p:txBody>
+          <a:bodyPr/>
+          <a:lstStyle/>
+          <a:p>
+            <a:r>
+              <a:rPr lang="en-US" sz="1200" b="0" i="0" kern="1200" dirty="0" err="1">
+                <a:solidFill>
+                  <a:schemeClr val="tx1"/>
+                </a:solidFill>
+                <a:effectLst/>
+                <a:latin typeface="Arial" charset="0"/>
+                <a:ea typeface="+mn-ea"/>
+                <a:cs typeface="+mn-cs"/>
+              </a:rPr>
+              <a:t>Sistem</a:t>
+            </a:r>
+            <a:r>
+              <a:rPr lang="en-US" sz="1200" b="0" i="0" kern="1200" dirty="0">
+                <a:solidFill>
+                  <a:schemeClr val="tx1"/>
+                </a:solidFill>
+                <a:effectLst/>
+                <a:latin typeface="Arial" charset="0"/>
+                <a:ea typeface="+mn-ea"/>
+                <a:cs typeface="+mn-cs"/>
+              </a:rPr>
+              <a:t>, </a:t>
+            </a:r>
+            <a:r>
+              <a:rPr lang="en-US" sz="1200" b="0" i="0" kern="1200" dirty="0" err="1">
+                <a:solidFill>
+                  <a:schemeClr val="tx1"/>
+                </a:solidFill>
+                <a:effectLst/>
+                <a:latin typeface="Arial" charset="0"/>
+                <a:ea typeface="+mn-ea"/>
+                <a:cs typeface="+mn-cs"/>
+              </a:rPr>
+              <a:t>mikroservislerdeki</a:t>
+            </a:r>
+            <a:r>
+              <a:rPr lang="en-US" sz="1200" b="0" i="0" kern="1200" dirty="0">
+                <a:solidFill>
+                  <a:schemeClr val="tx1"/>
+                </a:solidFill>
+                <a:effectLst/>
+                <a:latin typeface="Arial" charset="0"/>
+                <a:ea typeface="+mn-ea"/>
+                <a:cs typeface="+mn-cs"/>
+              </a:rPr>
+              <a:t> </a:t>
+            </a:r>
+            <a:r>
+              <a:rPr lang="en-US" sz="1200" b="1" i="0" kern="1200" dirty="0">
+                <a:solidFill>
+                  <a:schemeClr val="tx1"/>
+                </a:solidFill>
+                <a:effectLst/>
+                <a:latin typeface="Arial" charset="0"/>
+                <a:ea typeface="+mn-ea"/>
+                <a:cs typeface="+mn-cs"/>
+              </a:rPr>
+              <a:t>implicit </a:t>
+            </a:r>
+            <a:r>
+              <a:rPr lang="en-US" sz="1200" b="1" i="0" kern="1200" dirty="0" err="1">
+                <a:solidFill>
+                  <a:schemeClr val="tx1"/>
+                </a:solidFill>
+                <a:effectLst/>
+                <a:latin typeface="Arial" charset="0"/>
+                <a:ea typeface="+mn-ea"/>
+                <a:cs typeface="+mn-cs"/>
+              </a:rPr>
+              <a:t>dependencies</a:t>
+            </a:r>
+            <a:r>
+              <a:rPr lang="en-US" sz="1200" b="0" i="0" kern="1200" dirty="0" err="1">
+                <a:solidFill>
+                  <a:schemeClr val="tx1"/>
+                </a:solidFill>
+                <a:effectLst/>
+                <a:latin typeface="Arial" charset="0"/>
+                <a:ea typeface="+mn-ea"/>
+                <a:cs typeface="+mn-cs"/>
+              </a:rPr>
+              <a:t>'i</a:t>
+            </a:r>
+            <a:r>
+              <a:rPr lang="en-US" sz="1200" b="0" i="0" kern="1200" dirty="0">
+                <a:solidFill>
+                  <a:schemeClr val="tx1"/>
+                </a:solidFill>
+                <a:effectLst/>
+                <a:latin typeface="Arial" charset="0"/>
+                <a:ea typeface="+mn-ea"/>
+                <a:cs typeface="+mn-cs"/>
+              </a:rPr>
+              <a:t> explicit hale </a:t>
+            </a:r>
+            <a:r>
+              <a:rPr lang="en-US" sz="1200" b="0" i="0" kern="1200" dirty="0" err="1">
+                <a:solidFill>
+                  <a:schemeClr val="tx1"/>
+                </a:solidFill>
+                <a:effectLst/>
+                <a:latin typeface="Arial" charset="0"/>
+                <a:ea typeface="+mn-ea"/>
+                <a:cs typeface="+mn-cs"/>
+              </a:rPr>
+              <a:t>getirir</a:t>
+            </a:r>
+            <a:r>
+              <a:rPr lang="en-US" sz="1200" b="0" i="0" kern="1200" dirty="0">
+                <a:solidFill>
+                  <a:schemeClr val="tx1"/>
+                </a:solidFill>
+                <a:effectLst/>
+                <a:latin typeface="Arial" charset="0"/>
+                <a:ea typeface="+mn-ea"/>
+                <a:cs typeface="+mn-cs"/>
+              </a:rPr>
+              <a:t>:</a:t>
+            </a:r>
+            <a:endParaRPr lang="tr-TR" sz="1200" b="0" i="0" kern="1200" dirty="0">
+              <a:solidFill>
+                <a:schemeClr val="tx1"/>
+              </a:solidFill>
+              <a:effectLst/>
+              <a:latin typeface="Arial" charset="0"/>
+              <a:ea typeface="+mn-ea"/>
+              <a:cs typeface="+mn-cs"/>
+            </a:endParaRPr>
+          </a:p>
+          <a:p>
+            <a:r>
+              <a:rPr lang="en-US" dirty="0"/>
+              <a:t>Producer Service A → Topic: </a:t>
+            </a:r>
+            <a:r>
+              <a:rPr lang="en-US" dirty="0" err="1"/>
+              <a:t>payment.completed</a:t>
+            </a:r>
+            <a:r>
+              <a:rPr lang="en-US" dirty="0"/>
+              <a:t> → Consumer Service B</a:t>
+            </a:r>
+            <a:endParaRPr lang="tr-TR" dirty="0"/>
+          </a:p>
+          <a:p>
+            <a:r>
+              <a:rPr lang="en-US" sz="1200" b="0" i="0" kern="1200" dirty="0">
+                <a:solidFill>
+                  <a:schemeClr val="tx1"/>
+                </a:solidFill>
+                <a:effectLst/>
+                <a:latin typeface="Arial" charset="0"/>
+                <a:ea typeface="+mn-ea"/>
+                <a:cs typeface="+mn-cs"/>
+              </a:rPr>
+              <a:t>Bu </a:t>
+            </a:r>
+            <a:r>
+              <a:rPr lang="en-US" sz="1200" b="0" i="0" kern="1200" dirty="0" err="1">
+                <a:solidFill>
+                  <a:schemeClr val="tx1"/>
+                </a:solidFill>
+                <a:effectLst/>
+                <a:latin typeface="Arial" charset="0"/>
+                <a:ea typeface="+mn-ea"/>
+                <a:cs typeface="+mn-cs"/>
+              </a:rPr>
+              <a:t>ilişki</a:t>
+            </a:r>
+            <a:r>
+              <a:rPr lang="en-US" sz="1200" b="0" i="0" kern="1200" dirty="0">
+                <a:solidFill>
+                  <a:schemeClr val="tx1"/>
+                </a:solidFill>
+                <a:effectLst/>
+                <a:latin typeface="Arial" charset="0"/>
+                <a:ea typeface="+mn-ea"/>
+                <a:cs typeface="+mn-cs"/>
+              </a:rPr>
+              <a:t> </a:t>
+            </a:r>
+            <a:r>
+              <a:rPr lang="en-US" sz="1200" b="0" i="0" kern="1200" dirty="0" err="1">
+                <a:solidFill>
+                  <a:schemeClr val="tx1"/>
+                </a:solidFill>
+                <a:effectLst/>
+                <a:latin typeface="Arial" charset="0"/>
+                <a:ea typeface="+mn-ea"/>
+                <a:cs typeface="+mn-cs"/>
+              </a:rPr>
+              <a:t>sadece</a:t>
+            </a:r>
+            <a:r>
+              <a:rPr lang="en-US" sz="1200" b="0" i="0" kern="1200" dirty="0">
+                <a:solidFill>
+                  <a:schemeClr val="tx1"/>
+                </a:solidFill>
+                <a:effectLst/>
+                <a:latin typeface="Arial" charset="0"/>
+                <a:ea typeface="+mn-ea"/>
+                <a:cs typeface="+mn-cs"/>
+              </a:rPr>
+              <a:t> </a:t>
+            </a:r>
+            <a:r>
+              <a:rPr lang="en-US" sz="1200" b="0" i="0" kern="1200" dirty="0" err="1">
+                <a:solidFill>
+                  <a:schemeClr val="tx1"/>
+                </a:solidFill>
+                <a:effectLst/>
+                <a:latin typeface="Arial" charset="0"/>
+                <a:ea typeface="+mn-ea"/>
+                <a:cs typeface="+mn-cs"/>
+              </a:rPr>
+              <a:t>runtime'da</a:t>
+            </a:r>
+            <a:r>
+              <a:rPr lang="en-US" sz="1200" b="0" i="0" kern="1200" dirty="0">
+                <a:solidFill>
+                  <a:schemeClr val="tx1"/>
+                </a:solidFill>
+                <a:effectLst/>
+                <a:latin typeface="Arial" charset="0"/>
+                <a:ea typeface="+mn-ea"/>
+                <a:cs typeface="+mn-cs"/>
+              </a:rPr>
+              <a:t> belli </a:t>
+            </a:r>
+            <a:r>
+              <a:rPr lang="en-US" sz="1200" b="0" i="0" kern="1200" dirty="0" err="1">
+                <a:solidFill>
+                  <a:schemeClr val="tx1"/>
+                </a:solidFill>
+                <a:effectLst/>
+                <a:latin typeface="Arial" charset="0"/>
+                <a:ea typeface="+mn-ea"/>
+                <a:cs typeface="+mn-cs"/>
+              </a:rPr>
+              <a:t>olurken</a:t>
+            </a:r>
+            <a:r>
+              <a:rPr lang="en-US" sz="1200" b="0" i="0" kern="1200" dirty="0">
+                <a:solidFill>
+                  <a:schemeClr val="tx1"/>
+                </a:solidFill>
+                <a:effectLst/>
+                <a:latin typeface="Arial" charset="0"/>
+                <a:ea typeface="+mn-ea"/>
+                <a:cs typeface="+mn-cs"/>
+              </a:rPr>
+              <a:t>, </a:t>
+            </a:r>
+            <a:r>
+              <a:rPr lang="en-US" sz="1200" b="0" i="0" kern="1200" dirty="0" err="1">
+                <a:solidFill>
+                  <a:schemeClr val="tx1"/>
+                </a:solidFill>
+                <a:effectLst/>
+                <a:latin typeface="Arial" charset="0"/>
+                <a:ea typeface="+mn-ea"/>
+                <a:cs typeface="+mn-cs"/>
+              </a:rPr>
+              <a:t>sistemimiz</a:t>
+            </a:r>
+            <a:r>
+              <a:rPr lang="en-US" sz="1200" b="0" i="0" kern="1200" dirty="0">
+                <a:solidFill>
+                  <a:schemeClr val="tx1"/>
+                </a:solidFill>
+                <a:effectLst/>
+                <a:latin typeface="Arial" charset="0"/>
+                <a:ea typeface="+mn-ea"/>
+                <a:cs typeface="+mn-cs"/>
+              </a:rPr>
+              <a:t> static analysis </a:t>
+            </a:r>
+            <a:r>
+              <a:rPr lang="en-US" sz="1200" b="0" i="0" kern="1200" dirty="0" err="1">
+                <a:solidFill>
+                  <a:schemeClr val="tx1"/>
+                </a:solidFill>
+                <a:effectLst/>
+                <a:latin typeface="Arial" charset="0"/>
+                <a:ea typeface="+mn-ea"/>
+                <a:cs typeface="+mn-cs"/>
+              </a:rPr>
+              <a:t>ile</a:t>
+            </a:r>
+            <a:r>
+              <a:rPr lang="en-US" sz="1200" b="0" i="0" kern="1200" dirty="0">
+                <a:solidFill>
+                  <a:schemeClr val="tx1"/>
+                </a:solidFill>
+                <a:effectLst/>
+                <a:latin typeface="Arial" charset="0"/>
+                <a:ea typeface="+mn-ea"/>
+                <a:cs typeface="+mn-cs"/>
+              </a:rPr>
+              <a:t> </a:t>
+            </a:r>
+            <a:r>
+              <a:rPr lang="en-US" sz="1200" b="0" i="0" kern="1200" dirty="0" err="1">
+                <a:solidFill>
+                  <a:schemeClr val="tx1"/>
+                </a:solidFill>
+                <a:effectLst/>
+                <a:latin typeface="Arial" charset="0"/>
+                <a:ea typeface="+mn-ea"/>
+                <a:cs typeface="+mn-cs"/>
+              </a:rPr>
+              <a:t>önceden</a:t>
+            </a:r>
+            <a:r>
+              <a:rPr lang="en-US" sz="1200" b="0" i="0" kern="1200" dirty="0">
+                <a:solidFill>
+                  <a:schemeClr val="tx1"/>
+                </a:solidFill>
+                <a:effectLst/>
+                <a:latin typeface="Arial" charset="0"/>
+                <a:ea typeface="+mn-ea"/>
+                <a:cs typeface="+mn-cs"/>
+              </a:rPr>
+              <a:t> </a:t>
+            </a:r>
+            <a:r>
+              <a:rPr lang="en-US" sz="1200" b="0" i="0" kern="1200" dirty="0" err="1">
+                <a:solidFill>
+                  <a:schemeClr val="tx1"/>
+                </a:solidFill>
+                <a:effectLst/>
+                <a:latin typeface="Arial" charset="0"/>
+                <a:ea typeface="+mn-ea"/>
+                <a:cs typeface="+mn-cs"/>
+              </a:rPr>
+              <a:t>tespit</a:t>
+            </a:r>
+            <a:r>
+              <a:rPr lang="en-US" sz="1200" b="0" i="0" kern="1200" dirty="0">
+                <a:solidFill>
+                  <a:schemeClr val="tx1"/>
+                </a:solidFill>
+                <a:effectLst/>
+                <a:latin typeface="Arial" charset="0"/>
+                <a:ea typeface="+mn-ea"/>
+                <a:cs typeface="+mn-cs"/>
+              </a:rPr>
+              <a:t> </a:t>
+            </a:r>
+            <a:r>
+              <a:rPr lang="en-US" sz="1200" b="0" i="0" kern="1200" dirty="0" err="1">
+                <a:solidFill>
+                  <a:schemeClr val="tx1"/>
+                </a:solidFill>
+                <a:effectLst/>
+                <a:latin typeface="Arial" charset="0"/>
+                <a:ea typeface="+mn-ea"/>
+                <a:cs typeface="+mn-cs"/>
+              </a:rPr>
+              <a:t>eder</a:t>
+            </a:r>
+            <a:r>
+              <a:rPr lang="en-US" sz="1200" b="0" i="0" kern="1200" dirty="0">
+                <a:solidFill>
+                  <a:schemeClr val="tx1"/>
+                </a:solidFill>
+                <a:effectLst/>
+                <a:latin typeface="Arial" charset="0"/>
+                <a:ea typeface="+mn-ea"/>
+                <a:cs typeface="+mn-cs"/>
+              </a:rPr>
+              <a:t>.</a:t>
+            </a:r>
+            <a:endParaRPr lang="en-US" dirty="0"/>
+          </a:p>
+        </p:txBody>
+      </p:sp>
+    </p:spTree>
+    <p:extLst>
+      <p:ext uri="{BB962C8B-B14F-4D97-AF65-F5344CB8AC3E}">
+        <p14:creationId xmlns:p14="http://schemas.microsoft.com/office/powerpoint/2010/main" val="4026505593"/>
+      </p:ext>
+    </p:extLst>
+  </p:cSld>
+  <p:clrMapOvr>
+    <a:masterClrMapping/>
+  </p:clrMapOvr>
+</p:notes>
+</file>
+
+<file path=ppt/notesSlides/notesSlide8.xml><?xml version="1.0" encoding="utf-8"?>
+<p:notes xmlns:a="http://schemas.openxmlformats.org/drawingml/2006/main" xmlns:r="http://schemas.openxmlformats.org/officeDocument/2006/relationships" xmlns:p="http://schemas.openxmlformats.org/presentationml/2006/main">
+  <p:cSld>
+    <p:spTree>
+      <p:nvGrpSpPr>
+        <p:cNvPr id="1" name="">
+          <a:extLst>
+            <a:ext uri="{FF2B5EF4-FFF2-40B4-BE49-F238E27FC236}">
+              <a16:creationId xmlns:a16="http://schemas.microsoft.com/office/drawing/2014/main" id="{B7CA4C2E-62F3-5C9E-F1B5-6F8CA30EB22A}"/>
+            </a:ext>
+          </a:extLst>
+        </p:cNvPr>
+        <p:cNvGrpSpPr/>
+        <p:nvPr/>
+      </p:nvGrpSpPr>
+      <p:grpSpPr>
+        <a:xfrm>
+          <a:off x="0" y="0"/>
+          <a:ext cx="0" cy="0"/>
+          <a:chOff x="0" y="0"/>
+          <a:chExt cx="0" cy="0"/>
+        </a:xfrm>
+      </p:grpSpPr>
+      <p:sp>
+        <p:nvSpPr>
+          <p:cNvPr id="2" name="Slide Image Placeholder 1">
+            <a:extLst>
+              <a:ext uri="{FF2B5EF4-FFF2-40B4-BE49-F238E27FC236}">
+                <a16:creationId xmlns:a16="http://schemas.microsoft.com/office/drawing/2014/main" id="{6798F910-3320-2AE3-90DB-6C295CCA5710}"/>
+              </a:ext>
+            </a:extLst>
+          </p:cNvPr>
+          <p:cNvSpPr>
+            <a:spLocks noGrp="1" noRot="1" noChangeAspect="1"/>
+          </p:cNvSpPr>
+          <p:nvPr>
+            <p:ph type="sldImg"/>
+          </p:nvPr>
+        </p:nvSpPr>
+        <p:spPr/>
+      </p:sp>
+      <p:sp>
+        <p:nvSpPr>
+          <p:cNvPr id="3" name="Notes Placeholder 2">
+            <a:extLst>
+              <a:ext uri="{FF2B5EF4-FFF2-40B4-BE49-F238E27FC236}">
+                <a16:creationId xmlns:a16="http://schemas.microsoft.com/office/drawing/2014/main" id="{0D044FB1-E12B-2CE8-6F7E-2D6457185986}"/>
+              </a:ext>
+            </a:extLst>
+          </p:cNvPr>
+          <p:cNvSpPr>
+            <a:spLocks noGrp="1"/>
+          </p:cNvSpPr>
+          <p:nvPr>
+            <p:ph type="body" idx="1"/>
+          </p:nvPr>
+        </p:nvSpPr>
+        <p:spPr/>
+        <p:txBody>
+          <a:bodyPr/>
+          <a:lstStyle/>
+          <a:p>
+            <a:r>
+              <a:rPr lang="en-US" sz="1200" b="0" i="0" kern="1200" dirty="0" err="1">
+                <a:solidFill>
+                  <a:schemeClr val="tx1"/>
+                </a:solidFill>
+                <a:effectLst/>
+                <a:latin typeface="Arial" charset="0"/>
+                <a:ea typeface="+mn-ea"/>
+                <a:cs typeface="+mn-cs"/>
+              </a:rPr>
+              <a:t>Sistem</a:t>
+            </a:r>
+            <a:r>
+              <a:rPr lang="en-US" sz="1200" b="0" i="0" kern="1200" dirty="0">
+                <a:solidFill>
+                  <a:schemeClr val="tx1"/>
+                </a:solidFill>
+                <a:effectLst/>
+                <a:latin typeface="Arial" charset="0"/>
+                <a:ea typeface="+mn-ea"/>
+                <a:cs typeface="+mn-cs"/>
+              </a:rPr>
+              <a:t>, </a:t>
+            </a:r>
+            <a:r>
+              <a:rPr lang="en-US" sz="1200" b="0" i="0" kern="1200" dirty="0" err="1">
+                <a:solidFill>
+                  <a:schemeClr val="tx1"/>
+                </a:solidFill>
+                <a:effectLst/>
+                <a:latin typeface="Arial" charset="0"/>
+                <a:ea typeface="+mn-ea"/>
+                <a:cs typeface="+mn-cs"/>
+              </a:rPr>
+              <a:t>mikroservislerdeki</a:t>
+            </a:r>
+            <a:r>
+              <a:rPr lang="en-US" sz="1200" b="0" i="0" kern="1200" dirty="0">
+                <a:solidFill>
+                  <a:schemeClr val="tx1"/>
+                </a:solidFill>
+                <a:effectLst/>
+                <a:latin typeface="Arial" charset="0"/>
+                <a:ea typeface="+mn-ea"/>
+                <a:cs typeface="+mn-cs"/>
+              </a:rPr>
+              <a:t> </a:t>
+            </a:r>
+            <a:r>
+              <a:rPr lang="en-US" sz="1200" b="1" i="0" kern="1200" dirty="0">
+                <a:solidFill>
+                  <a:schemeClr val="tx1"/>
+                </a:solidFill>
+                <a:effectLst/>
+                <a:latin typeface="Arial" charset="0"/>
+                <a:ea typeface="+mn-ea"/>
+                <a:cs typeface="+mn-cs"/>
+              </a:rPr>
+              <a:t>implicit </a:t>
+            </a:r>
+            <a:r>
+              <a:rPr lang="en-US" sz="1200" b="1" i="0" kern="1200" dirty="0" err="1">
+                <a:solidFill>
+                  <a:schemeClr val="tx1"/>
+                </a:solidFill>
+                <a:effectLst/>
+                <a:latin typeface="Arial" charset="0"/>
+                <a:ea typeface="+mn-ea"/>
+                <a:cs typeface="+mn-cs"/>
+              </a:rPr>
+              <a:t>dependencies</a:t>
+            </a:r>
+            <a:r>
+              <a:rPr lang="en-US" sz="1200" b="0" i="0" kern="1200" dirty="0" err="1">
+                <a:solidFill>
+                  <a:schemeClr val="tx1"/>
+                </a:solidFill>
+                <a:effectLst/>
+                <a:latin typeface="Arial" charset="0"/>
+                <a:ea typeface="+mn-ea"/>
+                <a:cs typeface="+mn-cs"/>
+              </a:rPr>
+              <a:t>'i</a:t>
+            </a:r>
+            <a:r>
+              <a:rPr lang="en-US" sz="1200" b="0" i="0" kern="1200" dirty="0">
+                <a:solidFill>
+                  <a:schemeClr val="tx1"/>
+                </a:solidFill>
+                <a:effectLst/>
+                <a:latin typeface="Arial" charset="0"/>
+                <a:ea typeface="+mn-ea"/>
+                <a:cs typeface="+mn-cs"/>
+              </a:rPr>
+              <a:t> explicit hale </a:t>
+            </a:r>
+            <a:r>
+              <a:rPr lang="en-US" sz="1200" b="0" i="0" kern="1200" dirty="0" err="1">
+                <a:solidFill>
+                  <a:schemeClr val="tx1"/>
+                </a:solidFill>
+                <a:effectLst/>
+                <a:latin typeface="Arial" charset="0"/>
+                <a:ea typeface="+mn-ea"/>
+                <a:cs typeface="+mn-cs"/>
+              </a:rPr>
+              <a:t>getirir</a:t>
+            </a:r>
+            <a:r>
+              <a:rPr lang="en-US" sz="1200" b="0" i="0" kern="1200" dirty="0">
+                <a:solidFill>
+                  <a:schemeClr val="tx1"/>
+                </a:solidFill>
+                <a:effectLst/>
+                <a:latin typeface="Arial" charset="0"/>
+                <a:ea typeface="+mn-ea"/>
+                <a:cs typeface="+mn-cs"/>
+              </a:rPr>
+              <a:t>:</a:t>
+            </a:r>
+            <a:endParaRPr lang="tr-TR" sz="1200" b="0" i="0" kern="1200" dirty="0">
+              <a:solidFill>
+                <a:schemeClr val="tx1"/>
+              </a:solidFill>
+              <a:effectLst/>
+              <a:latin typeface="Arial" charset="0"/>
+              <a:ea typeface="+mn-ea"/>
+              <a:cs typeface="+mn-cs"/>
+            </a:endParaRPr>
+          </a:p>
+          <a:p>
+            <a:r>
+              <a:rPr lang="en-US" dirty="0"/>
+              <a:t>Producer Service A → Topic: </a:t>
+            </a:r>
+            <a:r>
+              <a:rPr lang="en-US" dirty="0" err="1"/>
+              <a:t>payment.completed</a:t>
+            </a:r>
+            <a:r>
+              <a:rPr lang="en-US" dirty="0"/>
+              <a:t> → Consumer Service B</a:t>
+            </a:r>
+            <a:endParaRPr lang="tr-TR" dirty="0"/>
+          </a:p>
+          <a:p>
+            <a:r>
+              <a:rPr lang="en-US" sz="1200" b="0" i="0" kern="1200" dirty="0">
+                <a:solidFill>
+                  <a:schemeClr val="tx1"/>
+                </a:solidFill>
+                <a:effectLst/>
+                <a:latin typeface="Arial" charset="0"/>
+                <a:ea typeface="+mn-ea"/>
+                <a:cs typeface="+mn-cs"/>
+              </a:rPr>
+              <a:t>Bu </a:t>
+            </a:r>
+            <a:r>
+              <a:rPr lang="en-US" sz="1200" b="0" i="0" kern="1200" dirty="0" err="1">
+                <a:solidFill>
+                  <a:schemeClr val="tx1"/>
+                </a:solidFill>
+                <a:effectLst/>
+                <a:latin typeface="Arial" charset="0"/>
+                <a:ea typeface="+mn-ea"/>
+                <a:cs typeface="+mn-cs"/>
+              </a:rPr>
+              <a:t>ilişki</a:t>
+            </a:r>
+            <a:r>
+              <a:rPr lang="en-US" sz="1200" b="0" i="0" kern="1200" dirty="0">
+                <a:solidFill>
+                  <a:schemeClr val="tx1"/>
+                </a:solidFill>
+                <a:effectLst/>
+                <a:latin typeface="Arial" charset="0"/>
+                <a:ea typeface="+mn-ea"/>
+                <a:cs typeface="+mn-cs"/>
+              </a:rPr>
+              <a:t> </a:t>
+            </a:r>
+            <a:r>
+              <a:rPr lang="en-US" sz="1200" b="0" i="0" kern="1200" dirty="0" err="1">
+                <a:solidFill>
+                  <a:schemeClr val="tx1"/>
+                </a:solidFill>
+                <a:effectLst/>
+                <a:latin typeface="Arial" charset="0"/>
+                <a:ea typeface="+mn-ea"/>
+                <a:cs typeface="+mn-cs"/>
+              </a:rPr>
+              <a:t>sadece</a:t>
+            </a:r>
+            <a:r>
+              <a:rPr lang="en-US" sz="1200" b="0" i="0" kern="1200" dirty="0">
+                <a:solidFill>
+                  <a:schemeClr val="tx1"/>
+                </a:solidFill>
+                <a:effectLst/>
+                <a:latin typeface="Arial" charset="0"/>
+                <a:ea typeface="+mn-ea"/>
+                <a:cs typeface="+mn-cs"/>
+              </a:rPr>
+              <a:t> </a:t>
+            </a:r>
+            <a:r>
+              <a:rPr lang="en-US" sz="1200" b="0" i="0" kern="1200" dirty="0" err="1">
+                <a:solidFill>
+                  <a:schemeClr val="tx1"/>
+                </a:solidFill>
+                <a:effectLst/>
+                <a:latin typeface="Arial" charset="0"/>
+                <a:ea typeface="+mn-ea"/>
+                <a:cs typeface="+mn-cs"/>
+              </a:rPr>
+              <a:t>runtime'da</a:t>
+            </a:r>
+            <a:r>
+              <a:rPr lang="en-US" sz="1200" b="0" i="0" kern="1200" dirty="0">
+                <a:solidFill>
+                  <a:schemeClr val="tx1"/>
+                </a:solidFill>
+                <a:effectLst/>
+                <a:latin typeface="Arial" charset="0"/>
+                <a:ea typeface="+mn-ea"/>
+                <a:cs typeface="+mn-cs"/>
+              </a:rPr>
+              <a:t> belli </a:t>
+            </a:r>
+            <a:r>
+              <a:rPr lang="en-US" sz="1200" b="0" i="0" kern="1200" dirty="0" err="1">
+                <a:solidFill>
+                  <a:schemeClr val="tx1"/>
+                </a:solidFill>
+                <a:effectLst/>
+                <a:latin typeface="Arial" charset="0"/>
+                <a:ea typeface="+mn-ea"/>
+                <a:cs typeface="+mn-cs"/>
+              </a:rPr>
+              <a:t>olurken</a:t>
+            </a:r>
+            <a:r>
+              <a:rPr lang="en-US" sz="1200" b="0" i="0" kern="1200" dirty="0">
+                <a:solidFill>
+                  <a:schemeClr val="tx1"/>
+                </a:solidFill>
+                <a:effectLst/>
+                <a:latin typeface="Arial" charset="0"/>
+                <a:ea typeface="+mn-ea"/>
+                <a:cs typeface="+mn-cs"/>
+              </a:rPr>
+              <a:t>, </a:t>
+            </a:r>
+            <a:r>
+              <a:rPr lang="en-US" sz="1200" b="0" i="0" kern="1200" dirty="0" err="1">
+                <a:solidFill>
+                  <a:schemeClr val="tx1"/>
+                </a:solidFill>
+                <a:effectLst/>
+                <a:latin typeface="Arial" charset="0"/>
+                <a:ea typeface="+mn-ea"/>
+                <a:cs typeface="+mn-cs"/>
+              </a:rPr>
+              <a:t>sistemimiz</a:t>
+            </a:r>
+            <a:r>
+              <a:rPr lang="en-US" sz="1200" b="0" i="0" kern="1200" dirty="0">
+                <a:solidFill>
+                  <a:schemeClr val="tx1"/>
+                </a:solidFill>
+                <a:effectLst/>
+                <a:latin typeface="Arial" charset="0"/>
+                <a:ea typeface="+mn-ea"/>
+                <a:cs typeface="+mn-cs"/>
+              </a:rPr>
+              <a:t> static analysis </a:t>
+            </a:r>
+            <a:r>
+              <a:rPr lang="en-US" sz="1200" b="0" i="0" kern="1200" dirty="0" err="1">
+                <a:solidFill>
+                  <a:schemeClr val="tx1"/>
+                </a:solidFill>
+                <a:effectLst/>
+                <a:latin typeface="Arial" charset="0"/>
+                <a:ea typeface="+mn-ea"/>
+                <a:cs typeface="+mn-cs"/>
+              </a:rPr>
+              <a:t>ile</a:t>
+            </a:r>
+            <a:r>
+              <a:rPr lang="en-US" sz="1200" b="0" i="0" kern="1200" dirty="0">
+                <a:solidFill>
+                  <a:schemeClr val="tx1"/>
+                </a:solidFill>
+                <a:effectLst/>
+                <a:latin typeface="Arial" charset="0"/>
+                <a:ea typeface="+mn-ea"/>
+                <a:cs typeface="+mn-cs"/>
+              </a:rPr>
+              <a:t> </a:t>
+            </a:r>
+            <a:r>
+              <a:rPr lang="en-US" sz="1200" b="0" i="0" kern="1200" dirty="0" err="1">
+                <a:solidFill>
+                  <a:schemeClr val="tx1"/>
+                </a:solidFill>
+                <a:effectLst/>
+                <a:latin typeface="Arial" charset="0"/>
+                <a:ea typeface="+mn-ea"/>
+                <a:cs typeface="+mn-cs"/>
+              </a:rPr>
+              <a:t>önceden</a:t>
+            </a:r>
+            <a:r>
+              <a:rPr lang="en-US" sz="1200" b="0" i="0" kern="1200" dirty="0">
+                <a:solidFill>
+                  <a:schemeClr val="tx1"/>
+                </a:solidFill>
+                <a:effectLst/>
+                <a:latin typeface="Arial" charset="0"/>
+                <a:ea typeface="+mn-ea"/>
+                <a:cs typeface="+mn-cs"/>
+              </a:rPr>
+              <a:t> </a:t>
+            </a:r>
+            <a:r>
+              <a:rPr lang="en-US" sz="1200" b="0" i="0" kern="1200" dirty="0" err="1">
+                <a:solidFill>
+                  <a:schemeClr val="tx1"/>
+                </a:solidFill>
+                <a:effectLst/>
+                <a:latin typeface="Arial" charset="0"/>
+                <a:ea typeface="+mn-ea"/>
+                <a:cs typeface="+mn-cs"/>
+              </a:rPr>
+              <a:t>tespit</a:t>
+            </a:r>
+            <a:r>
+              <a:rPr lang="en-US" sz="1200" b="0" i="0" kern="1200" dirty="0">
+                <a:solidFill>
+                  <a:schemeClr val="tx1"/>
+                </a:solidFill>
+                <a:effectLst/>
+                <a:latin typeface="Arial" charset="0"/>
+                <a:ea typeface="+mn-ea"/>
+                <a:cs typeface="+mn-cs"/>
+              </a:rPr>
+              <a:t> </a:t>
+            </a:r>
+            <a:r>
+              <a:rPr lang="en-US" sz="1200" b="0" i="0" kern="1200" dirty="0" err="1">
+                <a:solidFill>
+                  <a:schemeClr val="tx1"/>
+                </a:solidFill>
+                <a:effectLst/>
+                <a:latin typeface="Arial" charset="0"/>
+                <a:ea typeface="+mn-ea"/>
+                <a:cs typeface="+mn-cs"/>
+              </a:rPr>
+              <a:t>eder</a:t>
+            </a:r>
+            <a:r>
+              <a:rPr lang="en-US" sz="1200" b="0" i="0" kern="1200" dirty="0">
+                <a:solidFill>
+                  <a:schemeClr val="tx1"/>
+                </a:solidFill>
+                <a:effectLst/>
+                <a:latin typeface="Arial" charset="0"/>
+                <a:ea typeface="+mn-ea"/>
+                <a:cs typeface="+mn-cs"/>
+              </a:rPr>
+              <a:t>.</a:t>
+            </a:r>
+            <a:endParaRPr lang="en-US" dirty="0"/>
+          </a:p>
+        </p:txBody>
+      </p:sp>
+    </p:spTree>
+    <p:extLst>
+      <p:ext uri="{BB962C8B-B14F-4D97-AF65-F5344CB8AC3E}">
+        <p14:creationId xmlns:p14="http://schemas.microsoft.com/office/powerpoint/2010/main" val="2811328859"/>
+      </p:ext>
+    </p:extLst>
+  </p:cSld>
+  <p:clrMapOvr>
+    <a:masterClrMapping/>
+  </p:clrMapOvr>
+</p:notes>
+</file>
+
+<file path=ppt/notesSlides/notesSlide9.xml><?xml version="1.0" encoding="utf-8"?>
 <p:notes xmlns:a="http://schemas.openxmlformats.org/drawingml/2006/main" xmlns:r="http://schemas.openxmlformats.org/officeDocument/2006/relationships" xmlns:p="http://schemas.openxmlformats.org/presentationml/2006/main">
   <p:cSld>
     <p:spTree>
@@ -4956,7 +6318,7 @@
                 <a:ea typeface="Trebuchet MS" panose="020B0603020202020204" pitchFamily="34" charset="0"/>
                 <a:cs typeface="Trebuchet MS" panose="020B0603020202020204" pitchFamily="34" charset="0"/>
               </a:rPr>
-              <a:t>Ağustos 2025</a:t>
+              <a:t>Temmuz-Ağustos 2025</a:t>
             </a:r>
           </a:p>
         </p:txBody>
@@ -5017,6 +6379,880 @@
 </file>
 
 <file path=ppt/slides/slide10.xml><?xml version="1.0" encoding="utf-8"?>
+<p:sld xmlns:a="http://schemas.openxmlformats.org/drawingml/2006/main" xmlns:r="http://schemas.openxmlformats.org/officeDocument/2006/relationships" xmlns:p="http://schemas.openxmlformats.org/presentationml/2006/main">
+  <p:cSld>
+    <p:spTree>
+      <p:nvGrpSpPr>
+        <p:cNvPr id="1" name="">
+          <a:extLst>
+            <a:ext uri="{FF2B5EF4-FFF2-40B4-BE49-F238E27FC236}">
+              <a16:creationId xmlns:a16="http://schemas.microsoft.com/office/drawing/2014/main" id="{74F8B4D0-A2DB-19AA-71A4-00C3FDCEC3F5}"/>
+            </a:ext>
+          </a:extLst>
+        </p:cNvPr>
+        <p:cNvGrpSpPr/>
+        <p:nvPr/>
+      </p:nvGrpSpPr>
+      <p:grpSpPr>
+        <a:xfrm>
+          <a:off x="0" y="0"/>
+          <a:ext cx="0" cy="0"/>
+          <a:chOff x="0" y="0"/>
+          <a:chExt cx="0" cy="0"/>
+        </a:xfrm>
+      </p:grpSpPr>
+      <p:sp>
+        <p:nvSpPr>
+          <p:cNvPr id="2" name="TextBox 1">
+            <a:extLst>
+              <a:ext uri="{FF2B5EF4-FFF2-40B4-BE49-F238E27FC236}">
+                <a16:creationId xmlns:a16="http://schemas.microsoft.com/office/drawing/2014/main" id="{B8E24143-A764-2CD3-8EDA-F616C20B201D}"/>
+              </a:ext>
+            </a:extLst>
+          </p:cNvPr>
+          <p:cNvSpPr txBox="1"/>
+          <p:nvPr/>
+        </p:nvSpPr>
+        <p:spPr>
+          <a:xfrm>
+            <a:off x="296107" y="510988"/>
+            <a:ext cx="4613571" cy="369332"/>
+          </a:xfrm>
+          <a:prstGeom prst="rect">
+            <a:avLst/>
+          </a:prstGeom>
+          <a:noFill/>
+        </p:spPr>
+        <p:txBody>
+          <a:bodyPr wrap="none" rtlCol="0">
+            <a:spAutoFit/>
+          </a:bodyPr>
+          <a:lstStyle/>
+          <a:p>
+            <a:r>
+              <a:rPr lang="tr-TR" dirty="0">
+                <a:solidFill>
+                  <a:schemeClr val="bg1"/>
+                </a:solidFill>
+              </a:rPr>
+              <a:t>Sistemin Tasarımı ve Kullanılan Teknolojiler</a:t>
+            </a:r>
+            <a:endParaRPr lang="en-US" dirty="0">
+              <a:solidFill>
+                <a:schemeClr val="bg1"/>
+              </a:solidFill>
+            </a:endParaRPr>
+          </a:p>
+        </p:txBody>
+      </p:sp>
+      <p:sp>
+        <p:nvSpPr>
+          <p:cNvPr id="5" name="TextBox 4">
+            <a:extLst>
+              <a:ext uri="{FF2B5EF4-FFF2-40B4-BE49-F238E27FC236}">
+                <a16:creationId xmlns:a16="http://schemas.microsoft.com/office/drawing/2014/main" id="{0BC4516A-E08A-7A8E-428C-96918A851C4C}"/>
+              </a:ext>
+            </a:extLst>
+          </p:cNvPr>
+          <p:cNvSpPr txBox="1"/>
+          <p:nvPr/>
+        </p:nvSpPr>
+        <p:spPr>
+          <a:xfrm>
+            <a:off x="311862" y="1078397"/>
+            <a:ext cx="8355106" cy="496996"/>
+          </a:xfrm>
+          <a:prstGeom prst="rect">
+            <a:avLst/>
+          </a:prstGeom>
+          <a:noFill/>
+        </p:spPr>
+        <p:txBody>
+          <a:bodyPr wrap="square">
+            <a:spAutoFit/>
+          </a:bodyPr>
+          <a:lstStyle/>
+          <a:p>
+            <a:pPr>
+              <a:lnSpc>
+                <a:spcPct val="150000"/>
+              </a:lnSpc>
+            </a:pPr>
+            <a:r>
+              <a:rPr lang="tr-TR" sz="2000" b="1" dirty="0">
+                <a:solidFill>
+                  <a:srgbClr val="C00000"/>
+                </a:solidFill>
+              </a:rPr>
+              <a:t>Fonksiyonel Gereksinimler (Functional Requirements)</a:t>
+            </a:r>
+          </a:p>
+        </p:txBody>
+      </p:sp>
+      <p:sp>
+        <p:nvSpPr>
+          <p:cNvPr id="6" name="TextBox 5">
+            <a:extLst>
+              <a:ext uri="{FF2B5EF4-FFF2-40B4-BE49-F238E27FC236}">
+                <a16:creationId xmlns:a16="http://schemas.microsoft.com/office/drawing/2014/main" id="{E34209D5-F43E-EBEF-C1DA-EBE12D2C9B60}"/>
+              </a:ext>
+            </a:extLst>
+          </p:cNvPr>
+          <p:cNvSpPr txBox="1"/>
+          <p:nvPr/>
+        </p:nvSpPr>
+        <p:spPr>
+          <a:xfrm>
+            <a:off x="311862" y="1930489"/>
+            <a:ext cx="7622718" cy="3416320"/>
+          </a:xfrm>
+          <a:prstGeom prst="rect">
+            <a:avLst/>
+          </a:prstGeom>
+          <a:noFill/>
+        </p:spPr>
+        <p:txBody>
+          <a:bodyPr wrap="square" rtlCol="0">
+            <a:spAutoFit/>
+          </a:bodyPr>
+          <a:lstStyle/>
+          <a:p>
+            <a:pPr marL="342900" indent="-342900">
+              <a:buFont typeface="Arial" panose="020B0604020202020204" pitchFamily="34" charset="0"/>
+              <a:buChar char="•"/>
+            </a:pPr>
+            <a:r>
+              <a:rPr lang="en-US" dirty="0" err="1"/>
+              <a:t>Sistem</a:t>
+            </a:r>
+            <a:r>
+              <a:rPr lang="en-US" dirty="0"/>
+              <a:t>, </a:t>
+            </a:r>
+            <a:r>
+              <a:rPr lang="en-US" dirty="0" err="1"/>
+              <a:t>kullanıcının</a:t>
+            </a:r>
+            <a:r>
+              <a:rPr lang="en-US" dirty="0"/>
+              <a:t> </a:t>
+            </a:r>
+            <a:r>
+              <a:rPr lang="en-US" dirty="0" err="1"/>
+              <a:t>belirttiği</a:t>
+            </a:r>
+            <a:r>
+              <a:rPr lang="en-US" dirty="0"/>
+              <a:t> </a:t>
+            </a:r>
+            <a:r>
+              <a:rPr lang="en-US" dirty="0" err="1"/>
+              <a:t>dizin</a:t>
+            </a:r>
+            <a:r>
+              <a:rPr lang="en-US" dirty="0"/>
+              <a:t> </a:t>
+            </a:r>
+            <a:r>
+              <a:rPr lang="en-US" dirty="0" err="1"/>
+              <a:t>yolundaki</a:t>
+            </a:r>
+            <a:r>
+              <a:rPr lang="tr-TR" dirty="0"/>
+              <a:t> YAML konfigürasyon dosyalarını (*.yml, *.yaml) recursive olarak keşfedebilmelidir.</a:t>
+            </a:r>
+          </a:p>
+          <a:p>
+            <a:pPr marL="342900" indent="-342900">
+              <a:buFont typeface="Arial" panose="020B0604020202020204" pitchFamily="34" charset="0"/>
+              <a:buChar char="•"/>
+            </a:pPr>
+            <a:r>
+              <a:rPr lang="en-US" dirty="0"/>
+              <a:t>Dosya </a:t>
+            </a:r>
+            <a:r>
+              <a:rPr lang="en-US" dirty="0" err="1"/>
+              <a:t>isimlerinden</a:t>
+            </a:r>
+            <a:r>
+              <a:rPr lang="en-US" dirty="0"/>
+              <a:t> </a:t>
+            </a:r>
+            <a:r>
+              <a:rPr lang="en-US" dirty="0" err="1"/>
+              <a:t>mikroservis</a:t>
+            </a:r>
+            <a:r>
+              <a:rPr lang="en-US" dirty="0"/>
+              <a:t> </a:t>
+            </a:r>
+            <a:r>
+              <a:rPr lang="en-US" dirty="0" err="1"/>
+              <a:t>isimlerini</a:t>
+            </a:r>
+            <a:r>
+              <a:rPr lang="en-US" dirty="0"/>
+              <a:t> </a:t>
+            </a:r>
+            <a:r>
+              <a:rPr lang="en-US" dirty="0" err="1"/>
+              <a:t>otomatik</a:t>
+            </a:r>
+            <a:r>
+              <a:rPr lang="en-US" dirty="0"/>
+              <a:t> </a:t>
+            </a:r>
+            <a:r>
+              <a:rPr lang="en-US" dirty="0" err="1"/>
+              <a:t>çıkarabilmelidir</a:t>
+            </a:r>
+            <a:r>
+              <a:rPr lang="en-US" dirty="0"/>
+              <a:t> (</a:t>
+            </a:r>
+            <a:r>
+              <a:rPr lang="tr-TR" dirty="0"/>
+              <a:t>example-service</a:t>
+            </a:r>
+            <a:r>
+              <a:rPr lang="en-US" dirty="0"/>
+              <a:t>.</a:t>
+            </a:r>
+            <a:r>
+              <a:rPr lang="en-US" dirty="0" err="1"/>
+              <a:t>yml</a:t>
+            </a:r>
+            <a:r>
+              <a:rPr lang="en-US" dirty="0"/>
+              <a:t> →</a:t>
+            </a:r>
+            <a:r>
+              <a:rPr lang="tr-TR" dirty="0"/>
+              <a:t> example</a:t>
+            </a:r>
+            <a:r>
+              <a:rPr lang="en-US" dirty="0"/>
+              <a:t>)</a:t>
+            </a:r>
+            <a:endParaRPr lang="tr-TR" dirty="0"/>
+          </a:p>
+          <a:p>
+            <a:pPr marL="342900" indent="-342900">
+              <a:buFont typeface="Arial" panose="020B0604020202020204" pitchFamily="34" charset="0"/>
+              <a:buChar char="•"/>
+            </a:pPr>
+            <a:r>
+              <a:rPr lang="tr-TR" dirty="0"/>
+              <a:t>Dokümantasyon dosyalarından producer topic’i ve onu hangi mikroservisin ürettiğini çıkarabilmelidir.</a:t>
+            </a:r>
+          </a:p>
+          <a:p>
+            <a:pPr marL="342900" indent="-342900">
+              <a:buFont typeface="Arial" panose="020B0604020202020204" pitchFamily="34" charset="0"/>
+              <a:buChar char="•"/>
+            </a:pPr>
+            <a:r>
+              <a:rPr lang="tr-TR" dirty="0"/>
+              <a:t>Consumer config dosyalarından subscribe edilen topicleri tespit edebilmelidir.</a:t>
+            </a:r>
+            <a:endParaRPr lang="en-US" dirty="0"/>
+          </a:p>
+          <a:p>
+            <a:pPr marL="342900" indent="-342900">
+              <a:buFont typeface="Arial" panose="020B0604020202020204" pitchFamily="34" charset="0"/>
+              <a:buChar char="•"/>
+            </a:pPr>
+            <a:r>
+              <a:rPr lang="tr-TR" dirty="0"/>
+              <a:t>Tespit edilen bu topiclerden microservisler arası dependency ilişkisini kurabilmelidir.</a:t>
+            </a:r>
+          </a:p>
+          <a:p>
+            <a:pPr marL="342900" indent="-342900">
+              <a:buFont typeface="Arial" panose="020B0604020202020204" pitchFamily="34" charset="0"/>
+              <a:buChar char="•"/>
+            </a:pPr>
+            <a:r>
+              <a:rPr lang="tr-TR" dirty="0"/>
+              <a:t>Elde edilen bu ilişki, görsel arayüzde kullanıcıya otomatik oluşturulacak olan bir grafik ile sunulmalıdır.</a:t>
+            </a:r>
+          </a:p>
+        </p:txBody>
+      </p:sp>
+    </p:spTree>
+    <p:extLst>
+      <p:ext uri="{BB962C8B-B14F-4D97-AF65-F5344CB8AC3E}">
+        <p14:creationId xmlns:p14="http://schemas.microsoft.com/office/powerpoint/2010/main" val="3949846457"/>
+      </p:ext>
+    </p:extLst>
+  </p:cSld>
+  <p:clrMapOvr>
+    <a:masterClrMapping/>
+  </p:clrMapOvr>
+  <p:transition advClick="0"/>
+</p:sld>
+</file>
+
+<file path=ppt/slides/slide11.xml><?xml version="1.0" encoding="utf-8"?>
+<p:sld xmlns:a="http://schemas.openxmlformats.org/drawingml/2006/main" xmlns:r="http://schemas.openxmlformats.org/officeDocument/2006/relationships" xmlns:p="http://schemas.openxmlformats.org/presentationml/2006/main">
+  <p:cSld>
+    <p:spTree>
+      <p:nvGrpSpPr>
+        <p:cNvPr id="1" name="">
+          <a:extLst>
+            <a:ext uri="{FF2B5EF4-FFF2-40B4-BE49-F238E27FC236}">
+              <a16:creationId xmlns:a16="http://schemas.microsoft.com/office/drawing/2014/main" id="{D6204946-69EB-EC21-DF1B-0AB9D084272B}"/>
+            </a:ext>
+          </a:extLst>
+        </p:cNvPr>
+        <p:cNvGrpSpPr/>
+        <p:nvPr/>
+      </p:nvGrpSpPr>
+      <p:grpSpPr>
+        <a:xfrm>
+          <a:off x="0" y="0"/>
+          <a:ext cx="0" cy="0"/>
+          <a:chOff x="0" y="0"/>
+          <a:chExt cx="0" cy="0"/>
+        </a:xfrm>
+      </p:grpSpPr>
+      <p:sp>
+        <p:nvSpPr>
+          <p:cNvPr id="2" name="TextBox 1">
+            <a:extLst>
+              <a:ext uri="{FF2B5EF4-FFF2-40B4-BE49-F238E27FC236}">
+                <a16:creationId xmlns:a16="http://schemas.microsoft.com/office/drawing/2014/main" id="{D22E16FB-14DA-9AB6-89A4-AE19CBF5044A}"/>
+              </a:ext>
+            </a:extLst>
+          </p:cNvPr>
+          <p:cNvSpPr txBox="1"/>
+          <p:nvPr/>
+        </p:nvSpPr>
+        <p:spPr>
+          <a:xfrm>
+            <a:off x="296107" y="510988"/>
+            <a:ext cx="4613571" cy="369332"/>
+          </a:xfrm>
+          <a:prstGeom prst="rect">
+            <a:avLst/>
+          </a:prstGeom>
+          <a:noFill/>
+        </p:spPr>
+        <p:txBody>
+          <a:bodyPr wrap="none" rtlCol="0">
+            <a:spAutoFit/>
+          </a:bodyPr>
+          <a:lstStyle/>
+          <a:p>
+            <a:r>
+              <a:rPr lang="tr-TR" dirty="0">
+                <a:solidFill>
+                  <a:schemeClr val="bg1"/>
+                </a:solidFill>
+              </a:rPr>
+              <a:t>Sistemin Tasarımı ve Kullanılan Teknolojiler</a:t>
+            </a:r>
+            <a:endParaRPr lang="en-US" dirty="0">
+              <a:solidFill>
+                <a:schemeClr val="bg1"/>
+              </a:solidFill>
+            </a:endParaRPr>
+          </a:p>
+        </p:txBody>
+      </p:sp>
+      <p:sp>
+        <p:nvSpPr>
+          <p:cNvPr id="5" name="TextBox 4">
+            <a:extLst>
+              <a:ext uri="{FF2B5EF4-FFF2-40B4-BE49-F238E27FC236}">
+                <a16:creationId xmlns:a16="http://schemas.microsoft.com/office/drawing/2014/main" id="{58C367A6-4FD7-EF6C-F9B4-34836BC15D7F}"/>
+              </a:ext>
+            </a:extLst>
+          </p:cNvPr>
+          <p:cNvSpPr txBox="1"/>
+          <p:nvPr/>
+        </p:nvSpPr>
+        <p:spPr>
+          <a:xfrm>
+            <a:off x="311862" y="1078397"/>
+            <a:ext cx="8355106" cy="496996"/>
+          </a:xfrm>
+          <a:prstGeom prst="rect">
+            <a:avLst/>
+          </a:prstGeom>
+          <a:noFill/>
+        </p:spPr>
+        <p:txBody>
+          <a:bodyPr wrap="square">
+            <a:spAutoFit/>
+          </a:bodyPr>
+          <a:lstStyle/>
+          <a:p>
+            <a:pPr>
+              <a:lnSpc>
+                <a:spcPct val="150000"/>
+              </a:lnSpc>
+            </a:pPr>
+            <a:r>
+              <a:rPr lang="tr-TR" sz="2000" b="1" dirty="0">
+                <a:solidFill>
+                  <a:srgbClr val="C00000"/>
+                </a:solidFill>
+              </a:rPr>
+              <a:t>İş Gereksinimleri (Business Requirements)</a:t>
+            </a:r>
+          </a:p>
+        </p:txBody>
+      </p:sp>
+      <p:sp>
+        <p:nvSpPr>
+          <p:cNvPr id="6" name="TextBox 5">
+            <a:extLst>
+              <a:ext uri="{FF2B5EF4-FFF2-40B4-BE49-F238E27FC236}">
+                <a16:creationId xmlns:a16="http://schemas.microsoft.com/office/drawing/2014/main" id="{093D9905-2804-70BC-12E3-CFD2E976B31B}"/>
+              </a:ext>
+            </a:extLst>
+          </p:cNvPr>
+          <p:cNvSpPr txBox="1"/>
+          <p:nvPr/>
+        </p:nvSpPr>
+        <p:spPr>
+          <a:xfrm>
+            <a:off x="311862" y="1985616"/>
+            <a:ext cx="7622718" cy="3693319"/>
+          </a:xfrm>
+          <a:prstGeom prst="rect">
+            <a:avLst/>
+          </a:prstGeom>
+          <a:noFill/>
+        </p:spPr>
+        <p:txBody>
+          <a:bodyPr wrap="square" rtlCol="0">
+            <a:spAutoFit/>
+          </a:bodyPr>
+          <a:lstStyle/>
+          <a:p>
+            <a:pPr marL="342900" indent="-342900">
+              <a:buFont typeface="Arial" panose="020B0604020202020204" pitchFamily="34" charset="0"/>
+              <a:buChar char="•"/>
+            </a:pPr>
+            <a:r>
+              <a:rPr lang="en-US" dirty="0" err="1"/>
+              <a:t>Ekipler</a:t>
+            </a:r>
+            <a:r>
+              <a:rPr lang="en-US" dirty="0"/>
+              <a:t> </a:t>
+            </a:r>
+            <a:r>
+              <a:rPr lang="en-US" dirty="0" err="1"/>
+              <a:t>mikroservisler</a:t>
+            </a:r>
+            <a:r>
+              <a:rPr lang="en-US" dirty="0"/>
+              <a:t> </a:t>
+            </a:r>
+            <a:r>
+              <a:rPr lang="en-US" dirty="0" err="1"/>
+              <a:t>arası</a:t>
+            </a:r>
+            <a:r>
+              <a:rPr lang="en-US" dirty="0"/>
+              <a:t> Kafka publish/subscribe </a:t>
+            </a:r>
+            <a:r>
+              <a:rPr lang="en-US" dirty="0" err="1"/>
+              <a:t>ilişkilerini</a:t>
+            </a:r>
+            <a:r>
+              <a:rPr lang="en-US" dirty="0"/>
+              <a:t> </a:t>
+            </a:r>
+            <a:r>
+              <a:rPr lang="en-US" dirty="0" err="1"/>
+              <a:t>tek</a:t>
+            </a:r>
+            <a:r>
+              <a:rPr lang="en-US" dirty="0"/>
+              <a:t> </a:t>
+            </a:r>
+            <a:r>
+              <a:rPr lang="en-US" dirty="0" err="1"/>
+              <a:t>bir</a:t>
+            </a:r>
+            <a:r>
+              <a:rPr lang="en-US" dirty="0"/>
+              <a:t> </a:t>
+            </a:r>
+            <a:r>
+              <a:rPr lang="en-US" dirty="0" err="1"/>
+              <a:t>merkezi</a:t>
+            </a:r>
+            <a:r>
+              <a:rPr lang="en-US" dirty="0"/>
+              <a:t> </a:t>
+            </a:r>
+            <a:r>
+              <a:rPr lang="en-US" dirty="0" err="1"/>
+              <a:t>görünümde</a:t>
+            </a:r>
+            <a:r>
+              <a:rPr lang="en-US" dirty="0"/>
+              <a:t> </a:t>
+            </a:r>
+            <a:r>
+              <a:rPr lang="en-US" dirty="0" err="1"/>
+              <a:t>hızlıca</a:t>
+            </a:r>
+            <a:r>
+              <a:rPr lang="en-US" dirty="0"/>
+              <a:t> </a:t>
+            </a:r>
+            <a:r>
+              <a:rPr lang="en-US" dirty="0" err="1"/>
+              <a:t>görebilmelidir</a:t>
+            </a:r>
+            <a:r>
+              <a:rPr lang="en-US" dirty="0"/>
+              <a:t> </a:t>
+            </a:r>
+            <a:r>
+              <a:rPr lang="en-US" b="1" dirty="0"/>
+              <a:t>(</a:t>
+            </a:r>
+            <a:r>
+              <a:rPr lang="en-US" b="1" dirty="0" err="1"/>
+              <a:t>mimari</a:t>
+            </a:r>
+            <a:r>
+              <a:rPr lang="en-US" b="1" dirty="0"/>
+              <a:t> </a:t>
+            </a:r>
+            <a:r>
+              <a:rPr lang="en-US" b="1" dirty="0" err="1"/>
+              <a:t>görünürlük</a:t>
+            </a:r>
+            <a:r>
+              <a:rPr lang="en-US" b="1" dirty="0"/>
+              <a:t>).</a:t>
+            </a:r>
+            <a:endParaRPr lang="tr-TR" b="1" dirty="0"/>
+          </a:p>
+          <a:p>
+            <a:pPr marL="342900" indent="-342900">
+              <a:buFont typeface="Arial" panose="020B0604020202020204" pitchFamily="34" charset="0"/>
+              <a:buChar char="•"/>
+            </a:pPr>
+            <a:endParaRPr lang="tr-TR" dirty="0"/>
+          </a:p>
+          <a:p>
+            <a:pPr marL="342900" indent="-342900">
+              <a:buFont typeface="Arial" panose="020B0604020202020204" pitchFamily="34" charset="0"/>
+              <a:buChar char="•"/>
+            </a:pPr>
+            <a:r>
+              <a:rPr lang="en-US" dirty="0" err="1"/>
+              <a:t>Değişiklik</a:t>
+            </a:r>
+            <a:r>
+              <a:rPr lang="en-US" dirty="0"/>
+              <a:t> / </a:t>
+            </a:r>
+            <a:r>
+              <a:rPr lang="en-US" dirty="0" err="1"/>
+              <a:t>etki</a:t>
+            </a:r>
+            <a:r>
+              <a:rPr lang="en-US" dirty="0"/>
+              <a:t> </a:t>
+            </a:r>
+            <a:r>
+              <a:rPr lang="en-US" dirty="0" err="1"/>
+              <a:t>analizi</a:t>
+            </a:r>
+            <a:r>
+              <a:rPr lang="en-US" dirty="0"/>
+              <a:t> (</a:t>
+            </a:r>
+            <a:r>
+              <a:rPr lang="en-US" dirty="0" err="1"/>
+              <a:t>ör</a:t>
+            </a:r>
+            <a:r>
+              <a:rPr lang="tr-TR" dirty="0"/>
+              <a:t>n</a:t>
+            </a:r>
+            <a:r>
+              <a:rPr lang="en-US" dirty="0"/>
+              <a:t>. </a:t>
+            </a:r>
+            <a:r>
+              <a:rPr lang="en-US" dirty="0" err="1"/>
+              <a:t>bir</a:t>
+            </a:r>
+            <a:r>
+              <a:rPr lang="en-US" dirty="0"/>
+              <a:t> topic </a:t>
+            </a:r>
+            <a:r>
+              <a:rPr lang="en-US" dirty="0" err="1"/>
+              <a:t>mesaj</a:t>
+            </a:r>
+            <a:r>
+              <a:rPr lang="en-US" dirty="0"/>
+              <a:t> </a:t>
+            </a:r>
+            <a:r>
+              <a:rPr lang="en-US" dirty="0" err="1"/>
+              <a:t>yapısı</a:t>
+            </a:r>
+            <a:r>
+              <a:rPr lang="en-US" dirty="0"/>
+              <a:t> </a:t>
+            </a:r>
+            <a:r>
+              <a:rPr lang="en-US" dirty="0" err="1"/>
+              <a:t>güncellenecek</a:t>
+            </a:r>
+            <a:r>
+              <a:rPr lang="en-US" dirty="0"/>
+              <a:t>) </a:t>
+            </a:r>
+            <a:r>
+              <a:rPr lang="en-US" dirty="0" err="1"/>
+              <a:t>dakikalar</a:t>
+            </a:r>
+            <a:r>
+              <a:rPr lang="en-US" dirty="0"/>
+              <a:t> </a:t>
+            </a:r>
+            <a:r>
+              <a:rPr lang="en-US" dirty="0" err="1"/>
+              <a:t>içinde</a:t>
+            </a:r>
+            <a:r>
+              <a:rPr lang="en-US" dirty="0"/>
+              <a:t> </a:t>
+            </a:r>
+            <a:r>
+              <a:rPr lang="en-US" dirty="0" err="1"/>
+              <a:t>yapılabilmelidir</a:t>
+            </a:r>
+            <a:r>
+              <a:rPr lang="en-US" dirty="0"/>
+              <a:t> (zaman </a:t>
+            </a:r>
+            <a:r>
+              <a:rPr lang="en-US" dirty="0" err="1"/>
+              <a:t>tasarrufu</a:t>
+            </a:r>
+            <a:r>
+              <a:rPr lang="en-US" dirty="0"/>
+              <a:t>).</a:t>
+            </a:r>
+            <a:r>
+              <a:rPr lang="tr-TR" dirty="0"/>
+              <a:t>Dokümantasyon dosyalarından producer topic’i ve onu hangi mikroservisin ürettiğini çıkarabilmelidir.</a:t>
+            </a:r>
+          </a:p>
+          <a:p>
+            <a:endParaRPr lang="tr-TR" dirty="0"/>
+          </a:p>
+          <a:p>
+            <a:pPr marL="342900" indent="-342900">
+              <a:buFont typeface="Arial" panose="020B0604020202020204" pitchFamily="34" charset="0"/>
+              <a:buChar char="•"/>
+            </a:pPr>
+            <a:r>
+              <a:rPr lang="en-US" dirty="0"/>
+              <a:t>Yeni </a:t>
+            </a:r>
+            <a:r>
+              <a:rPr lang="en-US" dirty="0" err="1"/>
+              <a:t>ekip</a:t>
+            </a:r>
+            <a:r>
+              <a:rPr lang="en-US" dirty="0"/>
+              <a:t> </a:t>
+            </a:r>
+            <a:r>
+              <a:rPr lang="en-US" dirty="0" err="1"/>
+              <a:t>üyelerinin</a:t>
+            </a:r>
+            <a:r>
+              <a:rPr lang="en-US" dirty="0"/>
+              <a:t> (onboarding) </a:t>
+            </a:r>
+            <a:r>
+              <a:rPr lang="en-US" dirty="0" err="1"/>
+              <a:t>mimariyi</a:t>
+            </a:r>
+            <a:r>
+              <a:rPr lang="en-US" dirty="0"/>
+              <a:t> </a:t>
+            </a:r>
+            <a:r>
+              <a:rPr lang="en-US" dirty="0" err="1"/>
+              <a:t>anlama</a:t>
+            </a:r>
+            <a:r>
+              <a:rPr lang="en-US" dirty="0"/>
+              <a:t> </a:t>
+            </a:r>
+            <a:r>
+              <a:rPr lang="en-US" dirty="0" err="1"/>
+              <a:t>süresi</a:t>
+            </a:r>
+            <a:r>
+              <a:rPr lang="en-US" dirty="0"/>
+              <a:t> </a:t>
+            </a:r>
+            <a:r>
+              <a:rPr lang="en-US" dirty="0" err="1"/>
+              <a:t>azaltılmalıdır</a:t>
+            </a:r>
+            <a:r>
+              <a:rPr lang="en-US" dirty="0"/>
+              <a:t> (</a:t>
+            </a:r>
+            <a:r>
+              <a:rPr lang="tr-TR" dirty="0"/>
+              <a:t>learning curve’ü düşürme</a:t>
+            </a:r>
+            <a:r>
+              <a:rPr lang="en-US" dirty="0"/>
+              <a:t>).</a:t>
+            </a:r>
+            <a:endParaRPr lang="tr-TR" dirty="0"/>
+          </a:p>
+          <a:p>
+            <a:pPr marL="342900" indent="-342900">
+              <a:buFont typeface="Arial" panose="020B0604020202020204" pitchFamily="34" charset="0"/>
+              <a:buChar char="•"/>
+            </a:pPr>
+            <a:endParaRPr lang="tr-TR" dirty="0"/>
+          </a:p>
+          <a:p>
+            <a:pPr marL="342900" indent="-342900">
+              <a:buFont typeface="Arial" panose="020B0604020202020204" pitchFamily="34" charset="0"/>
+              <a:buChar char="•"/>
+            </a:pPr>
+            <a:r>
+              <a:rPr lang="en-US" dirty="0" err="1"/>
+              <a:t>Standart</a:t>
+            </a:r>
+            <a:r>
+              <a:rPr lang="en-US" dirty="0"/>
+              <a:t> </a:t>
+            </a:r>
+            <a:r>
+              <a:rPr lang="en-US" dirty="0" err="1"/>
+              <a:t>bir</a:t>
+            </a:r>
+            <a:r>
+              <a:rPr lang="en-US" dirty="0"/>
+              <a:t> </a:t>
+            </a:r>
+            <a:r>
+              <a:rPr lang="en-US" dirty="0" err="1"/>
+              <a:t>isimlendirme</a:t>
+            </a:r>
+            <a:r>
+              <a:rPr lang="en-US" dirty="0"/>
+              <a:t> </a:t>
+            </a:r>
+            <a:r>
+              <a:rPr lang="en-US" dirty="0" err="1"/>
+              <a:t>ve</a:t>
+            </a:r>
+            <a:r>
+              <a:rPr lang="en-US" dirty="0"/>
+              <a:t> </a:t>
+            </a:r>
+            <a:r>
+              <a:rPr lang="en-US" dirty="0" err="1"/>
+              <a:t>ilişki</a:t>
+            </a:r>
+            <a:r>
+              <a:rPr lang="en-US" dirty="0"/>
+              <a:t> </a:t>
+            </a:r>
+            <a:r>
+              <a:rPr lang="en-US" dirty="0" err="1"/>
+              <a:t>gösterimi</a:t>
+            </a:r>
+            <a:r>
+              <a:rPr lang="en-US" dirty="0"/>
+              <a:t> </a:t>
+            </a:r>
+            <a:r>
+              <a:rPr lang="en-US" dirty="0" err="1"/>
+              <a:t>sağlayarak</a:t>
+            </a:r>
+            <a:r>
+              <a:rPr lang="en-US" dirty="0"/>
+              <a:t> </a:t>
+            </a:r>
+            <a:r>
+              <a:rPr lang="en-US" dirty="0" err="1"/>
+              <a:t>ekipler</a:t>
+            </a:r>
+            <a:r>
+              <a:rPr lang="en-US" dirty="0"/>
+              <a:t> </a:t>
+            </a:r>
+            <a:r>
+              <a:rPr lang="en-US" dirty="0" err="1"/>
+              <a:t>arası</a:t>
+            </a:r>
+            <a:r>
+              <a:rPr lang="en-US" dirty="0"/>
+              <a:t> </a:t>
+            </a:r>
+            <a:r>
+              <a:rPr lang="en-US" dirty="0" err="1"/>
+              <a:t>iletişim</a:t>
+            </a:r>
+            <a:r>
+              <a:rPr lang="en-US" dirty="0"/>
+              <a:t> </a:t>
+            </a:r>
+            <a:r>
+              <a:rPr lang="en-US" dirty="0" err="1"/>
+              <a:t>tutarlılığı</a:t>
+            </a:r>
+            <a:r>
+              <a:rPr lang="en-US" dirty="0"/>
+              <a:t> </a:t>
+            </a:r>
+            <a:r>
+              <a:rPr lang="en-US" dirty="0" err="1"/>
+              <a:t>artırılmalıdır</a:t>
+            </a:r>
+            <a:r>
+              <a:rPr lang="en-US" dirty="0"/>
+              <a:t>.</a:t>
+            </a:r>
+            <a:endParaRPr lang="tr-TR" dirty="0"/>
+          </a:p>
+        </p:txBody>
+      </p:sp>
+    </p:spTree>
+    <p:extLst>
+      <p:ext uri="{BB962C8B-B14F-4D97-AF65-F5344CB8AC3E}">
+        <p14:creationId xmlns:p14="http://schemas.microsoft.com/office/powerpoint/2010/main" val="297385444"/>
+      </p:ext>
+    </p:extLst>
+  </p:cSld>
+  <p:clrMapOvr>
+    <a:masterClrMapping/>
+  </p:clrMapOvr>
+  <p:transition advClick="0"/>
+</p:sld>
+</file>
+
+<file path=ppt/slides/slide12.xml><?xml version="1.0" encoding="utf-8"?>
 <p:sld xmlns:a="http://schemas.openxmlformats.org/drawingml/2006/main" xmlns:r="http://schemas.openxmlformats.org/officeDocument/2006/relationships" xmlns:p="http://schemas.openxmlformats.org/presentationml/2006/main">
   <p:cSld>
     <p:spTree>
@@ -5097,7 +7333,7 @@
         </p:nvSpPr>
         <p:spPr>
           <a:xfrm>
-            <a:off x="394446" y="1078397"/>
+            <a:off x="311862" y="1078397"/>
             <a:ext cx="8355106" cy="496996"/>
           </a:xfrm>
           <a:prstGeom prst="rect">
@@ -5142,7 +7378,7 @@
         <p:spPr>
           <a:xfrm>
             <a:off x="394446" y="1773470"/>
-            <a:ext cx="6994645" cy="1200329"/>
+            <a:ext cx="6994645" cy="3139321"/>
           </a:xfrm>
           <a:prstGeom prst="rect">
             <a:avLst/>
@@ -5157,15 +7393,7 @@
           <a:p>
             <a:r>
               <a:rPr lang="it-IT" b="1" dirty="0"/>
-              <a:t>YAML Parser </a:t>
-            </a:r>
-            <a:r>
-              <a:rPr lang="tr-TR" b="1" dirty="0"/>
-              <a:t>Class </a:t>
-            </a:r>
-            <a:r>
-              <a:rPr lang="it-IT" b="1" dirty="0"/>
-              <a:t>(Pure Python)</a:t>
+              <a:t>YAML Parser (Pure Python)</a:t>
             </a:r>
             <a:r>
               <a:rPr lang="tr-TR" b="1" dirty="0"/>
@@ -5175,12 +7403,35 @@
           <a:p>
             <a:r>
               <a:rPr lang="tr-TR" dirty="0"/>
-              <a:t>Verileri okuyup veri yapısı formatında farklı algoritmalarda işlemlere sokabiliyor. Microservis isimlerini belirleme</a:t>
-            </a:r>
-            <a:endParaRPr lang="it-IT" dirty="0"/>
-          </a:p>
-          <a:p>
-            <a:endParaRPr lang="en-US" dirty="0"/>
+              <a:t>Verileri okuyup veri yapıları formatında farklı algoritmalar yardımıyla işlemlere sokabiliyor. </a:t>
+            </a:r>
+          </a:p>
+          <a:p>
+            <a:endParaRPr lang="tr-TR" dirty="0"/>
+          </a:p>
+          <a:p>
+            <a:r>
+              <a:rPr lang="tr-TR" dirty="0"/>
+              <a:t>Her mikroservis için isimleri belirleme, produced/subscribed topicleri toplama ve bağımlılıkları keşfetme.</a:t>
+            </a:r>
+          </a:p>
+          <a:p>
+            <a:endParaRPr lang="tr-TR" dirty="0"/>
+          </a:p>
+          <a:p>
+            <a:r>
+              <a:rPr lang="tr-TR" b="1" dirty="0"/>
+              <a:t>Flask – Backend: </a:t>
+            </a:r>
+          </a:p>
+          <a:p>
+            <a:endParaRPr lang="tr-TR" dirty="0"/>
+          </a:p>
+          <a:p>
+            <a:endParaRPr lang="tr-TR" dirty="0"/>
+          </a:p>
+          <a:p>
+            <a:endParaRPr lang="tr-TR" dirty="0"/>
           </a:p>
         </p:txBody>
       </p:sp>
@@ -5188,6 +7439,167 @@
     <p:extLst>
       <p:ext uri="{BB962C8B-B14F-4D97-AF65-F5344CB8AC3E}">
         <p14:creationId xmlns:p14="http://schemas.microsoft.com/office/powerpoint/2010/main" val="508571438"/>
+      </p:ext>
+    </p:extLst>
+  </p:cSld>
+  <p:clrMapOvr>
+    <a:masterClrMapping/>
+  </p:clrMapOvr>
+  <p:transition advClick="0"/>
+</p:sld>
+</file>
+
+<file path=ppt/slides/slide13.xml><?xml version="1.0" encoding="utf-8"?>
+<p:sld xmlns:a="http://schemas.openxmlformats.org/drawingml/2006/main" xmlns:r="http://schemas.openxmlformats.org/officeDocument/2006/relationships" xmlns:p="http://schemas.openxmlformats.org/presentationml/2006/main">
+  <p:cSld>
+    <p:spTree>
+      <p:nvGrpSpPr>
+        <p:cNvPr id="1" name="">
+          <a:extLst>
+            <a:ext uri="{FF2B5EF4-FFF2-40B4-BE49-F238E27FC236}">
+              <a16:creationId xmlns:a16="http://schemas.microsoft.com/office/drawing/2014/main" id="{6DBB11AB-3DB3-AE02-7F76-07AC74C21134}"/>
+            </a:ext>
+          </a:extLst>
+        </p:cNvPr>
+        <p:cNvGrpSpPr/>
+        <p:nvPr/>
+      </p:nvGrpSpPr>
+      <p:grpSpPr>
+        <a:xfrm>
+          <a:off x="0" y="0"/>
+          <a:ext cx="0" cy="0"/>
+          <a:chOff x="0" y="0"/>
+          <a:chExt cx="0" cy="0"/>
+        </a:xfrm>
+      </p:grpSpPr>
+      <p:sp>
+        <p:nvSpPr>
+          <p:cNvPr id="2" name="TextBox 1">
+            <a:extLst>
+              <a:ext uri="{FF2B5EF4-FFF2-40B4-BE49-F238E27FC236}">
+                <a16:creationId xmlns:a16="http://schemas.microsoft.com/office/drawing/2014/main" id="{34B96BA4-6D42-0653-A730-990139F17D73}"/>
+              </a:ext>
+            </a:extLst>
+          </p:cNvPr>
+          <p:cNvSpPr txBox="1"/>
+          <p:nvPr/>
+        </p:nvSpPr>
+        <p:spPr>
+          <a:xfrm>
+            <a:off x="0" y="425361"/>
+            <a:ext cx="4613571" cy="369332"/>
+          </a:xfrm>
+          <a:prstGeom prst="rect">
+            <a:avLst/>
+          </a:prstGeom>
+          <a:noFill/>
+        </p:spPr>
+        <p:txBody>
+          <a:bodyPr wrap="none" rtlCol="0">
+            <a:spAutoFit/>
+          </a:bodyPr>
+          <a:lstStyle/>
+          <a:p>
+            <a:r>
+              <a:rPr lang="tr-TR" dirty="0">
+                <a:solidFill>
+                  <a:schemeClr val="bg1"/>
+                </a:solidFill>
+              </a:rPr>
+              <a:t>Sistemin Tasarımı ve Kullanılan Teknolojiler</a:t>
+            </a:r>
+            <a:endParaRPr lang="en-US" dirty="0">
+              <a:solidFill>
+                <a:schemeClr val="bg1"/>
+              </a:solidFill>
+            </a:endParaRPr>
+          </a:p>
+        </p:txBody>
+      </p:sp>
+      <p:sp>
+        <p:nvSpPr>
+          <p:cNvPr id="5" name="TextBox 4">
+            <a:extLst>
+              <a:ext uri="{FF2B5EF4-FFF2-40B4-BE49-F238E27FC236}">
+                <a16:creationId xmlns:a16="http://schemas.microsoft.com/office/drawing/2014/main" id="{46912EE0-1191-2E36-BFE4-2C8E523F70ED}"/>
+              </a:ext>
+            </a:extLst>
+          </p:cNvPr>
+          <p:cNvSpPr txBox="1"/>
+          <p:nvPr/>
+        </p:nvSpPr>
+        <p:spPr>
+          <a:xfrm>
+            <a:off x="394446" y="1078397"/>
+            <a:ext cx="8355106" cy="496996"/>
+          </a:xfrm>
+          <a:prstGeom prst="rect">
+            <a:avLst/>
+          </a:prstGeom>
+          <a:noFill/>
+        </p:spPr>
+        <p:txBody>
+          <a:bodyPr wrap="square">
+            <a:spAutoFit/>
+          </a:bodyPr>
+          <a:lstStyle/>
+          <a:p>
+            <a:pPr>
+              <a:lnSpc>
+                <a:spcPct val="150000"/>
+              </a:lnSpc>
+            </a:pPr>
+            <a:r>
+              <a:rPr lang="tr-TR" sz="2000" b="1" dirty="0">
+                <a:solidFill>
+                  <a:srgbClr val="C00000"/>
+                </a:solidFill>
+              </a:rPr>
+              <a:t> Sistem Tasarımı</a:t>
+            </a:r>
+          </a:p>
+        </p:txBody>
+      </p:sp>
+      <p:pic>
+        <p:nvPicPr>
+          <p:cNvPr id="8" name="Picture 7" descr="A diagram of a diagram&#10;&#10;AI-generated content may be incorrect.">
+            <a:extLst>
+              <a:ext uri="{FF2B5EF4-FFF2-40B4-BE49-F238E27FC236}">
+                <a16:creationId xmlns:a16="http://schemas.microsoft.com/office/drawing/2014/main" id="{80B2FE32-DF9C-242B-0BAB-3C05FE13ABDF}"/>
+              </a:ext>
+            </a:extLst>
+          </p:cNvPr>
+          <p:cNvPicPr>
+            <a:picLocks noChangeAspect="1"/>
+          </p:cNvPicPr>
+          <p:nvPr/>
+        </p:nvPicPr>
+        <p:blipFill>
+          <a:blip r:embed="rId3">
+            <a:extLst>
+              <a:ext uri="{28A0092B-C50C-407E-A947-70E740481C1C}">
+                <a14:useLocalDpi xmlns:a14="http://schemas.microsoft.com/office/drawing/2010/main" val="0"/>
+              </a:ext>
+            </a:extLst>
+          </a:blip>
+          <a:stretch>
+            <a:fillRect/>
+          </a:stretch>
+        </p:blipFill>
+        <p:spPr>
+          <a:xfrm>
+            <a:off x="0" y="880321"/>
+            <a:ext cx="9144000" cy="5977680"/>
+          </a:xfrm>
+          <a:prstGeom prst="rect">
+            <a:avLst/>
+          </a:prstGeom>
+        </p:spPr>
+      </p:pic>
+    </p:spTree>
+    <p:extLst>
+      <p:ext uri="{BB962C8B-B14F-4D97-AF65-F5344CB8AC3E}">
+        <p14:creationId xmlns:p14="http://schemas.microsoft.com/office/powerpoint/2010/main" val="224790879"/>
       </p:ext>
     </p:extLst>
   </p:cSld>
@@ -5824,8 +8236,8 @@
         </p:nvSpPr>
         <p:spPr>
           <a:xfrm>
-            <a:off x="167780" y="2058112"/>
-            <a:ext cx="4983061" cy="3434273"/>
+            <a:off x="167780" y="2404360"/>
+            <a:ext cx="4983061" cy="2049279"/>
           </a:xfrm>
           <a:prstGeom prst="rect">
             <a:avLst/>
@@ -5875,29 +8287,6 @@
               <a:rPr lang="tr-TR" dirty="0"/>
               <a:t>3. Sınıf</a:t>
             </a:r>
-          </a:p>
-          <a:p>
-            <a:pPr marL="285750" indent="-285750">
-              <a:lnSpc>
-                <a:spcPct val="250000"/>
-              </a:lnSpc>
-              <a:buFont typeface="Wingdings" panose="05000000000000000000" pitchFamily="2" charset="2"/>
-              <a:buChar char="v"/>
-            </a:pPr>
-            <a:r>
-              <a:rPr lang="tr-TR" dirty="0"/>
-              <a:t>GPA: 3.10</a:t>
-            </a:r>
-          </a:p>
-          <a:p>
-            <a:pPr marL="285750" indent="-285750">
-              <a:lnSpc>
-                <a:spcPct val="250000"/>
-              </a:lnSpc>
-              <a:buFont typeface="Wingdings" panose="05000000000000000000" pitchFamily="2" charset="2"/>
-              <a:buChar char="v"/>
-            </a:pPr>
-            <a:endParaRPr lang="tr-TR" dirty="0"/>
           </a:p>
         </p:txBody>
       </p:sp>
@@ -8400,6 +10789,23 @@
 </file>
 
 <file path=customXml/item1.xml><?xml version="1.0" encoding="utf-8"?>
+<p:properties xmlns:p="http://schemas.microsoft.com/office/2006/metadata/properties" xmlns:xsi="http://www.w3.org/2001/XMLSchema-instance" xmlns:pc="http://schemas.microsoft.com/office/infopath/2007/PartnerControls">
+  <documentManagement>
+    <_activity xmlns="f048bf54-aa83-4439-b641-98df509ced0a" xsi:nil="true"/>
+  </documentManagement>
+</p:properties>
+</file>
+
+<file path=customXml/item2.xml><?xml version="1.0" encoding="utf-8"?>
+<?mso-contentType ?>
+<FormTemplates xmlns="http://schemas.microsoft.com/sharepoint/v3/contenttype/forms">
+  <Display>DocumentLibraryForm</Display>
+  <Edit>DocumentLibraryForm</Edit>
+  <New>DocumentLibraryForm</New>
+</FormTemplates>
+</file>
+
+<file path=customXml/item3.xml><?xml version="1.0" encoding="utf-8"?>
 <ct:contentTypeSchema xmlns:ct="http://schemas.microsoft.com/office/2006/metadata/contentType" xmlns:ma="http://schemas.microsoft.com/office/2006/metadata/properties/metaAttributes" ct:_="" ma:_="" ma:contentTypeName="Belge" ma:contentTypeID="0x0101005BE01AE1E5DBC243947741F177CBEA9E" ma:contentTypeVersion="6" ma:contentTypeDescription="Yeni belge oluşturun." ma:contentTypeScope="" ma:versionID="38f4fc015044c55c612cf29323aa2f33">
   <xsd:schema xmlns:xsd="http://www.w3.org/2001/XMLSchema" xmlns:xs="http://www.w3.org/2001/XMLSchema" xmlns:p="http://schemas.microsoft.com/office/2006/metadata/properties" xmlns:ns3="f048bf54-aa83-4439-b641-98df509ced0a" targetNamespace="http://schemas.microsoft.com/office/2006/metadata/properties" ma:root="true" ma:fieldsID="60a0bdd79bb6ee7b0b1ef52ee94f0c1f" ns3:_="">
     <xsd:import namespace="f048bf54-aa83-4439-b641-98df509ced0a"/>
@@ -8555,24 +10961,31 @@
 </ct:contentTypeSchema>
 </file>
 
-<file path=customXml/item2.xml><?xml version="1.0" encoding="utf-8"?>
-<?mso-contentType ?>
-<FormTemplates xmlns="http://schemas.microsoft.com/sharepoint/v3/contenttype/forms">
-  <Display>DocumentLibraryForm</Display>
-  <Edit>DocumentLibraryForm</Edit>
-  <New>DocumentLibraryForm</New>
-</FormTemplates>
+<file path=customXml/itemProps1.xml><?xml version="1.0" encoding="utf-8"?>
+<ds:datastoreItem xmlns:ds="http://schemas.openxmlformats.org/officeDocument/2006/customXml" ds:itemID="{0C9E674A-4883-4338-9B0C-081EEE383D92}">
+  <ds:schemaRefs>
+    <ds:schemaRef ds:uri="http://purl.org/dc/terms/"/>
+    <ds:schemaRef ds:uri="http://schemas.microsoft.com/office/2006/documentManagement/types"/>
+    <ds:schemaRef ds:uri="http://purl.org/dc/elements/1.1/"/>
+    <ds:schemaRef ds:uri="http://schemas.openxmlformats.org/package/2006/metadata/core-properties"/>
+    <ds:schemaRef ds:uri="http://www.w3.org/XML/1998/namespace"/>
+    <ds:schemaRef ds:uri="http://schemas.microsoft.com/office/infopath/2007/PartnerControls"/>
+    <ds:schemaRef ds:uri="http://purl.org/dc/dcmitype/"/>
+    <ds:schemaRef ds:uri="f048bf54-aa83-4439-b641-98df509ced0a"/>
+    <ds:schemaRef ds:uri="http://schemas.microsoft.com/office/2006/metadata/properties"/>
+  </ds:schemaRefs>
+</ds:datastoreItem>
 </file>
 
-<file path=customXml/item3.xml><?xml version="1.0" encoding="utf-8"?>
-<p:properties xmlns:p="http://schemas.microsoft.com/office/2006/metadata/properties" xmlns:xsi="http://www.w3.org/2001/XMLSchema-instance" xmlns:pc="http://schemas.microsoft.com/office/infopath/2007/PartnerControls">
-  <documentManagement>
-    <_activity xmlns="f048bf54-aa83-4439-b641-98df509ced0a" xsi:nil="true"/>
-  </documentManagement>
-</p:properties>
+<file path=customXml/itemProps2.xml><?xml version="1.0" encoding="utf-8"?>
+<ds:datastoreItem xmlns:ds="http://schemas.openxmlformats.org/officeDocument/2006/customXml" ds:itemID="{3A3AC79A-8B1C-4BE4-9709-1C5B10B3B3C0}">
+  <ds:schemaRefs>
+    <ds:schemaRef ds:uri="http://schemas.microsoft.com/sharepoint/v3/contenttype/forms"/>
+  </ds:schemaRefs>
+</ds:datastoreItem>
 </file>
 
-<file path=customXml/itemProps1.xml><?xml version="1.0" encoding="utf-8"?>
+<file path=customXml/itemProps3.xml><?xml version="1.0" encoding="utf-8"?>
 <ds:datastoreItem xmlns:ds="http://schemas.openxmlformats.org/officeDocument/2006/customXml" ds:itemID="{A948BF03-C974-4C7C-817E-45E868855FBF}">
   <ds:schemaRefs>
     <ds:schemaRef ds:uri="http://schemas.microsoft.com/office/2006/metadata/contentType"/>
@@ -8590,30 +11003,6 @@
 </ds:datastoreItem>
 </file>
 
-<file path=customXml/itemProps2.xml><?xml version="1.0" encoding="utf-8"?>
-<ds:datastoreItem xmlns:ds="http://schemas.openxmlformats.org/officeDocument/2006/customXml" ds:itemID="{3A3AC79A-8B1C-4BE4-9709-1C5B10B3B3C0}">
-  <ds:schemaRefs>
-    <ds:schemaRef ds:uri="http://schemas.microsoft.com/sharepoint/v3/contenttype/forms"/>
-  </ds:schemaRefs>
-</ds:datastoreItem>
-</file>
-
-<file path=customXml/itemProps3.xml><?xml version="1.0" encoding="utf-8"?>
-<ds:datastoreItem xmlns:ds="http://schemas.openxmlformats.org/officeDocument/2006/customXml" ds:itemID="{0C9E674A-4883-4338-9B0C-081EEE383D92}">
-  <ds:schemaRefs>
-    <ds:schemaRef ds:uri="http://purl.org/dc/terms/"/>
-    <ds:schemaRef ds:uri="http://schemas.microsoft.com/office/2006/documentManagement/types"/>
-    <ds:schemaRef ds:uri="http://purl.org/dc/elements/1.1/"/>
-    <ds:schemaRef ds:uri="http://schemas.openxmlformats.org/package/2006/metadata/core-properties"/>
-    <ds:schemaRef ds:uri="http://www.w3.org/XML/1998/namespace"/>
-    <ds:schemaRef ds:uri="http://schemas.microsoft.com/office/infopath/2007/PartnerControls"/>
-    <ds:schemaRef ds:uri="http://purl.org/dc/dcmitype/"/>
-    <ds:schemaRef ds:uri="f048bf54-aa83-4439-b641-98df509ced0a"/>
-    <ds:schemaRef ds:uri="http://schemas.microsoft.com/office/2006/metadata/properties"/>
-  </ds:schemaRefs>
-</ds:datastoreItem>
-</file>
-
 <file path=docMetadata/LabelInfo.xml><?xml version="1.0" encoding="utf-8"?>
 <clbl:labelList xmlns:clbl="http://schemas.microsoft.com/office/2020/mipLabelMetadata">
   <clbl:label id="{46415e10-7270-4148-bc02-4fac48fe7ef2}" enabled="0" method="" siteId="{46415e10-7270-4148-bc02-4fac48fe7ef2}" removed="1"/>
